--- a/slides/slides.pptx
+++ b/slides/slides.pptx
@@ -17170,6 +17170,122 @@
           </a:p>
         </p:txBody>
       </p:sp>
+      <p:sp>
+        <p:nvSpPr>
+          <p:cNvPr id="2" name="TextBox 1">
+            <a:extLst>
+              <a:ext uri="{FF2B5EF4-FFF2-40B4-BE49-F238E27FC236}">
+                <a16:creationId xmlns:a16="http://schemas.microsoft.com/office/drawing/2014/main" id="{71B0CE9E-BAC7-5B67-F3C8-E7AD708F7F65}"/>
+              </a:ext>
+            </a:extLst>
+          </p:cNvPr>
+          <p:cNvSpPr txBox="1"/>
+          <p:nvPr/>
+        </p:nvSpPr>
+        <p:spPr>
+          <a:xfrm>
+            <a:off x="1629916" y="2005886"/>
+            <a:ext cx="10747051" cy="2846228"/>
+          </a:xfrm>
+          <a:prstGeom prst="rect">
+            <a:avLst/>
+          </a:prstGeom>
+          <a:noFill/>
+        </p:spPr>
+        <p:txBody>
+          <a:bodyPr wrap="square" lIns="0" tIns="0" rIns="0" bIns="0" rtlCol="0">
+            <a:spAutoFit/>
+          </a:bodyPr>
+          <a:lstStyle/>
+          <a:p>
+            <a:pPr marL="342900" indent="-342900">
+              <a:lnSpc>
+                <a:spcPct val="200000"/>
+              </a:lnSpc>
+              <a:buFont typeface="+mj-lt"/>
+              <a:buAutoNum type="arabicPeriod"/>
+            </a:pPr>
+            <a:r>
+              <a:rPr lang="en-DK" sz="2400" b="1" dirty="0">
+                <a:latin typeface="+mn-lt"/>
+              </a:rPr>
+              <a:t>Introductory presentation:</a:t>
+            </a:r>
+            <a:r>
+              <a:rPr lang="en-DK" sz="2400" dirty="0">
+                <a:latin typeface="+mn-lt"/>
+              </a:rPr>
+              <a:t> This is what you’re looking at currently. </a:t>
+            </a:r>
+          </a:p>
+          <a:p>
+            <a:pPr marL="342900" indent="-342900">
+              <a:lnSpc>
+                <a:spcPct val="200000"/>
+              </a:lnSpc>
+              <a:buFont typeface="+mj-lt"/>
+              <a:buAutoNum type="arabicPeriod"/>
+            </a:pPr>
+            <a:r>
+              <a:rPr lang="en-DK" sz="2400" b="1" dirty="0">
+                <a:latin typeface="+mn-lt"/>
+              </a:rPr>
+              <a:t>Hands-on: </a:t>
+            </a:r>
+            <a:r>
+              <a:rPr lang="en-DK" sz="2400" dirty="0">
+                <a:latin typeface="+mn-lt"/>
+              </a:rPr>
+              <a:t>Working on the first exercise notebook</a:t>
+            </a:r>
+            <a:endParaRPr lang="en-DK" sz="2400" b="1" dirty="0">
+              <a:latin typeface="+mn-lt"/>
+            </a:endParaRPr>
+          </a:p>
+          <a:p>
+            <a:pPr marL="342900" indent="-342900">
+              <a:lnSpc>
+                <a:spcPct val="200000"/>
+              </a:lnSpc>
+              <a:buFont typeface="+mj-lt"/>
+              <a:buAutoNum type="arabicPeriod"/>
+            </a:pPr>
+            <a:r>
+              <a:rPr lang="en-DK" sz="2400" b="1" dirty="0">
+                <a:latin typeface="+mn-lt"/>
+              </a:rPr>
+              <a:t>Recap: </a:t>
+            </a:r>
+            <a:r>
+              <a:rPr lang="en-DK" sz="2400" dirty="0">
+                <a:latin typeface="+mn-lt"/>
+              </a:rPr>
+              <a:t>First exercise + introduction to second.</a:t>
+            </a:r>
+          </a:p>
+          <a:p>
+            <a:pPr marL="342900" indent="-342900">
+              <a:lnSpc>
+                <a:spcPct val="200000"/>
+              </a:lnSpc>
+              <a:buFont typeface="+mj-lt"/>
+              <a:buAutoNum type="arabicPeriod"/>
+            </a:pPr>
+            <a:r>
+              <a:rPr lang="en-DK" sz="2400" b="1" dirty="0">
+                <a:latin typeface="+mn-lt"/>
+              </a:rPr>
+              <a:t>Hands on: </a:t>
+            </a:r>
+            <a:r>
+              <a:rPr lang="en-DK" sz="2400" dirty="0">
+                <a:latin typeface="+mn-lt"/>
+              </a:rPr>
+              <a:t>Working on the second exercise notebook</a:t>
+            </a:r>
+          </a:p>
+        </p:txBody>
+      </p:sp>
     </p:spTree>
     <p:custDataLst>
       <p:tags r:id="rId1"/>
@@ -18327,7 +18443,7 @@
         </p:blipFill>
         <p:spPr>
           <a:xfrm>
-            <a:off x="1341884" y="1795714"/>
+            <a:off x="1341884" y="2348880"/>
             <a:ext cx="9859626" cy="1700755"/>
           </a:xfrm>
           <a:prstGeom prst="rect">
@@ -18349,7 +18465,7 @@
         </p:nvSpPr>
         <p:spPr>
           <a:xfrm>
-            <a:off x="1485900" y="3861048"/>
+            <a:off x="1485900" y="4414214"/>
             <a:ext cx="9505056" cy="467820"/>
           </a:xfrm>
           <a:prstGeom prst="rect">
@@ -18373,6 +18489,90 @@
                 <a:latin typeface="+mn-lt"/>
               </a:rPr>
               <a:t>Will install all the required dependencies into the colab environment – can take a little while so if you already have your laptop open you can do this now.</a:t>
+            </a:r>
+          </a:p>
+        </p:txBody>
+      </p:sp>
+      <p:sp>
+        <p:nvSpPr>
+          <p:cNvPr id="8" name="TextBox 7">
+            <a:extLst>
+              <a:ext uri="{FF2B5EF4-FFF2-40B4-BE49-F238E27FC236}">
+                <a16:creationId xmlns:a16="http://schemas.microsoft.com/office/drawing/2014/main" id="{D2498132-1A02-3C22-A18F-A9690278BCDA}"/>
+              </a:ext>
+            </a:extLst>
+          </p:cNvPr>
+          <p:cNvSpPr txBox="1"/>
+          <p:nvPr/>
+        </p:nvSpPr>
+        <p:spPr>
+          <a:xfrm>
+            <a:off x="873832" y="1493959"/>
+            <a:ext cx="10441160" cy="350865"/>
+          </a:xfrm>
+          <a:prstGeom prst="rect">
+            <a:avLst/>
+          </a:prstGeom>
+          <a:noFill/>
+        </p:spPr>
+        <p:txBody>
+          <a:bodyPr wrap="square" lIns="0" tIns="0" rIns="0" bIns="0" rtlCol="0">
+            <a:spAutoFit/>
+          </a:bodyPr>
+          <a:lstStyle/>
+          <a:p>
+            <a:pPr>
+              <a:lnSpc>
+                <a:spcPct val="95000"/>
+              </a:lnSpc>
+            </a:pPr>
+            <a:r>
+              <a:rPr lang="en-DK" sz="2400" dirty="0">
+                <a:latin typeface="+mn-lt"/>
+              </a:rPr>
+              <a:t>Exercises are on my github: </a:t>
+            </a:r>
+            <a:r>
+              <a:rPr lang="en-GB" sz="2400" dirty="0">
+                <a:latin typeface="+mn-lt"/>
+              </a:rPr>
+              <a:t>https://</a:t>
+            </a:r>
+            <a:r>
+              <a:rPr lang="en-GB" sz="2400" dirty="0" err="1">
+                <a:latin typeface="+mn-lt"/>
+              </a:rPr>
+              <a:t>github.com</a:t>
+            </a:r>
+            <a:r>
+              <a:rPr lang="en-GB" sz="2400" dirty="0">
+                <a:latin typeface="+mn-lt"/>
+              </a:rPr>
+              <a:t>/Mads-</a:t>
+            </a:r>
+            <a:r>
+              <a:rPr lang="en-GB" sz="2400" dirty="0" err="1">
+                <a:latin typeface="+mn-lt"/>
+              </a:rPr>
+              <a:t>PeterVC</a:t>
+            </a:r>
+            <a:r>
+              <a:rPr lang="en-GB" sz="2400" dirty="0">
+                <a:latin typeface="+mn-lt"/>
+              </a:rPr>
+              <a:t>/</a:t>
+            </a:r>
+            <a:r>
+              <a:rPr lang="en-GB" sz="2400" dirty="0" err="1">
+                <a:latin typeface="+mn-lt"/>
+              </a:rPr>
+              <a:t>rlmep</a:t>
+            </a:r>
+            <a:r>
+              <a:rPr lang="en-DK" sz="2400" dirty="0">
+                <a:latin typeface="+mn-lt"/>
+              </a:rPr>
+              <a:t> </a:t>
             </a:r>
           </a:p>
         </p:txBody>

--- a/slides/slides.pptx
+++ b/slides/slides.pptx
@@ -1519,7 +1519,7 @@
             <a:fld id="{78417F83-4CBA-48F2-BAD0-783AE3701E32}" type="datetimeFigureOut">
               <a:rPr lang="da-DK" smtClean="0"/>
               <a:pPr/>
-              <a:t>30.06.2025</a:t>
+              <a:t>02.07.2025</a:t>
             </a:fld>
             <a:r>
               <a:rPr lang="da-DK" dirty="0"/>
@@ -1729,7 +1729,7 @@
             <a:fld id="{78417F83-4CBA-48F2-BAD0-783AE3701E32}" type="datetimeFigureOut">
               <a:rPr lang="da-DK" smtClean="0"/>
               <a:pPr/>
-              <a:t>30.06.2025</a:t>
+              <a:t>02.07.2025</a:t>
             </a:fld>
             <a:r>
               <a:rPr lang="da-DK" dirty="0"/>
@@ -1970,7 +1970,7 @@
             <a:fld id="{78417F83-4CBA-48F2-BAD0-783AE3701E32}" type="datetimeFigureOut">
               <a:rPr lang="da-DK" smtClean="0"/>
               <a:pPr/>
-              <a:t>30.06.2025</a:t>
+              <a:t>02.07.2025</a:t>
             </a:fld>
             <a:r>
               <a:rPr lang="da-DK" dirty="0"/>
@@ -2140,7 +2140,7 @@
             <a:fld id="{78417F83-4CBA-48F2-BAD0-783AE3701E32}" type="datetimeFigureOut">
               <a:rPr lang="da-DK" smtClean="0"/>
               <a:pPr/>
-              <a:t>30.06.2025</a:t>
+              <a:t>02.07.2025</a:t>
             </a:fld>
             <a:r>
               <a:rPr lang="da-DK" dirty="0"/>
@@ -2314,7 +2314,7 @@
             <a:fld id="{78417F83-4CBA-48F2-BAD0-783AE3701E32}" type="datetimeFigureOut">
               <a:rPr lang="da-DK" smtClean="0"/>
               <a:pPr/>
-              <a:t>30.06.2025</a:t>
+              <a:t>02.07.2025</a:t>
             </a:fld>
             <a:r>
               <a:rPr lang="da-DK" dirty="0"/>
@@ -2651,7 +2651,7 @@
             <a:fld id="{78417F83-4CBA-48F2-BAD0-783AE3701E32}" type="datetimeFigureOut">
               <a:rPr lang="da-DK" smtClean="0"/>
               <a:pPr/>
-              <a:t>30.06.2025</a:t>
+              <a:t>02.07.2025</a:t>
             </a:fld>
             <a:r>
               <a:rPr lang="da-DK" dirty="0"/>
@@ -2822,7 +2822,7 @@
             <a:fld id="{78417F83-4CBA-48F2-BAD0-783AE3701E32}" type="datetimeFigureOut">
               <a:rPr lang="da-DK" smtClean="0"/>
               <a:pPr/>
-              <a:t>30.06.2025</a:t>
+              <a:t>02.07.2025</a:t>
             </a:fld>
             <a:r>
               <a:rPr lang="da-DK" dirty="0"/>
@@ -3018,7 +3018,7 @@
             <a:fld id="{78417F83-4CBA-48F2-BAD0-783AE3701E32}" type="datetimeFigureOut">
               <a:rPr lang="da-DK" smtClean="0"/>
               <a:pPr/>
-              <a:t>30.06.2025</a:t>
+              <a:t>02.07.2025</a:t>
             </a:fld>
             <a:r>
               <a:rPr lang="da-DK" dirty="0"/>
@@ -3187,7 +3187,7 @@
             <a:fld id="{78417F83-4CBA-48F2-BAD0-783AE3701E32}" type="datetimeFigureOut">
               <a:rPr lang="da-DK" smtClean="0"/>
               <a:pPr/>
-              <a:t>30.06.2025</a:t>
+              <a:t>02.07.2025</a:t>
             </a:fld>
             <a:r>
               <a:rPr lang="da-DK" dirty="0"/>
@@ -3341,7 +3341,7 @@
             <a:fld id="{78417F83-4CBA-48F2-BAD0-783AE3701E32}" type="datetimeFigureOut">
               <a:rPr lang="da-DK" smtClean="0"/>
               <a:pPr/>
-              <a:t>30.06.2025</a:t>
+              <a:t>02.07.2025</a:t>
             </a:fld>
             <a:r>
               <a:rPr lang="da-DK" dirty="0"/>
@@ -4230,7 +4230,7 @@
             <a:fld id="{78417F83-4CBA-48F2-BAD0-783AE3701E32}" type="datetimeFigureOut">
               <a:rPr lang="da-DK" smtClean="0"/>
               <a:pPr/>
-              <a:t>30.06.2025</a:t>
+              <a:t>02.07.2025</a:t>
             </a:fld>
             <a:r>
               <a:rPr lang="da-DK" dirty="0"/>
@@ -5046,7 +5046,7 @@
             <a:fld id="{78417F83-4CBA-48F2-BAD0-783AE3701E32}" type="datetimeFigureOut">
               <a:rPr lang="da-DK" smtClean="0"/>
               <a:pPr/>
-              <a:t>30.06.2025</a:t>
+              <a:t>02.07.2025</a:t>
             </a:fld>
             <a:r>
               <a:rPr lang="da-DK" dirty="0"/>
@@ -5276,7 +5276,7 @@
             <a:fld id="{78417F83-4CBA-48F2-BAD0-783AE3701E32}" type="datetimeFigureOut">
               <a:rPr lang="da-DK" smtClean="0"/>
               <a:pPr/>
-              <a:t>30.06.2025</a:t>
+              <a:t>02.07.2025</a:t>
             </a:fld>
             <a:r>
               <a:rPr lang="da-DK" dirty="0"/>
@@ -5982,7 +5982,7 @@
             <a:fld id="{78417F83-4CBA-48F2-BAD0-783AE3701E32}" type="datetimeFigureOut">
               <a:rPr lang="da-DK" smtClean="0"/>
               <a:pPr/>
-              <a:t>30.06.2025</a:t>
+              <a:t>02.07.2025</a:t>
             </a:fld>
             <a:r>
               <a:rPr lang="da-DK" dirty="0"/>
@@ -6222,7 +6222,7 @@
             <a:fld id="{78417F83-4CBA-48F2-BAD0-783AE3701E32}" type="datetimeFigureOut">
               <a:rPr lang="da-DK" smtClean="0"/>
               <a:pPr/>
-              <a:t>30.06.2025</a:t>
+              <a:t>02.07.2025</a:t>
             </a:fld>
             <a:r>
               <a:rPr lang="da-DK"/>
@@ -6675,7 +6675,7 @@
             <a:fld id="{78417F83-4CBA-48F2-BAD0-783AE3701E32}" type="datetimeFigureOut">
               <a:rPr lang="da-DK" smtClean="0"/>
               <a:pPr/>
-              <a:t>30.06.2025</a:t>
+              <a:t>02.07.2025</a:t>
             </a:fld>
             <a:r>
               <a:rPr lang="da-DK" dirty="0"/>
@@ -7102,7 +7102,7 @@
             <a:fld id="{78417F83-4CBA-48F2-BAD0-783AE3701E32}" type="datetimeFigureOut">
               <a:rPr lang="da-DK" smtClean="0"/>
               <a:pPr/>
-              <a:t>30.06.2025</a:t>
+              <a:t>02.07.2025</a:t>
             </a:fld>
             <a:r>
               <a:rPr lang="da-DK" dirty="0"/>
@@ -7542,7 +7542,7 @@
             <a:fld id="{78417F83-4CBA-48F2-BAD0-783AE3701E32}" type="datetimeFigureOut">
               <a:rPr lang="da-DK" smtClean="0"/>
               <a:pPr/>
-              <a:t>30.06.2025</a:t>
+              <a:t>02.07.2025</a:t>
             </a:fld>
             <a:r>
               <a:rPr lang="da-DK" dirty="0"/>
@@ -7710,7 +7710,7 @@
             <a:fld id="{78417F83-4CBA-48F2-BAD0-783AE3701E32}" type="datetimeFigureOut">
               <a:rPr lang="da-DK" smtClean="0"/>
               <a:pPr/>
-              <a:t>30.06.2025</a:t>
+              <a:t>02.07.2025</a:t>
             </a:fld>
             <a:r>
               <a:rPr lang="da-DK" dirty="0"/>
@@ -7891,7 +7891,7 @@
             <a:fld id="{78417F83-4CBA-48F2-BAD0-783AE3701E32}" type="datetimeFigureOut">
               <a:rPr lang="da-DK" smtClean="0"/>
               <a:pPr/>
-              <a:t>30.06.2025</a:t>
+              <a:t>02.07.2025</a:t>
             </a:fld>
             <a:r>
               <a:rPr lang="da-DK" dirty="0"/>
@@ -8611,7 +8611,7 @@
             <a:fld id="{78417F83-4CBA-48F2-BAD0-783AE3701E32}" type="datetimeFigureOut">
               <a:rPr lang="da-DK" smtClean="0"/>
               <a:pPr/>
-              <a:t>30.06.2025</a:t>
+              <a:t>02.07.2025</a:t>
             </a:fld>
             <a:r>
               <a:rPr lang="da-DK"/>
@@ -9364,7 +9364,7 @@
           <a:p>
             <a:fld id="{82CE9F67-AD14-2E4D-AC0F-5DAC6371D4AF}" type="datetime1">
               <a:rPr lang="en-US" noProof="0" smtClean="0"/>
-              <a:t>6/30/25</a:t>
+              <a:t>7/2/25</a:t>
             </a:fld>
             <a:r>
               <a:rPr lang="en-US" noProof="0" dirty="0"/>
@@ -9661,7 +9661,7 @@
           <a:p>
             <a:fld id="{82CE9F67-AD14-2E4D-AC0F-5DAC6371D4AF}" type="datetime1">
               <a:rPr lang="en-US" noProof="0" smtClean="0"/>
-              <a:t>6/30/25</a:t>
+              <a:t>7/2/25</a:t>
             </a:fld>
             <a:r>
               <a:rPr lang="en-US" noProof="0" dirty="0"/>
@@ -10346,7 +10346,7 @@
           <a:p>
             <a:fld id="{82CE9F67-AD14-2E4D-AC0F-5DAC6371D4AF}" type="datetime1">
               <a:rPr lang="en-US" noProof="0" smtClean="0"/>
-              <a:t>6/30/25</a:t>
+              <a:t>7/2/25</a:t>
             </a:fld>
             <a:r>
               <a:rPr lang="en-US" noProof="0" dirty="0"/>
@@ -11707,8 +11707,8 @@
           <a:chExt cx="0" cy="0"/>
         </a:xfrm>
       </p:grpSpPr>
-      <mc:AlternateContent xmlns:mc="http://schemas.openxmlformats.org/markup-compatibility/2006">
-        <mc:Choice xmlns:a14="http://schemas.microsoft.com/office/drawing/2010/main" Requires="a14">
+      <mc:AlternateContent xmlns:mc="http://schemas.openxmlformats.org/markup-compatibility/2006" xmlns:a14="http://schemas.microsoft.com/office/drawing/2010/main">
+        <mc:Choice Requires="a14">
           <p:sp>
             <p:nvSpPr>
               <p:cNvPr id="9" name="TextBox 8">
@@ -12010,7 +12010,7 @@
             </p:txBody>
           </p:sp>
         </mc:Choice>
-        <mc:Fallback>
+        <mc:Fallback xmlns="">
           <p:sp>
             <p:nvSpPr>
               <p:cNvPr id="9" name="TextBox 8">
@@ -12078,7 +12078,7 @@
           <a:p>
             <a:fld id="{82CE9F67-AD14-2E4D-AC0F-5DAC6371D4AF}" type="datetime1">
               <a:rPr lang="en-US" noProof="0" smtClean="0"/>
-              <a:t>6/30/25</a:t>
+              <a:t>7/2/25</a:t>
             </a:fld>
             <a:r>
               <a:rPr lang="en-US" noProof="0" dirty="0"/>
@@ -13005,7 +13005,7 @@
           <a:p>
             <a:fld id="{82CE9F67-AD14-2E4D-AC0F-5DAC6371D4AF}" type="datetime1">
               <a:rPr lang="en-US" noProof="0" smtClean="0"/>
-              <a:t>6/30/25</a:t>
+              <a:t>7/2/25</a:t>
             </a:fld>
             <a:r>
               <a:rPr lang="en-US" noProof="0" dirty="0"/>
@@ -13576,8 +13576,8 @@
           <a:chExt cx="0" cy="0"/>
         </a:xfrm>
       </p:grpSpPr>
-      <mc:AlternateContent xmlns:mc="http://schemas.openxmlformats.org/markup-compatibility/2006">
-        <mc:Choice xmlns:a14="http://schemas.microsoft.com/office/drawing/2010/main" Requires="a14">
+      <mc:AlternateContent xmlns:mc="http://schemas.openxmlformats.org/markup-compatibility/2006" xmlns:a14="http://schemas.microsoft.com/office/drawing/2010/main">
+        <mc:Choice Requires="a14">
           <p:sp>
             <p:nvSpPr>
               <p:cNvPr id="9" name="TextBox 8">
@@ -14141,7 +14141,7 @@
             </p:txBody>
           </p:sp>
         </mc:Choice>
-        <mc:Fallback>
+        <mc:Fallback xmlns="">
           <p:sp>
             <p:nvSpPr>
               <p:cNvPr id="9" name="TextBox 8">
@@ -14209,7 +14209,7 @@
           <a:p>
             <a:fld id="{82CE9F67-AD14-2E4D-AC0F-5DAC6371D4AF}" type="datetime1">
               <a:rPr lang="en-US" noProof="0" smtClean="0"/>
-              <a:t>6/30/25</a:t>
+              <a:t>7/2/25</a:t>
             </a:fld>
             <a:r>
               <a:rPr lang="en-US" noProof="0" dirty="0"/>
@@ -14941,7 +14941,7 @@
           <a:p>
             <a:fld id="{76AE58FA-2F9C-CD46-9E72-9E22CA552897}" type="datetime1">
               <a:rPr lang="da-DK" smtClean="0"/>
-              <a:t>30.06.2025</a:t>
+              <a:t>02.07.2025</a:t>
             </a:fld>
             <a:r>
               <a:rPr lang="da-DK"/>
@@ -15144,7 +15144,7 @@
           <a:p>
             <a:fld id="{6870CC21-6CEA-4948-B082-9DE591E3A891}" type="datetime1">
               <a:rPr lang="en-US" noProof="0" smtClean="0"/>
-              <a:t>6/30/25</a:t>
+              <a:t>7/2/25</a:t>
             </a:fld>
             <a:r>
               <a:rPr lang="en-US" noProof="0" dirty="0"/>
@@ -16191,7 +16191,7 @@
           <a:p>
             <a:fld id="{4450D216-EC83-4F49-9413-B0ED3D2EC404}" type="datetime1">
               <a:rPr lang="da-DK" smtClean="0"/>
-              <a:t>30.06.2025</a:t>
+              <a:t>02.07.2025</a:t>
             </a:fld>
             <a:r>
               <a:rPr lang="da-DK"/>
@@ -16657,7 +16657,7 @@
           <a:p>
             <a:fld id="{9783B05F-7CA8-554F-BCBB-1742BA45F56C}" type="datetime1">
               <a:rPr lang="da-DK" smtClean="0"/>
-              <a:t>30.06.2025</a:t>
+              <a:t>02.07.2025</a:t>
             </a:fld>
             <a:r>
               <a:rPr lang="da-DK"/>
@@ -17319,8 +17319,43 @@
           <a:chExt cx="0" cy="0"/>
         </a:xfrm>
       </p:grpSpPr>
-      <mc:AlternateContent xmlns:mc="http://schemas.openxmlformats.org/markup-compatibility/2006" xmlns:a14="http://schemas.microsoft.com/office/drawing/2010/main">
-        <mc:Choice Requires="a14">
+      <p:sp>
+        <p:nvSpPr>
+          <p:cNvPr id="4" name="Title 3">
+            <a:extLst>
+              <a:ext uri="{FF2B5EF4-FFF2-40B4-BE49-F238E27FC236}">
+                <a16:creationId xmlns:a16="http://schemas.microsoft.com/office/drawing/2014/main" id="{7B58CAC7-3FB0-B7C3-9E09-8481933AF10E}"/>
+              </a:ext>
+            </a:extLst>
+          </p:cNvPr>
+          <p:cNvSpPr>
+            <a:spLocks noGrp="1"/>
+          </p:cNvSpPr>
+          <p:nvPr>
+            <p:ph type="title"/>
+          </p:nvPr>
+        </p:nvSpPr>
+        <p:spPr>
+          <a:xfrm>
+            <a:off x="316800" y="230400"/>
+            <a:ext cx="5644263" cy="752400"/>
+          </a:xfrm>
+        </p:spPr>
+        <p:txBody>
+          <a:bodyPr wrap="square" anchor="t">
+            <a:normAutofit fontScale="90000"/>
+          </a:bodyPr>
+          <a:lstStyle/>
+          <a:p>
+            <a:r>
+              <a:rPr lang="en-DK" dirty="0"/>
+              <a:t>Tabular Q-lEARNING</a:t>
+            </a:r>
+          </a:p>
+        </p:txBody>
+      </p:sp>
+      <mc:AlternateContent xmlns:mc="http://schemas.openxmlformats.org/markup-compatibility/2006">
+        <mc:Choice xmlns:a14="http://schemas.microsoft.com/office/drawing/2010/main" Requires="a14">
           <p:sp>
             <p:nvSpPr>
               <p:cNvPr id="2" name="Content Placeholder 1">
@@ -17334,12 +17369,19 @@
                 <a:spLocks noGrp="1"/>
               </p:cNvSpPr>
               <p:nvPr>
-                <p:ph idx="1"/>
+                <p:ph type="body" sz="quarter" idx="14"/>
               </p:nvPr>
             </p:nvSpPr>
-            <p:spPr/>
+            <p:spPr>
+              <a:xfrm>
+                <a:off x="985838" y="1371600"/>
+                <a:ext cx="4975225" cy="4525964"/>
+              </a:xfrm>
+            </p:spPr>
             <p:txBody>
-              <a:bodyPr/>
+              <a:bodyPr wrap="square" anchor="t">
+                <a:normAutofit/>
+              </a:bodyPr>
               <a:lstStyle/>
               <a:p>
                 <a14:m>
@@ -17657,7 +17699,7 @@
             </p:txBody>
           </p:sp>
         </mc:Choice>
-        <mc:Fallback xmlns="">
+        <mc:Fallback>
           <p:sp>
             <p:nvSpPr>
               <p:cNvPr id="2" name="Content Placeholder 1">
@@ -17671,14 +17713,18 @@
                 <a:spLocks noGrp="1" noRot="1" noChangeAspect="1" noMove="1" noResize="1" noEditPoints="1" noAdjustHandles="1" noChangeArrowheads="1" noChangeShapeType="1" noTextEdit="1"/>
               </p:cNvSpPr>
               <p:nvPr>
-                <p:ph idx="1"/>
+                <p:ph type="body" sz="quarter" idx="14"/>
               </p:nvPr>
             </p:nvSpPr>
             <p:spPr>
+              <a:xfrm>
+                <a:off x="985838" y="1371600"/>
+                <a:ext cx="4975225" cy="4525964"/>
+              </a:xfrm>
               <a:blipFill>
                 <a:blip r:embed="rId2"/>
                 <a:stretch>
-                  <a:fillRect l="-1489"/>
+                  <a:fillRect l="-3053"/>
                 </a:stretch>
               </a:blipFill>
             </p:spPr>
@@ -17697,6 +17743,38 @@
           </p:sp>
         </mc:Fallback>
       </mc:AlternateContent>
+      <p:pic>
+        <p:nvPicPr>
+          <p:cNvPr id="5" name="Picture 4" descr="A colorful squares with numbers&#10;&#10;AI-generated content may be incorrect.">
+            <a:extLst>
+              <a:ext uri="{FF2B5EF4-FFF2-40B4-BE49-F238E27FC236}">
+                <a16:creationId xmlns:a16="http://schemas.microsoft.com/office/drawing/2014/main" id="{AAAC5A7C-98F2-1BFB-E3F0-744ABF86779E}"/>
+              </a:ext>
+            </a:extLst>
+          </p:cNvPr>
+          <p:cNvPicPr>
+            <a:picLocks noChangeAspect="1"/>
+          </p:cNvPicPr>
+          <p:nvPr/>
+        </p:nvPicPr>
+        <p:blipFill>
+          <a:blip r:embed="rId3"/>
+          <a:srcRect r="-3" b="693"/>
+          <a:stretch>
+            <a:fillRect/>
+          </a:stretch>
+        </p:blipFill>
+        <p:spPr>
+          <a:xfrm>
+            <a:off x="6670476" y="836712"/>
+            <a:ext cx="4969760" cy="4914763"/>
+          </a:xfrm>
+          <a:prstGeom prst="rect">
+            <a:avLst/>
+          </a:prstGeom>
+          <a:noFill/>
+        </p:spPr>
+      </p:pic>
       <p:sp>
         <p:nvSpPr>
           <p:cNvPr id="3" name="Date Placeholder 2">
@@ -17710,49 +17788,36 @@
             <a:spLocks noGrp="1"/>
           </p:cNvSpPr>
           <p:nvPr>
-            <p:ph type="dt" sz="half" idx="10"/>
+            <p:ph type="dt" sz="half" idx="4294967295"/>
           </p:nvPr>
         </p:nvSpPr>
-        <p:spPr/>
+        <p:spPr>
+          <a:xfrm>
+            <a:off x="0" y="7020000"/>
+            <a:ext cx="0" cy="0"/>
+          </a:xfrm>
+        </p:spPr>
         <p:txBody>
           <a:bodyPr/>
           <a:lstStyle/>
           <a:p>
+            <a:pPr>
+              <a:spcAft>
+                <a:spcPts val="600"/>
+              </a:spcAft>
+            </a:pPr>
             <a:fld id="{6FC1E6E4-0DAB-F841-969A-04AEA5135F6D}" type="datetime1">
               <a:rPr lang="da-DK" smtClean="0"/>
-              <a:t>30.06.2025</a:t>
+              <a:pPr>
+                <a:spcAft>
+                  <a:spcPts val="600"/>
+                </a:spcAft>
+              </a:pPr>
+              <a:t>02.07.2025</a:t>
             </a:fld>
             <a:r>
               <a:rPr lang="da-DK"/>
               <a:t>03-07-2025</a:t>
-            </a:r>
-          </a:p>
-        </p:txBody>
-      </p:sp>
-      <p:sp>
-        <p:nvSpPr>
-          <p:cNvPr id="4" name="Title 3">
-            <a:extLst>
-              <a:ext uri="{FF2B5EF4-FFF2-40B4-BE49-F238E27FC236}">
-                <a16:creationId xmlns:a16="http://schemas.microsoft.com/office/drawing/2014/main" id="{7B58CAC7-3FB0-B7C3-9E09-8481933AF10E}"/>
-              </a:ext>
-            </a:extLst>
-          </p:cNvPr>
-          <p:cNvSpPr>
-            <a:spLocks noGrp="1"/>
-          </p:cNvSpPr>
-          <p:nvPr>
-            <p:ph type="title"/>
-          </p:nvPr>
-        </p:nvSpPr>
-        <p:spPr/>
-        <p:txBody>
-          <a:bodyPr/>
-          <a:lstStyle/>
-          <a:p>
-            <a:r>
-              <a:rPr lang="en-DK" dirty="0"/>
-              <a:t>Tabular Q-lEARNING</a:t>
             </a:r>
           </a:p>
         </p:txBody>
@@ -17810,7 +17875,7 @@
           <a:p>
             <a:fld id="{F0ADD7E4-F6B3-624D-B094-5C08831D1C62}" type="datetime1">
               <a:rPr lang="da-DK" smtClean="0"/>
-              <a:t>30.06.2025</a:t>
+              <a:t>02.07.2025</a:t>
             </a:fld>
             <a:r>
               <a:rPr lang="da-DK"/>
@@ -18117,7 +18182,7 @@
           <a:p>
             <a:fld id="{6D661EA6-F205-194E-AC50-DCCAA9DB1FE8}" type="datetime1">
               <a:rPr lang="en-US" noProof="0" smtClean="0"/>
-              <a:t>6/30/25</a:t>
+              <a:t>7/2/25</a:t>
             </a:fld>
             <a:r>
               <a:rPr lang="en-US" noProof="0" dirty="0"/>
@@ -18378,7 +18443,7 @@
           <a:p>
             <a:fld id="{26265460-2BF8-8748-89C0-63EF309C5099}" type="datetime1">
               <a:rPr lang="da-DK" smtClean="0"/>
-              <a:t>30.06.2025</a:t>
+              <a:t>02.07.2025</a:t>
             </a:fld>
             <a:r>
               <a:rPr lang="da-DK"/>
@@ -18630,7 +18695,7 @@
           <a:p>
             <a:fld id="{3A67F1F6-DE81-9D41-8313-C2C425CDDBEF}" type="datetime1">
               <a:rPr lang="en-US" noProof="0" smtClean="0"/>
-              <a:t>6/30/25</a:t>
+              <a:t>7/2/25</a:t>
             </a:fld>
             <a:r>
               <a:rPr lang="en-US" noProof="0" dirty="0"/>
@@ -18821,7 +18886,7 @@
           <a:p>
             <a:fld id="{51E7C951-19B2-AD4E-BCA3-8E4061A813D9}" type="datetime1">
               <a:rPr lang="da-DK" smtClean="0"/>
-              <a:t>30.06.2025</a:t>
+              <a:t>02.07.2025</a:t>
             </a:fld>
             <a:r>
               <a:rPr lang="da-DK"/>
@@ -19025,7 +19090,7 @@
           <a:p>
             <a:fld id="{51E7C951-19B2-AD4E-BCA3-8E4061A813D9}" type="datetime1">
               <a:rPr lang="da-DK" smtClean="0"/>
-              <a:t>30.06.2025</a:t>
+              <a:t>02.07.2025</a:t>
             </a:fld>
             <a:r>
               <a:rPr lang="da-DK"/>
@@ -19276,7 +19341,7 @@
           <a:p>
             <a:fld id="{51E7C951-19B2-AD4E-BCA3-8E4061A813D9}" type="datetime1">
               <a:rPr lang="da-DK" smtClean="0"/>
-              <a:t>30.06.2025</a:t>
+              <a:t>02.07.2025</a:t>
             </a:fld>
             <a:r>
               <a:rPr lang="da-DK"/>

--- a/slides/slides.pptx
+++ b/slides/slides.pptx
@@ -5,10 +5,10 @@
     <p:sldMasterId id="2147483648" r:id="rId1"/>
   </p:sldMasterIdLst>
   <p:notesMasterIdLst>
-    <p:notesMasterId r:id="rId22"/>
+    <p:notesMasterId r:id="rId25"/>
   </p:notesMasterIdLst>
   <p:handoutMasterIdLst>
-    <p:handoutMasterId r:id="rId23"/>
+    <p:handoutMasterId r:id="rId26"/>
   </p:handoutMasterIdLst>
   <p:sldIdLst>
     <p:sldId id="261" r:id="rId2"/>
@@ -31,35 +31,38 @@
     <p:sldId id="274" r:id="rId19"/>
     <p:sldId id="275" r:id="rId20"/>
     <p:sldId id="276" r:id="rId21"/>
+    <p:sldId id="286" r:id="rId22"/>
+    <p:sldId id="285" r:id="rId23"/>
+    <p:sldId id="283" r:id="rId24"/>
   </p:sldIdLst>
   <p:sldSz cx="12188825" cy="6858000"/>
   <p:notesSz cx="6797675" cy="9926638"/>
   <p:embeddedFontLst>
     <p:embeddedFont>
       <p:font typeface="AU Passata" panose="020B0503030502030804" pitchFamily="34" charset="77"/>
-      <p:regular r:id="rId24"/>
-      <p:bold r:id="rId25"/>
+      <p:regular r:id="rId27"/>
+      <p:bold r:id="rId28"/>
     </p:embeddedFont>
     <p:embeddedFont>
       <p:font typeface="AU Passata Light" panose="020B0303030902030804" pitchFamily="34" charset="77"/>
-      <p:regular r:id="rId26"/>
-      <p:bold r:id="rId27"/>
+      <p:regular r:id="rId29"/>
+      <p:bold r:id="rId30"/>
     </p:embeddedFont>
     <p:embeddedFont>
       <p:font typeface="AU Peto" pitchFamily="82" charset="77"/>
-      <p:regular r:id="rId28"/>
-      <p:bold r:id="rId29"/>
+      <p:regular r:id="rId31"/>
+      <p:bold r:id="rId32"/>
     </p:embeddedFont>
     <p:embeddedFont>
       <p:font typeface="Cambria Math" panose="02040503050406030204" pitchFamily="18" charset="0"/>
-      <p:regular r:id="rId30"/>
+      <p:regular r:id="rId33"/>
     </p:embeddedFont>
     <p:embeddedFont>
       <p:font typeface="Georgia" panose="02040502050405020303" pitchFamily="18" charset="0"/>
-      <p:regular r:id="rId31"/>
-      <p:bold r:id="rId32"/>
-      <p:italic r:id="rId33"/>
-      <p:boldItalic r:id="rId34"/>
+      <p:regular r:id="rId34"/>
+      <p:bold r:id="rId35"/>
+      <p:italic r:id="rId36"/>
+      <p:boldItalic r:id="rId37"/>
     </p:embeddedFont>
   </p:embeddedFontLst>
   <p:defaultTextStyle>
@@ -236,6 +239,9 @@
             <p14:sldId id="274"/>
             <p14:sldId id="275"/>
             <p14:sldId id="276"/>
+            <p14:sldId id="286"/>
+            <p14:sldId id="285"/>
+            <p14:sldId id="283"/>
           </p14:sldIdLst>
         </p14:section>
       </p14:sectionLst>
@@ -17127,7 +17133,7 @@
 </file>
 
 <file path=ppt/slides/slide2.xml><?xml version="1.0" encoding="utf-8"?>
-<p:sld xmlns:a="http://schemas.openxmlformats.org/drawingml/2006/main" xmlns:r="http://schemas.openxmlformats.org/officeDocument/2006/relationships" xmlns:p="http://schemas.openxmlformats.org/presentationml/2006/main">
+<p:sld xmlns:a="http://schemas.openxmlformats.org/drawingml/2006/main" xmlns:r="http://schemas.openxmlformats.org/officeDocument/2006/relationships" xmlns:p="http://schemas.openxmlformats.org/presentationml/2006/main" show="0">
   <p:cSld>
     <p:spTree>
       <p:nvGrpSpPr>
@@ -17383,6 +17389,67 @@
                 <a:normAutofit/>
               </a:bodyPr>
               <a:lstStyle/>
+              <a:p>
+                <a:r>
+                  <a:rPr lang="da-DK" dirty="0">
+                    <a:latin typeface="Cambria Math" panose="02040503050406030204" pitchFamily="18" charset="0"/>
+                  </a:rPr>
+                  <a:t>The Bellman </a:t>
+                </a:r>
+                <a:r>
+                  <a:rPr lang="da-DK" dirty="0" err="1">
+                    <a:latin typeface="Cambria Math" panose="02040503050406030204" pitchFamily="18" charset="0"/>
+                  </a:rPr>
+                  <a:t>equation</a:t>
+                </a:r>
+                <a:r>
+                  <a:rPr lang="da-DK" dirty="0">
+                    <a:latin typeface="Cambria Math" panose="02040503050406030204" pitchFamily="18" charset="0"/>
+                  </a:rPr>
+                  <a:t> </a:t>
+                </a:r>
+                <a:r>
+                  <a:rPr lang="da-DK" dirty="0" err="1">
+                    <a:latin typeface="Cambria Math" panose="02040503050406030204" pitchFamily="18" charset="0"/>
+                  </a:rPr>
+                  <a:t>defines</a:t>
+                </a:r>
+                <a:r>
+                  <a:rPr lang="da-DK" dirty="0">
+                    <a:latin typeface="Cambria Math" panose="02040503050406030204" pitchFamily="18" charset="0"/>
+                  </a:rPr>
+                  <a:t> a </a:t>
+                </a:r>
+                <a:r>
+                  <a:rPr lang="da-DK" dirty="0" err="1">
+                    <a:latin typeface="Cambria Math" panose="02040503050406030204" pitchFamily="18" charset="0"/>
+                  </a:rPr>
+                  <a:t>recursive</a:t>
+                </a:r>
+                <a:r>
+                  <a:rPr lang="da-DK" dirty="0">
+                    <a:latin typeface="Cambria Math" panose="02040503050406030204" pitchFamily="18" charset="0"/>
+                  </a:rPr>
+                  <a:t> </a:t>
+                </a:r>
+                <a:r>
+                  <a:rPr lang="da-DK" dirty="0" err="1">
+                    <a:latin typeface="Cambria Math" panose="02040503050406030204" pitchFamily="18" charset="0"/>
+                  </a:rPr>
+                  <a:t>expression</a:t>
+                </a:r>
+                <a:r>
+                  <a:rPr lang="da-DK" dirty="0">
+                    <a:latin typeface="Cambria Math" panose="02040503050406030204" pitchFamily="18" charset="0"/>
+                  </a:rPr>
+                  <a:t> for Q</a:t>
+                </a:r>
+              </a:p>
+              <a:p>
+                <a:endParaRPr lang="da-DK" i="1" dirty="0">
+                  <a:latin typeface="Cambria Math" panose="02040503050406030204" pitchFamily="18" charset="0"/>
+                </a:endParaRPr>
+              </a:p>
               <a:p>
                 <a14:m>
                   <m:oMath xmlns:m="http://schemas.openxmlformats.org/officeDocument/2006/math">
@@ -17696,6 +17763,91 @@
               <a:p>
                 <a:endParaRPr lang="en-DK" dirty="0"/>
               </a:p>
+              <a:p>
+                <a:r>
+                  <a:rPr lang="da-DK" dirty="0">
+                    <a:latin typeface="Cambria Math" panose="02040503050406030204" pitchFamily="18" charset="0"/>
+                  </a:rPr>
+                  <a:t>From </a:t>
+                </a:r>
+                <a:r>
+                  <a:rPr lang="da-DK" dirty="0" err="1">
+                    <a:latin typeface="Cambria Math" panose="02040503050406030204" pitchFamily="18" charset="0"/>
+                  </a:rPr>
+                  <a:t>this</a:t>
+                </a:r>
+                <a:r>
+                  <a:rPr lang="da-DK" dirty="0">
+                    <a:latin typeface="Cambria Math" panose="02040503050406030204" pitchFamily="18" charset="0"/>
+                  </a:rPr>
+                  <a:t> an </a:t>
+                </a:r>
+                <a:r>
+                  <a:rPr lang="da-DK" dirty="0" err="1">
+                    <a:latin typeface="Cambria Math" panose="02040503050406030204" pitchFamily="18" charset="0"/>
+                  </a:rPr>
+                  <a:t>algorithm</a:t>
+                </a:r>
+                <a:r>
+                  <a:rPr lang="da-DK" dirty="0">
+                    <a:latin typeface="Cambria Math" panose="02040503050406030204" pitchFamily="18" charset="0"/>
+                  </a:rPr>
+                  <a:t> for </a:t>
+                </a:r>
+                <a:r>
+                  <a:rPr lang="da-DK" dirty="0" err="1">
+                    <a:latin typeface="Cambria Math" panose="02040503050406030204" pitchFamily="18" charset="0"/>
+                  </a:rPr>
+                  <a:t>approximating</a:t>
+                </a:r>
+                <a:r>
+                  <a:rPr lang="da-DK" dirty="0">
+                    <a:latin typeface="Cambria Math" panose="02040503050406030204" pitchFamily="18" charset="0"/>
+                  </a:rPr>
+                  <a:t> Q </a:t>
+                </a:r>
+                <a:r>
+                  <a:rPr lang="da-DK" dirty="0" err="1">
+                    <a:latin typeface="Cambria Math" panose="02040503050406030204" pitchFamily="18" charset="0"/>
+                  </a:rPr>
+                  <a:t>can</a:t>
+                </a:r>
+                <a:r>
+                  <a:rPr lang="da-DK" dirty="0">
+                    <a:latin typeface="Cambria Math" panose="02040503050406030204" pitchFamily="18" charset="0"/>
+                  </a:rPr>
+                  <a:t> </a:t>
+                </a:r>
+                <a:r>
+                  <a:rPr lang="da-DK" dirty="0" err="1">
+                    <a:latin typeface="Cambria Math" panose="02040503050406030204" pitchFamily="18" charset="0"/>
+                  </a:rPr>
+                  <a:t>be</a:t>
+                </a:r>
+                <a:r>
+                  <a:rPr lang="da-DK" dirty="0">
+                    <a:latin typeface="Cambria Math" panose="02040503050406030204" pitchFamily="18" charset="0"/>
+                  </a:rPr>
+                  <a:t> </a:t>
+                </a:r>
+                <a:r>
+                  <a:rPr lang="da-DK" dirty="0" err="1">
+                    <a:latin typeface="Cambria Math" panose="02040503050406030204" pitchFamily="18" charset="0"/>
+                  </a:rPr>
+                  <a:t>formulated</a:t>
+                </a:r>
+                <a:endParaRPr lang="da-DK" dirty="0">
+                  <a:latin typeface="Cambria Math" panose="02040503050406030204" pitchFamily="18" charset="0"/>
+                </a:endParaRPr>
+              </a:p>
+              <a:p>
+                <a:endParaRPr lang="da-DK">
+                  <a:latin typeface="Cambria Math" panose="02040503050406030204" pitchFamily="18" charset="0"/>
+                </a:endParaRPr>
+              </a:p>
+              <a:p>
+                <a:endParaRPr lang="en-DK" dirty="0"/>
+              </a:p>
             </p:txBody>
           </p:sp>
         </mc:Choice>
@@ -17724,7 +17876,7 @@
               <a:blipFill>
                 <a:blip r:embed="rId2"/>
                 <a:stretch>
-                  <a:fillRect l="-3053"/>
+                  <a:fillRect l="-3053" t="-2241"/>
                 </a:stretch>
               </a:blipFill>
             </p:spPr>
@@ -17826,6 +17978,370 @@
     <p:extLst>
       <p:ext uri="{BB962C8B-B14F-4D97-AF65-F5344CB8AC3E}">
         <p14:creationId xmlns:p14="http://schemas.microsoft.com/office/powerpoint/2010/main" val="617641552"/>
+      </p:ext>
+    </p:extLst>
+  </p:cSld>
+  <p:clrMapOvr>
+    <a:masterClrMapping/>
+  </p:clrMapOvr>
+</p:sld>
+</file>
+
+<file path=ppt/slides/slide21.xml><?xml version="1.0" encoding="utf-8"?>
+<p:sld xmlns:a="http://schemas.openxmlformats.org/drawingml/2006/main" xmlns:r="http://schemas.openxmlformats.org/officeDocument/2006/relationships" xmlns:p="http://schemas.openxmlformats.org/presentationml/2006/main">
+  <p:cSld>
+    <p:spTree>
+      <p:nvGrpSpPr>
+        <p:cNvPr id="1" name="">
+          <a:extLst>
+            <a:ext uri="{FF2B5EF4-FFF2-40B4-BE49-F238E27FC236}">
+              <a16:creationId xmlns:a16="http://schemas.microsoft.com/office/drawing/2014/main" id="{670336E3-66C9-B248-AE43-1A39B7F3555F}"/>
+            </a:ext>
+          </a:extLst>
+        </p:cNvPr>
+        <p:cNvGrpSpPr/>
+        <p:nvPr/>
+      </p:nvGrpSpPr>
+      <p:grpSpPr>
+        <a:xfrm>
+          <a:off x="0" y="0"/>
+          <a:ext cx="0" cy="0"/>
+          <a:chOff x="0" y="0"/>
+          <a:chExt cx="0" cy="0"/>
+        </a:xfrm>
+      </p:grpSpPr>
+      <p:sp>
+        <p:nvSpPr>
+          <p:cNvPr id="4" name="Title 3">
+            <a:extLst>
+              <a:ext uri="{FF2B5EF4-FFF2-40B4-BE49-F238E27FC236}">
+                <a16:creationId xmlns:a16="http://schemas.microsoft.com/office/drawing/2014/main" id="{4749A660-1DF2-4A35-A9B2-2FD76A310F23}"/>
+              </a:ext>
+            </a:extLst>
+          </p:cNvPr>
+          <p:cNvSpPr>
+            <a:spLocks noGrp="1"/>
+          </p:cNvSpPr>
+          <p:nvPr>
+            <p:ph type="title"/>
+          </p:nvPr>
+        </p:nvSpPr>
+        <p:spPr>
+          <a:xfrm>
+            <a:off x="316800" y="230400"/>
+            <a:ext cx="5644263" cy="752400"/>
+          </a:xfrm>
+        </p:spPr>
+        <p:txBody>
+          <a:bodyPr wrap="square" anchor="t">
+            <a:normAutofit/>
+          </a:bodyPr>
+          <a:lstStyle/>
+          <a:p>
+            <a:r>
+              <a:rPr lang="en-DK" dirty="0"/>
+              <a:t>DQN</a:t>
+            </a:r>
+          </a:p>
+        </p:txBody>
+      </p:sp>
+      <p:sp>
+        <p:nvSpPr>
+          <p:cNvPr id="3" name="Date Placeholder 2">
+            <a:extLst>
+              <a:ext uri="{FF2B5EF4-FFF2-40B4-BE49-F238E27FC236}">
+                <a16:creationId xmlns:a16="http://schemas.microsoft.com/office/drawing/2014/main" id="{F4C0876B-331B-DAD1-C384-AB8B371132C7}"/>
+              </a:ext>
+            </a:extLst>
+          </p:cNvPr>
+          <p:cNvSpPr>
+            <a:spLocks noGrp="1"/>
+          </p:cNvSpPr>
+          <p:nvPr>
+            <p:ph type="dt" sz="half" idx="4294967295"/>
+          </p:nvPr>
+        </p:nvSpPr>
+        <p:spPr>
+          <a:xfrm>
+            <a:off x="0" y="7020000"/>
+            <a:ext cx="0" cy="0"/>
+          </a:xfrm>
+        </p:spPr>
+        <p:txBody>
+          <a:bodyPr/>
+          <a:lstStyle/>
+          <a:p>
+            <a:pPr>
+              <a:spcAft>
+                <a:spcPts val="600"/>
+              </a:spcAft>
+            </a:pPr>
+            <a:fld id="{6FC1E6E4-0DAB-F841-969A-04AEA5135F6D}" type="datetime1">
+              <a:rPr lang="da-DK" smtClean="0"/>
+              <a:pPr>
+                <a:spcAft>
+                  <a:spcPts val="600"/>
+                </a:spcAft>
+              </a:pPr>
+              <a:t>02.07.2025</a:t>
+            </a:fld>
+            <a:r>
+              <a:rPr lang="da-DK"/>
+              <a:t>03-07-2025</a:t>
+            </a:r>
+          </a:p>
+        </p:txBody>
+      </p:sp>
+    </p:spTree>
+    <p:extLst>
+      <p:ext uri="{BB962C8B-B14F-4D97-AF65-F5344CB8AC3E}">
+        <p14:creationId xmlns:p14="http://schemas.microsoft.com/office/powerpoint/2010/main" val="3239265637"/>
+      </p:ext>
+    </p:extLst>
+  </p:cSld>
+  <p:clrMapOvr>
+    <a:masterClrMapping/>
+  </p:clrMapOvr>
+</p:sld>
+</file>
+
+<file path=ppt/slides/slide22.xml><?xml version="1.0" encoding="utf-8"?>
+<p:sld xmlns:a="http://schemas.openxmlformats.org/drawingml/2006/main" xmlns:r="http://schemas.openxmlformats.org/officeDocument/2006/relationships" xmlns:p="http://schemas.openxmlformats.org/presentationml/2006/main">
+  <p:cSld>
+    <p:spTree>
+      <p:nvGrpSpPr>
+        <p:cNvPr id="1" name=""/>
+        <p:cNvGrpSpPr/>
+        <p:nvPr/>
+      </p:nvGrpSpPr>
+      <p:grpSpPr>
+        <a:xfrm>
+          <a:off x="0" y="0"/>
+          <a:ext cx="0" cy="0"/>
+          <a:chOff x="0" y="0"/>
+          <a:chExt cx="0" cy="0"/>
+        </a:xfrm>
+      </p:grpSpPr>
+      <p:sp>
+        <p:nvSpPr>
+          <p:cNvPr id="3" name="Date Placeholder 2">
+            <a:extLst>
+              <a:ext uri="{FF2B5EF4-FFF2-40B4-BE49-F238E27FC236}">
+                <a16:creationId xmlns:a16="http://schemas.microsoft.com/office/drawing/2014/main" id="{BCACEA51-5F79-8E9F-1250-A243EDF78196}"/>
+              </a:ext>
+            </a:extLst>
+          </p:cNvPr>
+          <p:cNvSpPr>
+            <a:spLocks noGrp="1"/>
+          </p:cNvSpPr>
+          <p:nvPr>
+            <p:ph type="dt" sz="half" idx="10"/>
+          </p:nvPr>
+        </p:nvSpPr>
+        <p:spPr/>
+        <p:txBody>
+          <a:bodyPr/>
+          <a:lstStyle/>
+          <a:p>
+            <a:fld id="{36855D64-BF8E-0040-B13E-4C06C161B590}" type="datetime1">
+              <a:rPr lang="da-DK" smtClean="0"/>
+              <a:t>02.07.2025</a:t>
+            </a:fld>
+            <a:r>
+              <a:rPr lang="da-DK"/>
+              <a:t>03-07-2025</a:t>
+            </a:r>
+          </a:p>
+        </p:txBody>
+      </p:sp>
+      <p:sp>
+        <p:nvSpPr>
+          <p:cNvPr id="4" name="Title 3">
+            <a:extLst>
+              <a:ext uri="{FF2B5EF4-FFF2-40B4-BE49-F238E27FC236}">
+                <a16:creationId xmlns:a16="http://schemas.microsoft.com/office/drawing/2014/main" id="{7FB5CFF9-B550-AA71-0B80-4BC09E43A2E0}"/>
+              </a:ext>
+            </a:extLst>
+          </p:cNvPr>
+          <p:cNvSpPr>
+            <a:spLocks noGrp="1"/>
+          </p:cNvSpPr>
+          <p:nvPr>
+            <p:ph type="title"/>
+          </p:nvPr>
+        </p:nvSpPr>
+        <p:spPr/>
+        <p:txBody>
+          <a:bodyPr/>
+          <a:lstStyle/>
+          <a:p>
+            <a:r>
+              <a:rPr lang="en-DK" dirty="0"/>
+              <a:t>A Materials SCIENCE ENVIRONMENT</a:t>
+            </a:r>
+          </a:p>
+        </p:txBody>
+      </p:sp>
+    </p:spTree>
+    <p:extLst>
+      <p:ext uri="{BB962C8B-B14F-4D97-AF65-F5344CB8AC3E}">
+        <p14:creationId xmlns:p14="http://schemas.microsoft.com/office/powerpoint/2010/main" val="3517174394"/>
+      </p:ext>
+    </p:extLst>
+  </p:cSld>
+  <p:clrMapOvr>
+    <a:masterClrMapping/>
+  </p:clrMapOvr>
+</p:sld>
+</file>
+
+<file path=ppt/slides/slide23.xml><?xml version="1.0" encoding="utf-8"?>
+<p:sld xmlns:a="http://schemas.openxmlformats.org/drawingml/2006/main" xmlns:r="http://schemas.openxmlformats.org/officeDocument/2006/relationships" xmlns:p="http://schemas.openxmlformats.org/presentationml/2006/main">
+  <p:cSld>
+    <p:spTree>
+      <p:nvGrpSpPr>
+        <p:cNvPr id="1" name=""/>
+        <p:cNvGrpSpPr/>
+        <p:nvPr/>
+      </p:nvGrpSpPr>
+      <p:grpSpPr>
+        <a:xfrm>
+          <a:off x="0" y="0"/>
+          <a:ext cx="0" cy="0"/>
+          <a:chOff x="0" y="0"/>
+          <a:chExt cx="0" cy="0"/>
+        </a:xfrm>
+      </p:grpSpPr>
+      <p:sp>
+        <p:nvSpPr>
+          <p:cNvPr id="5" name="Date Placeholder 4">
+            <a:extLst>
+              <a:ext uri="{FF2B5EF4-FFF2-40B4-BE49-F238E27FC236}">
+                <a16:creationId xmlns:a16="http://schemas.microsoft.com/office/drawing/2014/main" id="{7EAFA2EE-1D9E-E37E-945A-36EE9F772341}"/>
+              </a:ext>
+            </a:extLst>
+          </p:cNvPr>
+          <p:cNvSpPr>
+            <a:spLocks noGrp="1"/>
+          </p:cNvSpPr>
+          <p:nvPr>
+            <p:ph type="dt" sz="half" idx="15"/>
+          </p:nvPr>
+        </p:nvSpPr>
+        <p:spPr/>
+        <p:txBody>
+          <a:bodyPr/>
+          <a:lstStyle/>
+          <a:p>
+            <a:fld id="{643E5207-8AEA-8D4E-962C-44BB9D21B711}" type="datetime1">
+              <a:rPr lang="da-DK" smtClean="0"/>
+              <a:t>02.07.2025</a:t>
+            </a:fld>
+            <a:r>
+              <a:rPr lang="da-DK"/>
+              <a:t>03-07-2025</a:t>
+            </a:r>
+            <a:endParaRPr lang="da-DK" dirty="0"/>
+          </a:p>
+        </p:txBody>
+      </p:sp>
+      <p:pic>
+        <p:nvPicPr>
+          <p:cNvPr id="6" name="Picture 5">
+            <a:extLst>
+              <a:ext uri="{FF2B5EF4-FFF2-40B4-BE49-F238E27FC236}">
+                <a16:creationId xmlns:a16="http://schemas.microsoft.com/office/drawing/2014/main" id="{E65199BC-33A0-D9C8-DC69-A0AA806BB92B}"/>
+              </a:ext>
+            </a:extLst>
+          </p:cNvPr>
+          <p:cNvPicPr>
+            <a:picLocks noChangeAspect="1"/>
+          </p:cNvPicPr>
+          <p:nvPr/>
+        </p:nvPicPr>
+        <p:blipFill>
+          <a:blip r:embed="rId2"/>
+          <a:stretch>
+            <a:fillRect/>
+          </a:stretch>
+        </p:blipFill>
+        <p:spPr>
+          <a:xfrm>
+            <a:off x="7462564" y="1484784"/>
+            <a:ext cx="3960440" cy="3688570"/>
+          </a:xfrm>
+          <a:prstGeom prst="rect">
+            <a:avLst/>
+          </a:prstGeom>
+        </p:spPr>
+      </p:pic>
+      <p:pic>
+        <p:nvPicPr>
+          <p:cNvPr id="7" name="Picture 6">
+            <a:extLst>
+              <a:ext uri="{FF2B5EF4-FFF2-40B4-BE49-F238E27FC236}">
+                <a16:creationId xmlns:a16="http://schemas.microsoft.com/office/drawing/2014/main" id="{E605C3AB-1B52-B7C0-8FAA-56E92E59BF85}"/>
+              </a:ext>
+            </a:extLst>
+          </p:cNvPr>
+          <p:cNvPicPr>
+            <a:picLocks noChangeAspect="1"/>
+          </p:cNvPicPr>
+          <p:nvPr/>
+        </p:nvPicPr>
+        <p:blipFill>
+          <a:blip r:embed="rId3"/>
+          <a:stretch>
+            <a:fillRect/>
+          </a:stretch>
+        </p:blipFill>
+        <p:spPr>
+          <a:xfrm>
+            <a:off x="1989956" y="2276872"/>
+            <a:ext cx="4305300" cy="2628900"/>
+          </a:xfrm>
+          <a:prstGeom prst="rect">
+            <a:avLst/>
+          </a:prstGeom>
+        </p:spPr>
+      </p:pic>
+      <p:sp>
+        <p:nvSpPr>
+          <p:cNvPr id="8" name="Title 3">
+            <a:extLst>
+              <a:ext uri="{FF2B5EF4-FFF2-40B4-BE49-F238E27FC236}">
+                <a16:creationId xmlns:a16="http://schemas.microsoft.com/office/drawing/2014/main" id="{30CE6163-8538-9E7E-5CCA-7F1D8C592B67}"/>
+              </a:ext>
+            </a:extLst>
+          </p:cNvPr>
+          <p:cNvSpPr>
+            <a:spLocks noGrp="1"/>
+          </p:cNvSpPr>
+          <p:nvPr>
+            <p:ph type="title"/>
+          </p:nvPr>
+        </p:nvSpPr>
+        <p:spPr>
+          <a:xfrm>
+            <a:off x="516756" y="260648"/>
+            <a:ext cx="11557000" cy="981771"/>
+          </a:xfrm>
+        </p:spPr>
+        <p:txBody>
+          <a:bodyPr/>
+          <a:lstStyle/>
+          <a:p>
+            <a:r>
+              <a:rPr lang="en-DK" dirty="0"/>
+              <a:t>RECAP</a:t>
+            </a:r>
+          </a:p>
+        </p:txBody>
+      </p:sp>
+    </p:spTree>
+    <p:extLst>
+      <p:ext uri="{BB962C8B-B14F-4D97-AF65-F5344CB8AC3E}">
+        <p14:creationId xmlns:p14="http://schemas.microsoft.com/office/powerpoint/2010/main" val="1445815749"/>
       </p:ext>
     </p:extLst>
   </p:cSld>

--- a/slides/slides.pptx
+++ b/slides/slides.pptx
@@ -5,10 +5,10 @@
     <p:sldMasterId id="2147483648" r:id="rId1"/>
   </p:sldMasterIdLst>
   <p:notesMasterIdLst>
-    <p:notesMasterId r:id="rId25"/>
+    <p:notesMasterId r:id="rId28"/>
   </p:notesMasterIdLst>
   <p:handoutMasterIdLst>
-    <p:handoutMasterId r:id="rId26"/>
+    <p:handoutMasterId r:id="rId29"/>
   </p:handoutMasterIdLst>
   <p:sldIdLst>
     <p:sldId id="261" r:id="rId2"/>
@@ -32,37 +32,40 @@
     <p:sldId id="275" r:id="rId20"/>
     <p:sldId id="276" r:id="rId21"/>
     <p:sldId id="286" r:id="rId22"/>
-    <p:sldId id="285" r:id="rId23"/>
-    <p:sldId id="283" r:id="rId24"/>
+    <p:sldId id="287" r:id="rId23"/>
+    <p:sldId id="285" r:id="rId24"/>
+    <p:sldId id="288" r:id="rId25"/>
+    <p:sldId id="289" r:id="rId26"/>
+    <p:sldId id="283" r:id="rId27"/>
   </p:sldIdLst>
   <p:sldSz cx="12188825" cy="6858000"/>
   <p:notesSz cx="6797675" cy="9926638"/>
   <p:embeddedFontLst>
     <p:embeddedFont>
       <p:font typeface="AU Passata" panose="020B0503030502030804" pitchFamily="34" charset="77"/>
-      <p:regular r:id="rId27"/>
-      <p:bold r:id="rId28"/>
+      <p:regular r:id="rId30"/>
+      <p:bold r:id="rId31"/>
     </p:embeddedFont>
     <p:embeddedFont>
       <p:font typeface="AU Passata Light" panose="020B0303030902030804" pitchFamily="34" charset="77"/>
-      <p:regular r:id="rId29"/>
-      <p:bold r:id="rId30"/>
+      <p:regular r:id="rId32"/>
+      <p:bold r:id="rId33"/>
     </p:embeddedFont>
     <p:embeddedFont>
       <p:font typeface="AU Peto" pitchFamily="82" charset="77"/>
-      <p:regular r:id="rId31"/>
-      <p:bold r:id="rId32"/>
+      <p:regular r:id="rId34"/>
+      <p:bold r:id="rId35"/>
     </p:embeddedFont>
     <p:embeddedFont>
       <p:font typeface="Cambria Math" panose="02040503050406030204" pitchFamily="18" charset="0"/>
-      <p:regular r:id="rId33"/>
+      <p:regular r:id="rId36"/>
     </p:embeddedFont>
     <p:embeddedFont>
       <p:font typeface="Georgia" panose="02040502050405020303" pitchFamily="18" charset="0"/>
-      <p:regular r:id="rId34"/>
-      <p:bold r:id="rId35"/>
-      <p:italic r:id="rId36"/>
-      <p:boldItalic r:id="rId37"/>
+      <p:regular r:id="rId37"/>
+      <p:bold r:id="rId38"/>
+      <p:italic r:id="rId39"/>
+      <p:boldItalic r:id="rId40"/>
     </p:embeddedFont>
   </p:embeddedFontLst>
   <p:defaultTextStyle>
@@ -240,7 +243,10 @@
             <p14:sldId id="275"/>
             <p14:sldId id="276"/>
             <p14:sldId id="286"/>
+            <p14:sldId id="287"/>
             <p14:sldId id="285"/>
+            <p14:sldId id="288"/>
+            <p14:sldId id="289"/>
             <p14:sldId id="283"/>
           </p14:sldIdLst>
         </p14:section>
@@ -17133,7 +17139,7 @@
 </file>
 
 <file path=ppt/slides/slide2.xml><?xml version="1.0" encoding="utf-8"?>
-<p:sld xmlns:a="http://schemas.openxmlformats.org/drawingml/2006/main" xmlns:r="http://schemas.openxmlformats.org/officeDocument/2006/relationships" xmlns:p="http://schemas.openxmlformats.org/presentationml/2006/main" show="0">
+<p:sld xmlns:a="http://schemas.openxmlformats.org/drawingml/2006/main" xmlns:r="http://schemas.openxmlformats.org/officeDocument/2006/relationships" xmlns:p="http://schemas.openxmlformats.org/presentationml/2006/main">
   <p:cSld>
     <p:spTree>
       <p:nvGrpSpPr>
@@ -17191,7 +17197,7 @@
         <p:spPr>
           <a:xfrm>
             <a:off x="1629916" y="2005886"/>
-            <a:ext cx="10747051" cy="2846228"/>
+            <a:ext cx="10747051" cy="2107565"/>
           </a:xfrm>
           <a:prstGeom prst="rect">
             <a:avLst/>
@@ -17242,7 +17248,7 @@
               <a:rPr lang="en-DK" sz="2400" dirty="0">
                 <a:latin typeface="+mn-lt"/>
               </a:rPr>
-              <a:t>Working on the first exercise notebook</a:t>
+              <a:t>Working on the exercises</a:t>
             </a:r>
             <a:endParaRPr lang="en-DK" sz="2400" b="1" dirty="0">
               <a:latin typeface="+mn-lt"/>
@@ -17260,35 +17266,11 @@
               <a:rPr lang="en-DK" sz="2400" b="1" dirty="0">
                 <a:latin typeface="+mn-lt"/>
               </a:rPr>
-              <a:t>Recap: </a:t>
+              <a:t>Recap &amp; further ideas: </a:t>
             </a:r>
-            <a:r>
-              <a:rPr lang="en-DK" sz="2400" dirty="0">
-                <a:latin typeface="+mn-lt"/>
-              </a:rPr>
-              <a:t>First exercise + introduction to second.</a:t>
-            </a:r>
-          </a:p>
-          <a:p>
-            <a:pPr marL="342900" indent="-342900">
-              <a:lnSpc>
-                <a:spcPct val="200000"/>
-              </a:lnSpc>
-              <a:buFont typeface="+mj-lt"/>
-              <a:buAutoNum type="arabicPeriod"/>
-            </a:pPr>
-            <a:r>
-              <a:rPr lang="en-DK" sz="2400" b="1" dirty="0">
-                <a:latin typeface="+mn-lt"/>
-              </a:rPr>
-              <a:t>Hands on: </a:t>
-            </a:r>
-            <a:r>
-              <a:rPr lang="en-DK" sz="2400" dirty="0">
-                <a:latin typeface="+mn-lt"/>
-              </a:rPr>
-              <a:t>Working on the second exercise notebook</a:t>
-            </a:r>
+            <a:endParaRPr lang="en-DK" sz="2400" dirty="0">
+              <a:latin typeface="+mn-lt"/>
+            </a:endParaRPr>
           </a:p>
         </p:txBody>
       </p:sp>
@@ -17380,13 +17362,13 @@
             </p:nvSpPr>
             <p:spPr>
               <a:xfrm>
-                <a:off x="985838" y="1371600"/>
-                <a:ext cx="4975225" cy="4525964"/>
+                <a:off x="342230" y="1371600"/>
+                <a:ext cx="6327509" cy="4525964"/>
               </a:xfrm>
             </p:spPr>
             <p:txBody>
               <a:bodyPr wrap="square" anchor="t">
-                <a:normAutofit/>
+                <a:normAutofit fontScale="92500"/>
               </a:bodyPr>
               <a:lstStyle/>
               <a:p>
@@ -17786,25 +17768,37 @@
                   <a:rPr lang="da-DK" dirty="0" err="1">
                     <a:latin typeface="Cambria Math" panose="02040503050406030204" pitchFamily="18" charset="0"/>
                   </a:rPr>
-                  <a:t>algorithm</a:t>
+                  <a:t>update</a:t>
                 </a:r>
                 <a:r>
                   <a:rPr lang="da-DK" dirty="0">
                     <a:latin typeface="Cambria Math" panose="02040503050406030204" pitchFamily="18" charset="0"/>
                   </a:rPr>
-                  <a:t> for </a:t>
+                  <a:t> </a:t>
                 </a:r>
                 <a:r>
                   <a:rPr lang="da-DK" dirty="0" err="1">
                     <a:latin typeface="Cambria Math" panose="02040503050406030204" pitchFamily="18" charset="0"/>
                   </a:rPr>
-                  <a:t>approximating</a:t>
+                  <a:t>rule</a:t>
                 </a:r>
                 <a:r>
                   <a:rPr lang="da-DK" dirty="0">
                     <a:latin typeface="Cambria Math" panose="02040503050406030204" pitchFamily="18" charset="0"/>
                   </a:rPr>
-                  <a:t> Q </a:t>
+                  <a:t> for Q-</a:t>
+                </a:r>
+                <a:r>
+                  <a:rPr lang="da-DK" dirty="0" err="1">
+                    <a:latin typeface="Cambria Math" panose="02040503050406030204" pitchFamily="18" charset="0"/>
+                  </a:rPr>
+                  <a:t>value</a:t>
+                </a:r>
+                <a:r>
+                  <a:rPr lang="da-DK" dirty="0">
+                    <a:latin typeface="Cambria Math" panose="02040503050406030204" pitchFamily="18" charset="0"/>
+                  </a:rPr>
+                  <a:t> </a:t>
                 </a:r>
                 <a:r>
                   <a:rPr lang="da-DK" dirty="0" err="1">
@@ -17841,7 +17835,7 @@
                 </a:endParaRPr>
               </a:p>
               <a:p>
-                <a:endParaRPr lang="da-DK">
+                <a:endParaRPr lang="da-DK" dirty="0">
                   <a:latin typeface="Cambria Math" panose="02040503050406030204" pitchFamily="18" charset="0"/>
                 </a:endParaRPr>
               </a:p>
@@ -17870,13 +17864,13 @@
             </p:nvSpPr>
             <p:spPr>
               <a:xfrm>
-                <a:off x="985838" y="1371600"/>
-                <a:ext cx="4975225" cy="4525964"/>
+                <a:off x="342230" y="1371600"/>
+                <a:ext cx="6327509" cy="4525964"/>
               </a:xfrm>
               <a:blipFill>
                 <a:blip r:embed="rId2"/>
                 <a:stretch>
-                  <a:fillRect l="-3053" t="-2241"/>
+                  <a:fillRect l="-2200" t="-1681"/>
                 </a:stretch>
               </a:blipFill>
             </p:spPr>
@@ -17918,8 +17912,8 @@
         </p:blipFill>
         <p:spPr>
           <a:xfrm>
-            <a:off x="6670476" y="836712"/>
-            <a:ext cx="4969760" cy="4914763"/>
+            <a:off x="7982385" y="404664"/>
+            <a:ext cx="3889640" cy="3846596"/>
           </a:xfrm>
           <a:prstGeom prst="rect">
             <a:avLst/>
@@ -17965,12 +17959,205 @@
                   <a:spcPts val="600"/>
                 </a:spcAft>
               </a:pPr>
-              <a:t>02.07.2025</a:t>
+              <a:t>03.07.2025</a:t>
             </a:fld>
             <a:r>
               <a:rPr lang="da-DK"/>
               <a:t>03-07-2025</a:t>
             </a:r>
+          </a:p>
+        </p:txBody>
+      </p:sp>
+      <p:pic>
+        <p:nvPicPr>
+          <p:cNvPr id="10" name="Picture 9">
+            <a:extLst>
+              <a:ext uri="{FF2B5EF4-FFF2-40B4-BE49-F238E27FC236}">
+                <a16:creationId xmlns:a16="http://schemas.microsoft.com/office/drawing/2014/main" id="{5F1E463E-91AC-BB1B-AC9D-AF18030D20BC}"/>
+              </a:ext>
+            </a:extLst>
+          </p:cNvPr>
+          <p:cNvPicPr>
+            <a:picLocks noChangeAspect="1"/>
+          </p:cNvPicPr>
+          <p:nvPr/>
+        </p:nvPicPr>
+        <p:blipFill>
+          <a:blip r:embed="rId4">
+            <a:extLst>
+              <a:ext uri="{28A0092B-C50C-407E-A947-70E740481C1C}">
+                <a14:useLocalDpi xmlns:a14="http://schemas.microsoft.com/office/drawing/2010/main" val="0"/>
+              </a:ext>
+            </a:extLst>
+          </a:blip>
+          <a:stretch>
+            <a:fillRect/>
+          </a:stretch>
+        </p:blipFill>
+        <p:spPr>
+          <a:xfrm>
+            <a:off x="194220" y="3501008"/>
+            <a:ext cx="7772400" cy="643726"/>
+          </a:xfrm>
+          <a:prstGeom prst="rect">
+            <a:avLst/>
+          </a:prstGeom>
+        </p:spPr>
+      </p:pic>
+      <p:pic>
+        <p:nvPicPr>
+          <p:cNvPr id="11" name="Picture 2">
+            <a:extLst>
+              <a:ext uri="{FF2B5EF4-FFF2-40B4-BE49-F238E27FC236}">
+                <a16:creationId xmlns:a16="http://schemas.microsoft.com/office/drawing/2014/main" id="{CC8C5569-7DDE-2663-1A97-23F715713235}"/>
+              </a:ext>
+            </a:extLst>
+          </p:cNvPr>
+          <p:cNvPicPr>
+            <a:picLocks noChangeAspect="1" noChangeArrowheads="1"/>
+          </p:cNvPicPr>
+          <p:nvPr/>
+        </p:nvPicPr>
+        <p:blipFill>
+          <a:blip r:embed="rId5">
+            <a:extLst>
+              <a:ext uri="{28A0092B-C50C-407E-A947-70E740481C1C}">
+                <a14:useLocalDpi xmlns:a14="http://schemas.microsoft.com/office/drawing/2010/main" val="0"/>
+              </a:ext>
+            </a:extLst>
+          </a:blip>
+          <a:srcRect/>
+          <a:stretch>
+            <a:fillRect/>
+          </a:stretch>
+        </p:blipFill>
+        <p:spPr bwMode="auto">
+          <a:xfrm>
+            <a:off x="8614692" y="4365187"/>
+            <a:ext cx="2304173" cy="2304173"/>
+          </a:xfrm>
+          <a:prstGeom prst="rect">
+            <a:avLst/>
+          </a:prstGeom>
+          <a:noFill/>
+          <a:extLst>
+            <a:ext uri="{909E8E84-426E-40DD-AFC4-6F175D3DCCD1}">
+              <a14:hiddenFill xmlns:a14="http://schemas.microsoft.com/office/drawing/2010/main">
+                <a:solidFill>
+                  <a:srgbClr val="FFFFFF"/>
+                </a:solidFill>
+              </a14:hiddenFill>
+            </a:ext>
+          </a:extLst>
+        </p:spPr>
+      </p:pic>
+      <p:sp>
+        <p:nvSpPr>
+          <p:cNvPr id="12" name="TextBox 11">
+            <a:extLst>
+              <a:ext uri="{FF2B5EF4-FFF2-40B4-BE49-F238E27FC236}">
+                <a16:creationId xmlns:a16="http://schemas.microsoft.com/office/drawing/2014/main" id="{1AC0AB07-F879-FE32-0D55-FC08450F790A}"/>
+              </a:ext>
+            </a:extLst>
+          </p:cNvPr>
+          <p:cNvSpPr txBox="1"/>
+          <p:nvPr/>
+        </p:nvSpPr>
+        <p:spPr>
+          <a:xfrm>
+            <a:off x="549796" y="4144734"/>
+            <a:ext cx="6840760" cy="1637371"/>
+          </a:xfrm>
+          <a:prstGeom prst="rect">
+            <a:avLst/>
+          </a:prstGeom>
+          <a:noFill/>
+        </p:spPr>
+        <p:txBody>
+          <a:bodyPr wrap="square" lIns="0" tIns="0" rIns="0" bIns="0" rtlCol="0">
+            <a:spAutoFit/>
+          </a:bodyPr>
+          <a:lstStyle/>
+          <a:p>
+            <a:pPr>
+              <a:lnSpc>
+                <a:spcPct val="95000"/>
+              </a:lnSpc>
+            </a:pPr>
+            <a:r>
+              <a:rPr lang="en-DK" sz="1600" u="sng" dirty="0">
+                <a:latin typeface="+mn-lt"/>
+              </a:rPr>
+              <a:t>Algorithm outline</a:t>
+            </a:r>
+          </a:p>
+          <a:p>
+            <a:pPr>
+              <a:lnSpc>
+                <a:spcPct val="95000"/>
+              </a:lnSpc>
+            </a:pPr>
+            <a:endParaRPr lang="en-DK" sz="1600" u="sng" dirty="0">
+              <a:latin typeface="+mn-lt"/>
+            </a:endParaRPr>
+          </a:p>
+          <a:p>
+            <a:pPr marL="285750" indent="-285750">
+              <a:lnSpc>
+                <a:spcPct val="95000"/>
+              </a:lnSpc>
+              <a:buFontTx/>
+              <a:buChar char="-"/>
+            </a:pPr>
+            <a:r>
+              <a:rPr lang="en-GB" sz="1600" dirty="0">
+                <a:latin typeface="+mn-lt"/>
+              </a:rPr>
+              <a:t>Let the agent step through the environment.</a:t>
+            </a:r>
+          </a:p>
+          <a:p>
+            <a:pPr marL="285750" indent="-285750">
+              <a:lnSpc>
+                <a:spcPct val="95000"/>
+              </a:lnSpc>
+              <a:buFontTx/>
+              <a:buChar char="-"/>
+            </a:pPr>
+            <a:r>
+              <a:rPr lang="en-GB" sz="1600" dirty="0">
+                <a:latin typeface="+mn-lt"/>
+              </a:rPr>
+              <a:t>Update the Q-table based on the received rewards using the update rule.</a:t>
+            </a:r>
+          </a:p>
+          <a:p>
+            <a:pPr marL="285750" indent="-285750">
+              <a:lnSpc>
+                <a:spcPct val="95000"/>
+              </a:lnSpc>
+              <a:buFontTx/>
+              <a:buChar char="-"/>
+            </a:pPr>
+            <a:endParaRPr lang="en-GB" sz="1600" dirty="0">
+              <a:latin typeface="+mn-lt"/>
+            </a:endParaRPr>
+          </a:p>
+          <a:p>
+            <a:pPr>
+              <a:lnSpc>
+                <a:spcPct val="95000"/>
+              </a:lnSpc>
+            </a:pPr>
+            <a:r>
+              <a:rPr lang="en-GB" sz="1600" dirty="0">
+                <a:latin typeface="+mn-lt"/>
+              </a:rPr>
+              <a:t>Details explained in the notebooks. </a:t>
+            </a:r>
+            <a:endParaRPr lang="en-DK" sz="1600" dirty="0">
+              <a:latin typeface="+mn-lt"/>
+            </a:endParaRPr>
           </a:p>
         </p:txBody>
       </p:sp>
@@ -18029,7 +18216,7 @@
         <p:spPr>
           <a:xfrm>
             <a:off x="316800" y="230400"/>
-            <a:ext cx="5644263" cy="752400"/>
+            <a:ext cx="11034196" cy="752400"/>
           </a:xfrm>
         </p:spPr>
         <p:txBody>
@@ -18040,7 +18227,7 @@
           <a:p>
             <a:r>
               <a:rPr lang="en-DK" dirty="0"/>
-              <a:t>DQN</a:t>
+              <a:t>DEEP Q-NETWORKS (DQN)</a:t>
             </a:r>
           </a:p>
         </p:txBody>
@@ -18083,11 +18270,3898 @@
                   <a:spcPts val="600"/>
                 </a:spcAft>
               </a:pPr>
-              <a:t>02.07.2025</a:t>
+              <a:t>03.07.2025</a:t>
             </a:fld>
             <a:r>
               <a:rPr lang="da-DK"/>
               <a:t>03-07-2025</a:t>
+            </a:r>
+          </a:p>
+        </p:txBody>
+      </p:sp>
+      <p:pic>
+        <p:nvPicPr>
+          <p:cNvPr id="10" name="Picture 9">
+            <a:extLst>
+              <a:ext uri="{FF2B5EF4-FFF2-40B4-BE49-F238E27FC236}">
+                <a16:creationId xmlns:a16="http://schemas.microsoft.com/office/drawing/2014/main" id="{93413704-070C-7C60-59E0-863903FACDBF}"/>
+              </a:ext>
+            </a:extLst>
+          </p:cNvPr>
+          <p:cNvPicPr>
+            <a:picLocks noChangeAspect="1"/>
+          </p:cNvPicPr>
+          <p:nvPr/>
+        </p:nvPicPr>
+        <p:blipFill>
+          <a:blip r:embed="rId2">
+            <a:extLst>
+              <a:ext uri="{28A0092B-C50C-407E-A947-70E740481C1C}">
+                <a14:useLocalDpi xmlns:a14="http://schemas.microsoft.com/office/drawing/2010/main" val="0"/>
+              </a:ext>
+            </a:extLst>
+          </a:blip>
+          <a:stretch>
+            <a:fillRect/>
+          </a:stretch>
+        </p:blipFill>
+        <p:spPr>
+          <a:xfrm>
+            <a:off x="391796" y="1196752"/>
+            <a:ext cx="6134664" cy="1193995"/>
+          </a:xfrm>
+          <a:prstGeom prst="rect">
+            <a:avLst/>
+          </a:prstGeom>
+        </p:spPr>
+      </p:pic>
+      <p:pic>
+        <p:nvPicPr>
+          <p:cNvPr id="11" name="Picture 10">
+            <a:extLst>
+              <a:ext uri="{FF2B5EF4-FFF2-40B4-BE49-F238E27FC236}">
+                <a16:creationId xmlns:a16="http://schemas.microsoft.com/office/drawing/2014/main" id="{ED512B6E-795A-33A8-84A1-A41F905E554E}"/>
+              </a:ext>
+            </a:extLst>
+          </p:cNvPr>
+          <p:cNvPicPr>
+            <a:picLocks noChangeAspect="1"/>
+          </p:cNvPicPr>
+          <p:nvPr/>
+        </p:nvPicPr>
+        <p:blipFill>
+          <a:blip r:embed="rId3">
+            <a:extLst>
+              <a:ext uri="{28A0092B-C50C-407E-A947-70E740481C1C}">
+                <a14:useLocalDpi xmlns:a14="http://schemas.microsoft.com/office/drawing/2010/main" val="0"/>
+              </a:ext>
+            </a:extLst>
+          </a:blip>
+          <a:stretch>
+            <a:fillRect/>
+          </a:stretch>
+        </p:blipFill>
+        <p:spPr>
+          <a:xfrm>
+            <a:off x="470796" y="2249669"/>
+            <a:ext cx="5976664" cy="1103131"/>
+          </a:xfrm>
+          <a:prstGeom prst="rect">
+            <a:avLst/>
+          </a:prstGeom>
+        </p:spPr>
+      </p:pic>
+      <p:pic>
+        <p:nvPicPr>
+          <p:cNvPr id="13" name="Picture 12" descr="A close up of words&#10;&#10;AI-generated content may be incorrect.">
+            <a:extLst>
+              <a:ext uri="{FF2B5EF4-FFF2-40B4-BE49-F238E27FC236}">
+                <a16:creationId xmlns:a16="http://schemas.microsoft.com/office/drawing/2014/main" id="{48831CB9-F55C-8A0B-5529-81E8A2DED261}"/>
+              </a:ext>
+            </a:extLst>
+          </p:cNvPr>
+          <p:cNvPicPr>
+            <a:picLocks noChangeAspect="1"/>
+          </p:cNvPicPr>
+          <p:nvPr/>
+        </p:nvPicPr>
+        <p:blipFill>
+          <a:blip r:embed="rId4">
+            <a:extLst>
+              <a:ext uri="{28A0092B-C50C-407E-A947-70E740481C1C}">
+                <a14:useLocalDpi xmlns:a14="http://schemas.microsoft.com/office/drawing/2010/main" val="0"/>
+              </a:ext>
+            </a:extLst>
+          </a:blip>
+          <a:stretch>
+            <a:fillRect/>
+          </a:stretch>
+        </p:blipFill>
+        <p:spPr>
+          <a:xfrm>
+            <a:off x="220628" y="3641754"/>
+            <a:ext cx="6477000" cy="1651000"/>
+          </a:xfrm>
+          <a:prstGeom prst="rect">
+            <a:avLst/>
+          </a:prstGeom>
+        </p:spPr>
+      </p:pic>
+      <p:pic>
+        <p:nvPicPr>
+          <p:cNvPr id="1026" name="Picture 2" descr="Artificial Neural Networks and its ...">
+            <a:extLst>
+              <a:ext uri="{FF2B5EF4-FFF2-40B4-BE49-F238E27FC236}">
+                <a16:creationId xmlns:a16="http://schemas.microsoft.com/office/drawing/2014/main" id="{FD2A4229-C055-5549-4176-FBE51BCD369A}"/>
+              </a:ext>
+            </a:extLst>
+          </p:cNvPr>
+          <p:cNvPicPr>
+            <a:picLocks noChangeAspect="1" noChangeArrowheads="1"/>
+          </p:cNvPicPr>
+          <p:nvPr/>
+        </p:nvPicPr>
+        <p:blipFill>
+          <a:blip r:embed="rId5">
+            <a:extLst>
+              <a:ext uri="{28A0092B-C50C-407E-A947-70E740481C1C}">
+                <a14:useLocalDpi xmlns:a14="http://schemas.microsoft.com/office/drawing/2010/main" val="0"/>
+              </a:ext>
+            </a:extLst>
+          </a:blip>
+          <a:srcRect/>
+          <a:stretch>
+            <a:fillRect/>
+          </a:stretch>
+        </p:blipFill>
+        <p:spPr bwMode="auto">
+          <a:xfrm>
+            <a:off x="7679356" y="3915170"/>
+            <a:ext cx="3594100" cy="2260600"/>
+          </a:xfrm>
+          <a:prstGeom prst="rect">
+            <a:avLst/>
+          </a:prstGeom>
+          <a:noFill/>
+          <a:extLst>
+            <a:ext uri="{909E8E84-426E-40DD-AFC4-6F175D3DCCD1}">
+              <a14:hiddenFill xmlns:a14="http://schemas.microsoft.com/office/drawing/2010/main">
+                <a:solidFill>
+                  <a:srgbClr val="FFFFFF"/>
+                </a:solidFill>
+              </a14:hiddenFill>
+            </a:ext>
+          </a:extLst>
+        </p:spPr>
+      </p:pic>
+      <p:graphicFrame>
+        <p:nvGraphicFramePr>
+          <p:cNvPr id="14" name="Table 13">
+            <a:extLst>
+              <a:ext uri="{FF2B5EF4-FFF2-40B4-BE49-F238E27FC236}">
+                <a16:creationId xmlns:a16="http://schemas.microsoft.com/office/drawing/2014/main" id="{7B262E2F-5601-FD80-268A-1AE3C730B3B3}"/>
+              </a:ext>
+            </a:extLst>
+          </p:cNvPr>
+          <p:cNvGraphicFramePr>
+            <a:graphicFrameLocks noGrp="1"/>
+          </p:cNvGraphicFramePr>
+          <p:nvPr>
+            <p:extLst>
+              <p:ext uri="{D42A27DB-BD31-4B8C-83A1-F6EECF244321}">
+                <p14:modId xmlns:p14="http://schemas.microsoft.com/office/powerpoint/2010/main" val="2138431197"/>
+              </p:ext>
+            </p:extLst>
+          </p:nvPr>
+        </p:nvGraphicFramePr>
+        <p:xfrm>
+          <a:off x="8470676" y="766954"/>
+          <a:ext cx="1800000" cy="1800000"/>
+        </p:xfrm>
+        <a:graphic>
+          <a:graphicData uri="http://schemas.openxmlformats.org/drawingml/2006/table">
+            <a:tbl>
+              <a:tblPr firstRow="1" bandRow="1">
+                <a:tableStyleId>{5C22544A-7EE6-4342-B048-85BDC9FD1C3A}</a:tableStyleId>
+              </a:tblPr>
+              <a:tblGrid>
+                <a:gridCol w="450000">
+                  <a:extLst>
+                    <a:ext uri="{9D8B030D-6E8A-4147-A177-3AD203B41FA5}">
+                      <a16:colId xmlns:a16="http://schemas.microsoft.com/office/drawing/2014/main" val="1884889321"/>
+                    </a:ext>
+                  </a:extLst>
+                </a:gridCol>
+                <a:gridCol w="450000">
+                  <a:extLst>
+                    <a:ext uri="{9D8B030D-6E8A-4147-A177-3AD203B41FA5}">
+                      <a16:colId xmlns:a16="http://schemas.microsoft.com/office/drawing/2014/main" val="2357513042"/>
+                    </a:ext>
+                  </a:extLst>
+                </a:gridCol>
+                <a:gridCol w="450000">
+                  <a:extLst>
+                    <a:ext uri="{9D8B030D-6E8A-4147-A177-3AD203B41FA5}">
+                      <a16:colId xmlns:a16="http://schemas.microsoft.com/office/drawing/2014/main" val="365435312"/>
+                    </a:ext>
+                  </a:extLst>
+                </a:gridCol>
+                <a:gridCol w="450000">
+                  <a:extLst>
+                    <a:ext uri="{9D8B030D-6E8A-4147-A177-3AD203B41FA5}">
+                      <a16:colId xmlns:a16="http://schemas.microsoft.com/office/drawing/2014/main" val="1608194090"/>
+                    </a:ext>
+                  </a:extLst>
+                </a:gridCol>
+              </a:tblGrid>
+              <a:tr h="450000">
+                <a:tc>
+                  <a:txBody>
+                    <a:bodyPr/>
+                    <a:lstStyle/>
+                    <a:p>
+                      <a:endParaRPr lang="en-DK"/>
+                    </a:p>
+                  </a:txBody>
+                  <a:tcPr>
+                    <a:lnL w="12700" cap="flat" cmpd="sng" algn="ctr">
+                      <a:solidFill>
+                        <a:schemeClr val="tx1"/>
+                      </a:solidFill>
+                      <a:prstDash val="solid"/>
+                      <a:round/>
+                      <a:headEnd type="none" w="med" len="med"/>
+                      <a:tailEnd type="none" w="med" len="med"/>
+                    </a:lnL>
+                    <a:lnR w="12700" cap="flat" cmpd="sng" algn="ctr">
+                      <a:solidFill>
+                        <a:schemeClr val="tx1"/>
+                      </a:solidFill>
+                      <a:prstDash val="solid"/>
+                      <a:round/>
+                      <a:headEnd type="none" w="med" len="med"/>
+                      <a:tailEnd type="none" w="med" len="med"/>
+                    </a:lnR>
+                    <a:lnT w="12700" cap="flat" cmpd="sng" algn="ctr">
+                      <a:solidFill>
+                        <a:schemeClr val="tx1"/>
+                      </a:solidFill>
+                      <a:prstDash val="solid"/>
+                      <a:round/>
+                      <a:headEnd type="none" w="med" len="med"/>
+                      <a:tailEnd type="none" w="med" len="med"/>
+                    </a:lnT>
+                    <a:lnB w="12700" cap="flat" cmpd="sng" algn="ctr">
+                      <a:solidFill>
+                        <a:schemeClr val="tx1"/>
+                      </a:solidFill>
+                      <a:prstDash val="solid"/>
+                      <a:round/>
+                      <a:headEnd type="none" w="med" len="med"/>
+                      <a:tailEnd type="none" w="med" len="med"/>
+                    </a:lnB>
+                    <a:noFill/>
+                  </a:tcPr>
+                </a:tc>
+                <a:tc>
+                  <a:txBody>
+                    <a:bodyPr/>
+                    <a:lstStyle/>
+                    <a:p>
+                      <a:endParaRPr lang="en-DK"/>
+                    </a:p>
+                  </a:txBody>
+                  <a:tcPr>
+                    <a:lnL w="12700" cap="flat" cmpd="sng" algn="ctr">
+                      <a:solidFill>
+                        <a:schemeClr val="tx1"/>
+                      </a:solidFill>
+                      <a:prstDash val="solid"/>
+                      <a:round/>
+                      <a:headEnd type="none" w="med" len="med"/>
+                      <a:tailEnd type="none" w="med" len="med"/>
+                    </a:lnL>
+                    <a:lnR w="12700" cap="flat" cmpd="sng" algn="ctr">
+                      <a:solidFill>
+                        <a:schemeClr val="tx1"/>
+                      </a:solidFill>
+                      <a:prstDash val="solid"/>
+                      <a:round/>
+                      <a:headEnd type="none" w="med" len="med"/>
+                      <a:tailEnd type="none" w="med" len="med"/>
+                    </a:lnR>
+                    <a:lnT w="12700" cap="flat" cmpd="sng" algn="ctr">
+                      <a:solidFill>
+                        <a:schemeClr val="tx1"/>
+                      </a:solidFill>
+                      <a:prstDash val="solid"/>
+                      <a:round/>
+                      <a:headEnd type="none" w="med" len="med"/>
+                      <a:tailEnd type="none" w="med" len="med"/>
+                    </a:lnT>
+                    <a:lnB w="12700" cap="flat" cmpd="sng" algn="ctr">
+                      <a:solidFill>
+                        <a:schemeClr val="tx1"/>
+                      </a:solidFill>
+                      <a:prstDash val="solid"/>
+                      <a:round/>
+                      <a:headEnd type="none" w="med" len="med"/>
+                      <a:tailEnd type="none" w="med" len="med"/>
+                    </a:lnB>
+                    <a:noFill/>
+                  </a:tcPr>
+                </a:tc>
+                <a:tc>
+                  <a:txBody>
+                    <a:bodyPr/>
+                    <a:lstStyle/>
+                    <a:p>
+                      <a:endParaRPr lang="en-DK"/>
+                    </a:p>
+                  </a:txBody>
+                  <a:tcPr>
+                    <a:lnL w="12700" cap="flat" cmpd="sng" algn="ctr">
+                      <a:solidFill>
+                        <a:schemeClr val="tx1"/>
+                      </a:solidFill>
+                      <a:prstDash val="solid"/>
+                      <a:round/>
+                      <a:headEnd type="none" w="med" len="med"/>
+                      <a:tailEnd type="none" w="med" len="med"/>
+                    </a:lnL>
+                    <a:lnR w="12700" cap="flat" cmpd="sng" algn="ctr">
+                      <a:solidFill>
+                        <a:schemeClr val="tx1"/>
+                      </a:solidFill>
+                      <a:prstDash val="solid"/>
+                      <a:round/>
+                      <a:headEnd type="none" w="med" len="med"/>
+                      <a:tailEnd type="none" w="med" len="med"/>
+                    </a:lnR>
+                    <a:lnT w="12700" cap="flat" cmpd="sng" algn="ctr">
+                      <a:solidFill>
+                        <a:schemeClr val="tx1"/>
+                      </a:solidFill>
+                      <a:prstDash val="solid"/>
+                      <a:round/>
+                      <a:headEnd type="none" w="med" len="med"/>
+                      <a:tailEnd type="none" w="med" len="med"/>
+                    </a:lnT>
+                    <a:lnB w="12700" cap="flat" cmpd="sng" algn="ctr">
+                      <a:solidFill>
+                        <a:schemeClr val="tx1"/>
+                      </a:solidFill>
+                      <a:prstDash val="solid"/>
+                      <a:round/>
+                      <a:headEnd type="none" w="med" len="med"/>
+                      <a:tailEnd type="none" w="med" len="med"/>
+                    </a:lnB>
+                    <a:noFill/>
+                  </a:tcPr>
+                </a:tc>
+                <a:tc>
+                  <a:txBody>
+                    <a:bodyPr/>
+                    <a:lstStyle/>
+                    <a:p>
+                      <a:endParaRPr lang="en-DK"/>
+                    </a:p>
+                  </a:txBody>
+                  <a:tcPr>
+                    <a:lnL w="12700" cap="flat" cmpd="sng" algn="ctr">
+                      <a:solidFill>
+                        <a:schemeClr val="tx1"/>
+                      </a:solidFill>
+                      <a:prstDash val="solid"/>
+                      <a:round/>
+                      <a:headEnd type="none" w="med" len="med"/>
+                      <a:tailEnd type="none" w="med" len="med"/>
+                    </a:lnL>
+                    <a:lnR w="12700" cap="flat" cmpd="sng" algn="ctr">
+                      <a:solidFill>
+                        <a:schemeClr val="tx1"/>
+                      </a:solidFill>
+                      <a:prstDash val="solid"/>
+                      <a:round/>
+                      <a:headEnd type="none" w="med" len="med"/>
+                      <a:tailEnd type="none" w="med" len="med"/>
+                    </a:lnR>
+                    <a:lnT w="12700" cap="flat" cmpd="sng" algn="ctr">
+                      <a:solidFill>
+                        <a:schemeClr val="tx1"/>
+                      </a:solidFill>
+                      <a:prstDash val="solid"/>
+                      <a:round/>
+                      <a:headEnd type="none" w="med" len="med"/>
+                      <a:tailEnd type="none" w="med" len="med"/>
+                    </a:lnT>
+                    <a:lnB w="12700" cap="flat" cmpd="sng" algn="ctr">
+                      <a:solidFill>
+                        <a:schemeClr val="tx1"/>
+                      </a:solidFill>
+                      <a:prstDash val="solid"/>
+                      <a:round/>
+                      <a:headEnd type="none" w="med" len="med"/>
+                      <a:tailEnd type="none" w="med" len="med"/>
+                    </a:lnB>
+                    <a:noFill/>
+                  </a:tcPr>
+                </a:tc>
+                <a:extLst>
+                  <a:ext uri="{0D108BD9-81ED-4DB2-BD59-A6C34878D82A}">
+                    <a16:rowId xmlns:a16="http://schemas.microsoft.com/office/drawing/2014/main" val="1230192378"/>
+                  </a:ext>
+                </a:extLst>
+              </a:tr>
+              <a:tr h="450000">
+                <a:tc>
+                  <a:txBody>
+                    <a:bodyPr/>
+                    <a:lstStyle/>
+                    <a:p>
+                      <a:endParaRPr lang="en-DK" dirty="0"/>
+                    </a:p>
+                  </a:txBody>
+                  <a:tcPr>
+                    <a:lnL w="12700" cap="flat" cmpd="sng" algn="ctr">
+                      <a:solidFill>
+                        <a:schemeClr val="tx1"/>
+                      </a:solidFill>
+                      <a:prstDash val="solid"/>
+                      <a:round/>
+                      <a:headEnd type="none" w="med" len="med"/>
+                      <a:tailEnd type="none" w="med" len="med"/>
+                    </a:lnL>
+                    <a:lnR w="12700" cap="flat" cmpd="sng" algn="ctr">
+                      <a:solidFill>
+                        <a:schemeClr val="tx1"/>
+                      </a:solidFill>
+                      <a:prstDash val="solid"/>
+                      <a:round/>
+                      <a:headEnd type="none" w="med" len="med"/>
+                      <a:tailEnd type="none" w="med" len="med"/>
+                    </a:lnR>
+                    <a:lnT w="12700" cap="flat" cmpd="sng" algn="ctr">
+                      <a:solidFill>
+                        <a:schemeClr val="tx1"/>
+                      </a:solidFill>
+                      <a:prstDash val="solid"/>
+                      <a:round/>
+                      <a:headEnd type="none" w="med" len="med"/>
+                      <a:tailEnd type="none" w="med" len="med"/>
+                    </a:lnT>
+                    <a:lnB w="12700" cap="flat" cmpd="sng" algn="ctr">
+                      <a:solidFill>
+                        <a:schemeClr val="tx1"/>
+                      </a:solidFill>
+                      <a:prstDash val="solid"/>
+                      <a:round/>
+                      <a:headEnd type="none" w="med" len="med"/>
+                      <a:tailEnd type="none" w="med" len="med"/>
+                    </a:lnB>
+                    <a:noFill/>
+                  </a:tcPr>
+                </a:tc>
+                <a:tc>
+                  <a:txBody>
+                    <a:bodyPr/>
+                    <a:lstStyle/>
+                    <a:p>
+                      <a:endParaRPr lang="en-DK" dirty="0"/>
+                    </a:p>
+                  </a:txBody>
+                  <a:tcPr>
+                    <a:lnL w="12700" cap="flat" cmpd="sng" algn="ctr">
+                      <a:solidFill>
+                        <a:schemeClr val="tx1"/>
+                      </a:solidFill>
+                      <a:prstDash val="solid"/>
+                      <a:round/>
+                      <a:headEnd type="none" w="med" len="med"/>
+                      <a:tailEnd type="none" w="med" len="med"/>
+                    </a:lnL>
+                    <a:lnR w="12700" cap="flat" cmpd="sng" algn="ctr">
+                      <a:solidFill>
+                        <a:schemeClr val="tx1"/>
+                      </a:solidFill>
+                      <a:prstDash val="solid"/>
+                      <a:round/>
+                      <a:headEnd type="none" w="med" len="med"/>
+                      <a:tailEnd type="none" w="med" len="med"/>
+                    </a:lnR>
+                    <a:lnT w="12700" cap="flat" cmpd="sng" algn="ctr">
+                      <a:solidFill>
+                        <a:schemeClr val="tx1"/>
+                      </a:solidFill>
+                      <a:prstDash val="solid"/>
+                      <a:round/>
+                      <a:headEnd type="none" w="med" len="med"/>
+                      <a:tailEnd type="none" w="med" len="med"/>
+                    </a:lnT>
+                    <a:lnB w="12700" cap="flat" cmpd="sng" algn="ctr">
+                      <a:solidFill>
+                        <a:schemeClr val="tx1"/>
+                      </a:solidFill>
+                      <a:prstDash val="solid"/>
+                      <a:round/>
+                      <a:headEnd type="none" w="med" len="med"/>
+                      <a:tailEnd type="none" w="med" len="med"/>
+                    </a:lnB>
+                    <a:noFill/>
+                  </a:tcPr>
+                </a:tc>
+                <a:tc>
+                  <a:txBody>
+                    <a:bodyPr/>
+                    <a:lstStyle/>
+                    <a:p>
+                      <a:endParaRPr lang="en-DK"/>
+                    </a:p>
+                  </a:txBody>
+                  <a:tcPr>
+                    <a:lnL w="12700" cap="flat" cmpd="sng" algn="ctr">
+                      <a:solidFill>
+                        <a:schemeClr val="tx1"/>
+                      </a:solidFill>
+                      <a:prstDash val="solid"/>
+                      <a:round/>
+                      <a:headEnd type="none" w="med" len="med"/>
+                      <a:tailEnd type="none" w="med" len="med"/>
+                    </a:lnL>
+                    <a:lnR w="12700" cap="flat" cmpd="sng" algn="ctr">
+                      <a:solidFill>
+                        <a:schemeClr val="tx1"/>
+                      </a:solidFill>
+                      <a:prstDash val="solid"/>
+                      <a:round/>
+                      <a:headEnd type="none" w="med" len="med"/>
+                      <a:tailEnd type="none" w="med" len="med"/>
+                    </a:lnR>
+                    <a:lnT w="12700" cap="flat" cmpd="sng" algn="ctr">
+                      <a:solidFill>
+                        <a:schemeClr val="tx1"/>
+                      </a:solidFill>
+                      <a:prstDash val="solid"/>
+                      <a:round/>
+                      <a:headEnd type="none" w="med" len="med"/>
+                      <a:tailEnd type="none" w="med" len="med"/>
+                    </a:lnT>
+                    <a:lnB w="12700" cap="flat" cmpd="sng" algn="ctr">
+                      <a:solidFill>
+                        <a:schemeClr val="tx1"/>
+                      </a:solidFill>
+                      <a:prstDash val="solid"/>
+                      <a:round/>
+                      <a:headEnd type="none" w="med" len="med"/>
+                      <a:tailEnd type="none" w="med" len="med"/>
+                    </a:lnB>
+                    <a:noFill/>
+                  </a:tcPr>
+                </a:tc>
+                <a:tc>
+                  <a:txBody>
+                    <a:bodyPr/>
+                    <a:lstStyle/>
+                    <a:p>
+                      <a:endParaRPr lang="en-DK"/>
+                    </a:p>
+                  </a:txBody>
+                  <a:tcPr>
+                    <a:lnL w="12700" cap="flat" cmpd="sng" algn="ctr">
+                      <a:solidFill>
+                        <a:schemeClr val="tx1"/>
+                      </a:solidFill>
+                      <a:prstDash val="solid"/>
+                      <a:round/>
+                      <a:headEnd type="none" w="med" len="med"/>
+                      <a:tailEnd type="none" w="med" len="med"/>
+                    </a:lnL>
+                    <a:lnR w="12700" cap="flat" cmpd="sng" algn="ctr">
+                      <a:solidFill>
+                        <a:schemeClr val="tx1"/>
+                      </a:solidFill>
+                      <a:prstDash val="solid"/>
+                      <a:round/>
+                      <a:headEnd type="none" w="med" len="med"/>
+                      <a:tailEnd type="none" w="med" len="med"/>
+                    </a:lnR>
+                    <a:lnT w="12700" cap="flat" cmpd="sng" algn="ctr">
+                      <a:solidFill>
+                        <a:schemeClr val="tx1"/>
+                      </a:solidFill>
+                      <a:prstDash val="solid"/>
+                      <a:round/>
+                      <a:headEnd type="none" w="med" len="med"/>
+                      <a:tailEnd type="none" w="med" len="med"/>
+                    </a:lnT>
+                    <a:lnB w="12700" cap="flat" cmpd="sng" algn="ctr">
+                      <a:solidFill>
+                        <a:schemeClr val="tx1"/>
+                      </a:solidFill>
+                      <a:prstDash val="solid"/>
+                      <a:round/>
+                      <a:headEnd type="none" w="med" len="med"/>
+                      <a:tailEnd type="none" w="med" len="med"/>
+                    </a:lnB>
+                    <a:noFill/>
+                  </a:tcPr>
+                </a:tc>
+                <a:extLst>
+                  <a:ext uri="{0D108BD9-81ED-4DB2-BD59-A6C34878D82A}">
+                    <a16:rowId xmlns:a16="http://schemas.microsoft.com/office/drawing/2014/main" val="3328769496"/>
+                  </a:ext>
+                </a:extLst>
+              </a:tr>
+              <a:tr h="450000">
+                <a:tc>
+                  <a:txBody>
+                    <a:bodyPr/>
+                    <a:lstStyle/>
+                    <a:p>
+                      <a:endParaRPr lang="en-DK"/>
+                    </a:p>
+                  </a:txBody>
+                  <a:tcPr>
+                    <a:lnL w="12700" cap="flat" cmpd="sng" algn="ctr">
+                      <a:solidFill>
+                        <a:schemeClr val="tx1"/>
+                      </a:solidFill>
+                      <a:prstDash val="solid"/>
+                      <a:round/>
+                      <a:headEnd type="none" w="med" len="med"/>
+                      <a:tailEnd type="none" w="med" len="med"/>
+                    </a:lnL>
+                    <a:lnR w="12700" cap="flat" cmpd="sng" algn="ctr">
+                      <a:solidFill>
+                        <a:schemeClr val="tx1"/>
+                      </a:solidFill>
+                      <a:prstDash val="solid"/>
+                      <a:round/>
+                      <a:headEnd type="none" w="med" len="med"/>
+                      <a:tailEnd type="none" w="med" len="med"/>
+                    </a:lnR>
+                    <a:lnT w="12700" cap="flat" cmpd="sng" algn="ctr">
+                      <a:solidFill>
+                        <a:schemeClr val="tx1"/>
+                      </a:solidFill>
+                      <a:prstDash val="solid"/>
+                      <a:round/>
+                      <a:headEnd type="none" w="med" len="med"/>
+                      <a:tailEnd type="none" w="med" len="med"/>
+                    </a:lnT>
+                    <a:lnB w="12700" cap="flat" cmpd="sng" algn="ctr">
+                      <a:solidFill>
+                        <a:schemeClr val="tx1"/>
+                      </a:solidFill>
+                      <a:prstDash val="solid"/>
+                      <a:round/>
+                      <a:headEnd type="none" w="med" len="med"/>
+                      <a:tailEnd type="none" w="med" len="med"/>
+                    </a:lnB>
+                    <a:noFill/>
+                  </a:tcPr>
+                </a:tc>
+                <a:tc>
+                  <a:txBody>
+                    <a:bodyPr/>
+                    <a:lstStyle/>
+                    <a:p>
+                      <a:endParaRPr lang="en-DK"/>
+                    </a:p>
+                  </a:txBody>
+                  <a:tcPr>
+                    <a:lnL w="12700" cap="flat" cmpd="sng" algn="ctr">
+                      <a:solidFill>
+                        <a:schemeClr val="tx1"/>
+                      </a:solidFill>
+                      <a:prstDash val="solid"/>
+                      <a:round/>
+                      <a:headEnd type="none" w="med" len="med"/>
+                      <a:tailEnd type="none" w="med" len="med"/>
+                    </a:lnL>
+                    <a:lnR w="12700" cap="flat" cmpd="sng" algn="ctr">
+                      <a:solidFill>
+                        <a:schemeClr val="tx1"/>
+                      </a:solidFill>
+                      <a:prstDash val="solid"/>
+                      <a:round/>
+                      <a:headEnd type="none" w="med" len="med"/>
+                      <a:tailEnd type="none" w="med" len="med"/>
+                    </a:lnR>
+                    <a:lnT w="12700" cap="flat" cmpd="sng" algn="ctr">
+                      <a:solidFill>
+                        <a:schemeClr val="tx1"/>
+                      </a:solidFill>
+                      <a:prstDash val="solid"/>
+                      <a:round/>
+                      <a:headEnd type="none" w="med" len="med"/>
+                      <a:tailEnd type="none" w="med" len="med"/>
+                    </a:lnT>
+                    <a:lnB w="12700" cap="flat" cmpd="sng" algn="ctr">
+                      <a:solidFill>
+                        <a:schemeClr val="tx1"/>
+                      </a:solidFill>
+                      <a:prstDash val="solid"/>
+                      <a:round/>
+                      <a:headEnd type="none" w="med" len="med"/>
+                      <a:tailEnd type="none" w="med" len="med"/>
+                    </a:lnB>
+                    <a:noFill/>
+                  </a:tcPr>
+                </a:tc>
+                <a:tc>
+                  <a:txBody>
+                    <a:bodyPr/>
+                    <a:lstStyle/>
+                    <a:p>
+                      <a:endParaRPr lang="en-DK"/>
+                    </a:p>
+                  </a:txBody>
+                  <a:tcPr>
+                    <a:lnL w="12700" cap="flat" cmpd="sng" algn="ctr">
+                      <a:solidFill>
+                        <a:schemeClr val="tx1"/>
+                      </a:solidFill>
+                      <a:prstDash val="solid"/>
+                      <a:round/>
+                      <a:headEnd type="none" w="med" len="med"/>
+                      <a:tailEnd type="none" w="med" len="med"/>
+                    </a:lnL>
+                    <a:lnR w="12700" cap="flat" cmpd="sng" algn="ctr">
+                      <a:solidFill>
+                        <a:schemeClr val="tx1"/>
+                      </a:solidFill>
+                      <a:prstDash val="solid"/>
+                      <a:round/>
+                      <a:headEnd type="none" w="med" len="med"/>
+                      <a:tailEnd type="none" w="med" len="med"/>
+                    </a:lnR>
+                    <a:lnT w="12700" cap="flat" cmpd="sng" algn="ctr">
+                      <a:solidFill>
+                        <a:schemeClr val="tx1"/>
+                      </a:solidFill>
+                      <a:prstDash val="solid"/>
+                      <a:round/>
+                      <a:headEnd type="none" w="med" len="med"/>
+                      <a:tailEnd type="none" w="med" len="med"/>
+                    </a:lnT>
+                    <a:lnB w="12700" cap="flat" cmpd="sng" algn="ctr">
+                      <a:solidFill>
+                        <a:schemeClr val="tx1"/>
+                      </a:solidFill>
+                      <a:prstDash val="solid"/>
+                      <a:round/>
+                      <a:headEnd type="none" w="med" len="med"/>
+                      <a:tailEnd type="none" w="med" len="med"/>
+                    </a:lnB>
+                    <a:noFill/>
+                  </a:tcPr>
+                </a:tc>
+                <a:tc>
+                  <a:txBody>
+                    <a:bodyPr/>
+                    <a:lstStyle/>
+                    <a:p>
+                      <a:endParaRPr lang="en-DK"/>
+                    </a:p>
+                  </a:txBody>
+                  <a:tcPr>
+                    <a:lnL w="12700" cap="flat" cmpd="sng" algn="ctr">
+                      <a:solidFill>
+                        <a:schemeClr val="tx1"/>
+                      </a:solidFill>
+                      <a:prstDash val="solid"/>
+                      <a:round/>
+                      <a:headEnd type="none" w="med" len="med"/>
+                      <a:tailEnd type="none" w="med" len="med"/>
+                    </a:lnL>
+                    <a:lnR w="12700" cap="flat" cmpd="sng" algn="ctr">
+                      <a:solidFill>
+                        <a:schemeClr val="tx1"/>
+                      </a:solidFill>
+                      <a:prstDash val="solid"/>
+                      <a:round/>
+                      <a:headEnd type="none" w="med" len="med"/>
+                      <a:tailEnd type="none" w="med" len="med"/>
+                    </a:lnR>
+                    <a:lnT w="12700" cap="flat" cmpd="sng" algn="ctr">
+                      <a:solidFill>
+                        <a:schemeClr val="tx1"/>
+                      </a:solidFill>
+                      <a:prstDash val="solid"/>
+                      <a:round/>
+                      <a:headEnd type="none" w="med" len="med"/>
+                      <a:tailEnd type="none" w="med" len="med"/>
+                    </a:lnT>
+                    <a:lnB w="12700" cap="flat" cmpd="sng" algn="ctr">
+                      <a:solidFill>
+                        <a:schemeClr val="tx1"/>
+                      </a:solidFill>
+                      <a:prstDash val="solid"/>
+                      <a:round/>
+                      <a:headEnd type="none" w="med" len="med"/>
+                      <a:tailEnd type="none" w="med" len="med"/>
+                    </a:lnB>
+                    <a:noFill/>
+                  </a:tcPr>
+                </a:tc>
+                <a:extLst>
+                  <a:ext uri="{0D108BD9-81ED-4DB2-BD59-A6C34878D82A}">
+                    <a16:rowId xmlns:a16="http://schemas.microsoft.com/office/drawing/2014/main" val="2341660610"/>
+                  </a:ext>
+                </a:extLst>
+              </a:tr>
+              <a:tr h="450000">
+                <a:tc>
+                  <a:txBody>
+                    <a:bodyPr/>
+                    <a:lstStyle/>
+                    <a:p>
+                      <a:endParaRPr lang="en-DK"/>
+                    </a:p>
+                  </a:txBody>
+                  <a:tcPr>
+                    <a:lnL w="12700" cap="flat" cmpd="sng" algn="ctr">
+                      <a:solidFill>
+                        <a:schemeClr val="tx1"/>
+                      </a:solidFill>
+                      <a:prstDash val="solid"/>
+                      <a:round/>
+                      <a:headEnd type="none" w="med" len="med"/>
+                      <a:tailEnd type="none" w="med" len="med"/>
+                    </a:lnL>
+                    <a:lnR w="12700" cap="flat" cmpd="sng" algn="ctr">
+                      <a:solidFill>
+                        <a:schemeClr val="tx1"/>
+                      </a:solidFill>
+                      <a:prstDash val="solid"/>
+                      <a:round/>
+                      <a:headEnd type="none" w="med" len="med"/>
+                      <a:tailEnd type="none" w="med" len="med"/>
+                    </a:lnR>
+                    <a:lnT w="12700" cap="flat" cmpd="sng" algn="ctr">
+                      <a:solidFill>
+                        <a:schemeClr val="tx1"/>
+                      </a:solidFill>
+                      <a:prstDash val="solid"/>
+                      <a:round/>
+                      <a:headEnd type="none" w="med" len="med"/>
+                      <a:tailEnd type="none" w="med" len="med"/>
+                    </a:lnT>
+                    <a:lnB w="12700" cap="flat" cmpd="sng" algn="ctr">
+                      <a:solidFill>
+                        <a:schemeClr val="tx1"/>
+                      </a:solidFill>
+                      <a:prstDash val="solid"/>
+                      <a:round/>
+                      <a:headEnd type="none" w="med" len="med"/>
+                      <a:tailEnd type="none" w="med" len="med"/>
+                    </a:lnB>
+                    <a:noFill/>
+                  </a:tcPr>
+                </a:tc>
+                <a:tc>
+                  <a:txBody>
+                    <a:bodyPr/>
+                    <a:lstStyle/>
+                    <a:p>
+                      <a:endParaRPr lang="en-DK" dirty="0"/>
+                    </a:p>
+                  </a:txBody>
+                  <a:tcPr>
+                    <a:lnL w="12700" cap="flat" cmpd="sng" algn="ctr">
+                      <a:solidFill>
+                        <a:schemeClr val="tx1"/>
+                      </a:solidFill>
+                      <a:prstDash val="solid"/>
+                      <a:round/>
+                      <a:headEnd type="none" w="med" len="med"/>
+                      <a:tailEnd type="none" w="med" len="med"/>
+                    </a:lnL>
+                    <a:lnR w="12700" cap="flat" cmpd="sng" algn="ctr">
+                      <a:solidFill>
+                        <a:schemeClr val="tx1"/>
+                      </a:solidFill>
+                      <a:prstDash val="solid"/>
+                      <a:round/>
+                      <a:headEnd type="none" w="med" len="med"/>
+                      <a:tailEnd type="none" w="med" len="med"/>
+                    </a:lnR>
+                    <a:lnT w="12700" cap="flat" cmpd="sng" algn="ctr">
+                      <a:solidFill>
+                        <a:schemeClr val="tx1"/>
+                      </a:solidFill>
+                      <a:prstDash val="solid"/>
+                      <a:round/>
+                      <a:headEnd type="none" w="med" len="med"/>
+                      <a:tailEnd type="none" w="med" len="med"/>
+                    </a:lnT>
+                    <a:lnB w="12700" cap="flat" cmpd="sng" algn="ctr">
+                      <a:solidFill>
+                        <a:schemeClr val="tx1"/>
+                      </a:solidFill>
+                      <a:prstDash val="solid"/>
+                      <a:round/>
+                      <a:headEnd type="none" w="med" len="med"/>
+                      <a:tailEnd type="none" w="med" len="med"/>
+                    </a:lnB>
+                    <a:noFill/>
+                  </a:tcPr>
+                </a:tc>
+                <a:tc>
+                  <a:txBody>
+                    <a:bodyPr/>
+                    <a:lstStyle/>
+                    <a:p>
+                      <a:endParaRPr lang="en-DK" dirty="0"/>
+                    </a:p>
+                  </a:txBody>
+                  <a:tcPr>
+                    <a:lnL w="12700" cap="flat" cmpd="sng" algn="ctr">
+                      <a:solidFill>
+                        <a:schemeClr val="tx1"/>
+                      </a:solidFill>
+                      <a:prstDash val="solid"/>
+                      <a:round/>
+                      <a:headEnd type="none" w="med" len="med"/>
+                      <a:tailEnd type="none" w="med" len="med"/>
+                    </a:lnL>
+                    <a:lnR w="12700" cap="flat" cmpd="sng" algn="ctr">
+                      <a:solidFill>
+                        <a:schemeClr val="tx1"/>
+                      </a:solidFill>
+                      <a:prstDash val="solid"/>
+                      <a:round/>
+                      <a:headEnd type="none" w="med" len="med"/>
+                      <a:tailEnd type="none" w="med" len="med"/>
+                    </a:lnR>
+                    <a:lnT w="12700" cap="flat" cmpd="sng" algn="ctr">
+                      <a:solidFill>
+                        <a:schemeClr val="tx1"/>
+                      </a:solidFill>
+                      <a:prstDash val="solid"/>
+                      <a:round/>
+                      <a:headEnd type="none" w="med" len="med"/>
+                      <a:tailEnd type="none" w="med" len="med"/>
+                    </a:lnT>
+                    <a:lnB w="12700" cap="flat" cmpd="sng" algn="ctr">
+                      <a:solidFill>
+                        <a:schemeClr val="tx1"/>
+                      </a:solidFill>
+                      <a:prstDash val="solid"/>
+                      <a:round/>
+                      <a:headEnd type="none" w="med" len="med"/>
+                      <a:tailEnd type="none" w="med" len="med"/>
+                    </a:lnB>
+                    <a:noFill/>
+                  </a:tcPr>
+                </a:tc>
+                <a:tc>
+                  <a:txBody>
+                    <a:bodyPr/>
+                    <a:lstStyle/>
+                    <a:p>
+                      <a:endParaRPr lang="en-DK" dirty="0"/>
+                    </a:p>
+                  </a:txBody>
+                  <a:tcPr>
+                    <a:lnL w="12700" cap="flat" cmpd="sng" algn="ctr">
+                      <a:solidFill>
+                        <a:schemeClr val="tx1"/>
+                      </a:solidFill>
+                      <a:prstDash val="solid"/>
+                      <a:round/>
+                      <a:headEnd type="none" w="med" len="med"/>
+                      <a:tailEnd type="none" w="med" len="med"/>
+                    </a:lnL>
+                    <a:lnR w="12700" cap="flat" cmpd="sng" algn="ctr">
+                      <a:solidFill>
+                        <a:schemeClr val="tx1"/>
+                      </a:solidFill>
+                      <a:prstDash val="solid"/>
+                      <a:round/>
+                      <a:headEnd type="none" w="med" len="med"/>
+                      <a:tailEnd type="none" w="med" len="med"/>
+                    </a:lnR>
+                    <a:lnT w="12700" cap="flat" cmpd="sng" algn="ctr">
+                      <a:solidFill>
+                        <a:schemeClr val="tx1"/>
+                      </a:solidFill>
+                      <a:prstDash val="solid"/>
+                      <a:round/>
+                      <a:headEnd type="none" w="med" len="med"/>
+                      <a:tailEnd type="none" w="med" len="med"/>
+                    </a:lnT>
+                    <a:lnB w="12700" cap="flat" cmpd="sng" algn="ctr">
+                      <a:solidFill>
+                        <a:schemeClr val="tx1"/>
+                      </a:solidFill>
+                      <a:prstDash val="solid"/>
+                      <a:round/>
+                      <a:headEnd type="none" w="med" len="med"/>
+                      <a:tailEnd type="none" w="med" len="med"/>
+                    </a:lnB>
+                    <a:noFill/>
+                  </a:tcPr>
+                </a:tc>
+                <a:extLst>
+                  <a:ext uri="{0D108BD9-81ED-4DB2-BD59-A6C34878D82A}">
+                    <a16:rowId xmlns:a16="http://schemas.microsoft.com/office/drawing/2014/main" val="3479127924"/>
+                  </a:ext>
+                </a:extLst>
+              </a:tr>
+            </a:tbl>
+          </a:graphicData>
+        </a:graphic>
+      </p:graphicFrame>
+      <p:sp>
+        <p:nvSpPr>
+          <p:cNvPr id="15" name="TextBox 14">
+            <a:extLst>
+              <a:ext uri="{FF2B5EF4-FFF2-40B4-BE49-F238E27FC236}">
+                <a16:creationId xmlns:a16="http://schemas.microsoft.com/office/drawing/2014/main" id="{DF8CA888-CBF8-B200-0451-EFE31DC54892}"/>
+              </a:ext>
+            </a:extLst>
+          </p:cNvPr>
+          <p:cNvSpPr txBox="1"/>
+          <p:nvPr/>
+        </p:nvSpPr>
+        <p:spPr>
+          <a:xfrm>
+            <a:off x="8974732" y="404664"/>
+            <a:ext cx="2520280" cy="233910"/>
+          </a:xfrm>
+          <a:prstGeom prst="rect">
+            <a:avLst/>
+          </a:prstGeom>
+          <a:noFill/>
+        </p:spPr>
+        <p:txBody>
+          <a:bodyPr wrap="square" lIns="0" tIns="0" rIns="0" bIns="0" rtlCol="0">
+            <a:spAutoFit/>
+          </a:bodyPr>
+          <a:lstStyle/>
+          <a:p>
+            <a:pPr>
+              <a:lnSpc>
+                <a:spcPct val="95000"/>
+              </a:lnSpc>
+            </a:pPr>
+            <a:r>
+              <a:rPr lang="en-DK" sz="1600" dirty="0">
+                <a:latin typeface="+mn-lt"/>
+              </a:rPr>
+              <a:t>Q-table</a:t>
+            </a:r>
+          </a:p>
+        </p:txBody>
+      </p:sp>
+      <p:cxnSp>
+        <p:nvCxnSpPr>
+          <p:cNvPr id="17" name="Straight Arrow Connector 16">
+            <a:extLst>
+              <a:ext uri="{FF2B5EF4-FFF2-40B4-BE49-F238E27FC236}">
+                <a16:creationId xmlns:a16="http://schemas.microsoft.com/office/drawing/2014/main" id="{F74F2FE2-8C47-63B2-0287-819B51DD4B74}"/>
+              </a:ext>
+            </a:extLst>
+          </p:cNvPr>
+          <p:cNvCxnSpPr/>
+          <p:nvPr/>
+        </p:nvCxnSpPr>
+        <p:spPr bwMode="auto">
+          <a:xfrm>
+            <a:off x="9370676" y="3486392"/>
+            <a:ext cx="0" cy="572794"/>
+          </a:xfrm>
+          <a:prstGeom prst="straightConnector1">
+            <a:avLst/>
+          </a:prstGeom>
+          <a:solidFill>
+            <a:schemeClr val="accent2"/>
+          </a:solidFill>
+          <a:ln w="38100" cap="flat" cmpd="sng" algn="ctr">
+            <a:solidFill>
+              <a:schemeClr val="accent2"/>
+            </a:solidFill>
+            <a:prstDash val="solid"/>
+            <a:round/>
+            <a:headEnd type="none" w="med" len="med"/>
+            <a:tailEnd type="triangle"/>
+          </a:ln>
+          <a:effectLst/>
+        </p:spPr>
+      </p:cxnSp>
+      <p:sp>
+        <p:nvSpPr>
+          <p:cNvPr id="18" name="TextBox 17">
+            <a:extLst>
+              <a:ext uri="{FF2B5EF4-FFF2-40B4-BE49-F238E27FC236}">
+                <a16:creationId xmlns:a16="http://schemas.microsoft.com/office/drawing/2014/main" id="{4B620A87-76D6-7364-5ED0-CE5BAB9A9932}"/>
+              </a:ext>
+            </a:extLst>
+          </p:cNvPr>
+          <p:cNvSpPr txBox="1"/>
+          <p:nvPr/>
+        </p:nvSpPr>
+        <p:spPr>
+          <a:xfrm>
+            <a:off x="8974732" y="6219426"/>
+            <a:ext cx="2520280" cy="233910"/>
+          </a:xfrm>
+          <a:prstGeom prst="rect">
+            <a:avLst/>
+          </a:prstGeom>
+          <a:noFill/>
+        </p:spPr>
+        <p:txBody>
+          <a:bodyPr wrap="square" lIns="0" tIns="0" rIns="0" bIns="0" rtlCol="0">
+            <a:spAutoFit/>
+          </a:bodyPr>
+          <a:lstStyle/>
+          <a:p>
+            <a:pPr>
+              <a:lnSpc>
+                <a:spcPct val="95000"/>
+              </a:lnSpc>
+            </a:pPr>
+            <a:r>
+              <a:rPr lang="en-DK" sz="1600" dirty="0">
+                <a:latin typeface="+mn-lt"/>
+              </a:rPr>
+              <a:t>Q-network</a:t>
+            </a:r>
+          </a:p>
+        </p:txBody>
+      </p:sp>
+      <p:graphicFrame>
+        <p:nvGraphicFramePr>
+          <p:cNvPr id="19" name="Table 18">
+            <a:extLst>
+              <a:ext uri="{FF2B5EF4-FFF2-40B4-BE49-F238E27FC236}">
+                <a16:creationId xmlns:a16="http://schemas.microsoft.com/office/drawing/2014/main" id="{AF5EA554-3E3B-9CED-9545-66797FEE3EDA}"/>
+              </a:ext>
+            </a:extLst>
+          </p:cNvPr>
+          <p:cNvGraphicFramePr>
+            <a:graphicFrameLocks noGrp="1"/>
+          </p:cNvGraphicFramePr>
+          <p:nvPr>
+            <p:extLst>
+              <p:ext uri="{D42A27DB-BD31-4B8C-83A1-F6EECF244321}">
+                <p14:modId xmlns:p14="http://schemas.microsoft.com/office/powerpoint/2010/main" val="3669548769"/>
+              </p:ext>
+            </p:extLst>
+          </p:nvPr>
+        </p:nvGraphicFramePr>
+        <p:xfrm>
+          <a:off x="8254852" y="980928"/>
+          <a:ext cx="1800000" cy="1800000"/>
+        </p:xfrm>
+        <a:graphic>
+          <a:graphicData uri="http://schemas.openxmlformats.org/drawingml/2006/table">
+            <a:tbl>
+              <a:tblPr firstRow="1" bandRow="1">
+                <a:tableStyleId>{5C22544A-7EE6-4342-B048-85BDC9FD1C3A}</a:tableStyleId>
+              </a:tblPr>
+              <a:tblGrid>
+                <a:gridCol w="450000">
+                  <a:extLst>
+                    <a:ext uri="{9D8B030D-6E8A-4147-A177-3AD203B41FA5}">
+                      <a16:colId xmlns:a16="http://schemas.microsoft.com/office/drawing/2014/main" val="1884889321"/>
+                    </a:ext>
+                  </a:extLst>
+                </a:gridCol>
+                <a:gridCol w="450000">
+                  <a:extLst>
+                    <a:ext uri="{9D8B030D-6E8A-4147-A177-3AD203B41FA5}">
+                      <a16:colId xmlns:a16="http://schemas.microsoft.com/office/drawing/2014/main" val="2357513042"/>
+                    </a:ext>
+                  </a:extLst>
+                </a:gridCol>
+                <a:gridCol w="450000">
+                  <a:extLst>
+                    <a:ext uri="{9D8B030D-6E8A-4147-A177-3AD203B41FA5}">
+                      <a16:colId xmlns:a16="http://schemas.microsoft.com/office/drawing/2014/main" val="365435312"/>
+                    </a:ext>
+                  </a:extLst>
+                </a:gridCol>
+                <a:gridCol w="450000">
+                  <a:extLst>
+                    <a:ext uri="{9D8B030D-6E8A-4147-A177-3AD203B41FA5}">
+                      <a16:colId xmlns:a16="http://schemas.microsoft.com/office/drawing/2014/main" val="1608194090"/>
+                    </a:ext>
+                  </a:extLst>
+                </a:gridCol>
+              </a:tblGrid>
+              <a:tr h="450000">
+                <a:tc>
+                  <a:txBody>
+                    <a:bodyPr/>
+                    <a:lstStyle/>
+                    <a:p>
+                      <a:endParaRPr lang="en-DK"/>
+                    </a:p>
+                  </a:txBody>
+                  <a:tcPr>
+                    <a:lnL w="12700" cap="flat" cmpd="sng" algn="ctr">
+                      <a:solidFill>
+                        <a:schemeClr val="tx1"/>
+                      </a:solidFill>
+                      <a:prstDash val="solid"/>
+                      <a:round/>
+                      <a:headEnd type="none" w="med" len="med"/>
+                      <a:tailEnd type="none" w="med" len="med"/>
+                    </a:lnL>
+                    <a:lnR w="12700" cap="flat" cmpd="sng" algn="ctr">
+                      <a:solidFill>
+                        <a:schemeClr val="tx1"/>
+                      </a:solidFill>
+                      <a:prstDash val="solid"/>
+                      <a:round/>
+                      <a:headEnd type="none" w="med" len="med"/>
+                      <a:tailEnd type="none" w="med" len="med"/>
+                    </a:lnR>
+                    <a:lnT w="12700" cap="flat" cmpd="sng" algn="ctr">
+                      <a:solidFill>
+                        <a:schemeClr val="tx1"/>
+                      </a:solidFill>
+                      <a:prstDash val="solid"/>
+                      <a:round/>
+                      <a:headEnd type="none" w="med" len="med"/>
+                      <a:tailEnd type="none" w="med" len="med"/>
+                    </a:lnT>
+                    <a:lnB w="12700" cap="flat" cmpd="sng" algn="ctr">
+                      <a:solidFill>
+                        <a:schemeClr val="tx1"/>
+                      </a:solidFill>
+                      <a:prstDash val="solid"/>
+                      <a:round/>
+                      <a:headEnd type="none" w="med" len="med"/>
+                      <a:tailEnd type="none" w="med" len="med"/>
+                    </a:lnB>
+                    <a:solidFill>
+                      <a:schemeClr val="bg1"/>
+                    </a:solidFill>
+                  </a:tcPr>
+                </a:tc>
+                <a:tc>
+                  <a:txBody>
+                    <a:bodyPr/>
+                    <a:lstStyle/>
+                    <a:p>
+                      <a:endParaRPr lang="en-DK"/>
+                    </a:p>
+                  </a:txBody>
+                  <a:tcPr>
+                    <a:lnL w="12700" cap="flat" cmpd="sng" algn="ctr">
+                      <a:solidFill>
+                        <a:schemeClr val="tx1"/>
+                      </a:solidFill>
+                      <a:prstDash val="solid"/>
+                      <a:round/>
+                      <a:headEnd type="none" w="med" len="med"/>
+                      <a:tailEnd type="none" w="med" len="med"/>
+                    </a:lnL>
+                    <a:lnR w="12700" cap="flat" cmpd="sng" algn="ctr">
+                      <a:solidFill>
+                        <a:schemeClr val="tx1"/>
+                      </a:solidFill>
+                      <a:prstDash val="solid"/>
+                      <a:round/>
+                      <a:headEnd type="none" w="med" len="med"/>
+                      <a:tailEnd type="none" w="med" len="med"/>
+                    </a:lnR>
+                    <a:lnT w="12700" cap="flat" cmpd="sng" algn="ctr">
+                      <a:solidFill>
+                        <a:schemeClr val="tx1"/>
+                      </a:solidFill>
+                      <a:prstDash val="solid"/>
+                      <a:round/>
+                      <a:headEnd type="none" w="med" len="med"/>
+                      <a:tailEnd type="none" w="med" len="med"/>
+                    </a:lnT>
+                    <a:lnB w="12700" cap="flat" cmpd="sng" algn="ctr">
+                      <a:solidFill>
+                        <a:schemeClr val="tx1"/>
+                      </a:solidFill>
+                      <a:prstDash val="solid"/>
+                      <a:round/>
+                      <a:headEnd type="none" w="med" len="med"/>
+                      <a:tailEnd type="none" w="med" len="med"/>
+                    </a:lnB>
+                    <a:solidFill>
+                      <a:schemeClr val="bg1"/>
+                    </a:solidFill>
+                  </a:tcPr>
+                </a:tc>
+                <a:tc>
+                  <a:txBody>
+                    <a:bodyPr/>
+                    <a:lstStyle/>
+                    <a:p>
+                      <a:endParaRPr lang="en-DK"/>
+                    </a:p>
+                  </a:txBody>
+                  <a:tcPr>
+                    <a:lnL w="12700" cap="flat" cmpd="sng" algn="ctr">
+                      <a:solidFill>
+                        <a:schemeClr val="tx1"/>
+                      </a:solidFill>
+                      <a:prstDash val="solid"/>
+                      <a:round/>
+                      <a:headEnd type="none" w="med" len="med"/>
+                      <a:tailEnd type="none" w="med" len="med"/>
+                    </a:lnL>
+                    <a:lnR w="12700" cap="flat" cmpd="sng" algn="ctr">
+                      <a:solidFill>
+                        <a:schemeClr val="tx1"/>
+                      </a:solidFill>
+                      <a:prstDash val="solid"/>
+                      <a:round/>
+                      <a:headEnd type="none" w="med" len="med"/>
+                      <a:tailEnd type="none" w="med" len="med"/>
+                    </a:lnR>
+                    <a:lnT w="12700" cap="flat" cmpd="sng" algn="ctr">
+                      <a:solidFill>
+                        <a:schemeClr val="tx1"/>
+                      </a:solidFill>
+                      <a:prstDash val="solid"/>
+                      <a:round/>
+                      <a:headEnd type="none" w="med" len="med"/>
+                      <a:tailEnd type="none" w="med" len="med"/>
+                    </a:lnT>
+                    <a:lnB w="12700" cap="flat" cmpd="sng" algn="ctr">
+                      <a:solidFill>
+                        <a:schemeClr val="tx1"/>
+                      </a:solidFill>
+                      <a:prstDash val="solid"/>
+                      <a:round/>
+                      <a:headEnd type="none" w="med" len="med"/>
+                      <a:tailEnd type="none" w="med" len="med"/>
+                    </a:lnB>
+                    <a:solidFill>
+                      <a:schemeClr val="bg1"/>
+                    </a:solidFill>
+                  </a:tcPr>
+                </a:tc>
+                <a:tc>
+                  <a:txBody>
+                    <a:bodyPr/>
+                    <a:lstStyle/>
+                    <a:p>
+                      <a:endParaRPr lang="en-DK" dirty="0"/>
+                    </a:p>
+                  </a:txBody>
+                  <a:tcPr>
+                    <a:lnL w="12700" cap="flat" cmpd="sng" algn="ctr">
+                      <a:solidFill>
+                        <a:schemeClr val="tx1"/>
+                      </a:solidFill>
+                      <a:prstDash val="solid"/>
+                      <a:round/>
+                      <a:headEnd type="none" w="med" len="med"/>
+                      <a:tailEnd type="none" w="med" len="med"/>
+                    </a:lnL>
+                    <a:lnR w="12700" cap="flat" cmpd="sng" algn="ctr">
+                      <a:solidFill>
+                        <a:schemeClr val="tx1"/>
+                      </a:solidFill>
+                      <a:prstDash val="solid"/>
+                      <a:round/>
+                      <a:headEnd type="none" w="med" len="med"/>
+                      <a:tailEnd type="none" w="med" len="med"/>
+                    </a:lnR>
+                    <a:lnT w="12700" cap="flat" cmpd="sng" algn="ctr">
+                      <a:solidFill>
+                        <a:schemeClr val="tx1"/>
+                      </a:solidFill>
+                      <a:prstDash val="solid"/>
+                      <a:round/>
+                      <a:headEnd type="none" w="med" len="med"/>
+                      <a:tailEnd type="none" w="med" len="med"/>
+                    </a:lnT>
+                    <a:lnB w="12700" cap="flat" cmpd="sng" algn="ctr">
+                      <a:solidFill>
+                        <a:schemeClr val="tx1"/>
+                      </a:solidFill>
+                      <a:prstDash val="solid"/>
+                      <a:round/>
+                      <a:headEnd type="none" w="med" len="med"/>
+                      <a:tailEnd type="none" w="med" len="med"/>
+                    </a:lnB>
+                    <a:solidFill>
+                      <a:schemeClr val="bg1"/>
+                    </a:solidFill>
+                  </a:tcPr>
+                </a:tc>
+                <a:extLst>
+                  <a:ext uri="{0D108BD9-81ED-4DB2-BD59-A6C34878D82A}">
+                    <a16:rowId xmlns:a16="http://schemas.microsoft.com/office/drawing/2014/main" val="1230192378"/>
+                  </a:ext>
+                </a:extLst>
+              </a:tr>
+              <a:tr h="450000">
+                <a:tc>
+                  <a:txBody>
+                    <a:bodyPr/>
+                    <a:lstStyle/>
+                    <a:p>
+                      <a:endParaRPr lang="en-DK" dirty="0"/>
+                    </a:p>
+                  </a:txBody>
+                  <a:tcPr>
+                    <a:lnL w="12700" cap="flat" cmpd="sng" algn="ctr">
+                      <a:solidFill>
+                        <a:schemeClr val="tx1"/>
+                      </a:solidFill>
+                      <a:prstDash val="solid"/>
+                      <a:round/>
+                      <a:headEnd type="none" w="med" len="med"/>
+                      <a:tailEnd type="none" w="med" len="med"/>
+                    </a:lnL>
+                    <a:lnR w="12700" cap="flat" cmpd="sng" algn="ctr">
+                      <a:solidFill>
+                        <a:schemeClr val="tx1"/>
+                      </a:solidFill>
+                      <a:prstDash val="solid"/>
+                      <a:round/>
+                      <a:headEnd type="none" w="med" len="med"/>
+                      <a:tailEnd type="none" w="med" len="med"/>
+                    </a:lnR>
+                    <a:lnT w="12700" cap="flat" cmpd="sng" algn="ctr">
+                      <a:solidFill>
+                        <a:schemeClr val="tx1"/>
+                      </a:solidFill>
+                      <a:prstDash val="solid"/>
+                      <a:round/>
+                      <a:headEnd type="none" w="med" len="med"/>
+                      <a:tailEnd type="none" w="med" len="med"/>
+                    </a:lnT>
+                    <a:lnB w="12700" cap="flat" cmpd="sng" algn="ctr">
+                      <a:solidFill>
+                        <a:schemeClr val="tx1"/>
+                      </a:solidFill>
+                      <a:prstDash val="solid"/>
+                      <a:round/>
+                      <a:headEnd type="none" w="med" len="med"/>
+                      <a:tailEnd type="none" w="med" len="med"/>
+                    </a:lnB>
+                    <a:solidFill>
+                      <a:schemeClr val="bg1"/>
+                    </a:solidFill>
+                  </a:tcPr>
+                </a:tc>
+                <a:tc>
+                  <a:txBody>
+                    <a:bodyPr/>
+                    <a:lstStyle/>
+                    <a:p>
+                      <a:endParaRPr lang="en-DK" dirty="0"/>
+                    </a:p>
+                  </a:txBody>
+                  <a:tcPr>
+                    <a:lnL w="12700" cap="flat" cmpd="sng" algn="ctr">
+                      <a:solidFill>
+                        <a:schemeClr val="tx1"/>
+                      </a:solidFill>
+                      <a:prstDash val="solid"/>
+                      <a:round/>
+                      <a:headEnd type="none" w="med" len="med"/>
+                      <a:tailEnd type="none" w="med" len="med"/>
+                    </a:lnL>
+                    <a:lnR w="12700" cap="flat" cmpd="sng" algn="ctr">
+                      <a:solidFill>
+                        <a:schemeClr val="tx1"/>
+                      </a:solidFill>
+                      <a:prstDash val="solid"/>
+                      <a:round/>
+                      <a:headEnd type="none" w="med" len="med"/>
+                      <a:tailEnd type="none" w="med" len="med"/>
+                    </a:lnR>
+                    <a:lnT w="12700" cap="flat" cmpd="sng" algn="ctr">
+                      <a:solidFill>
+                        <a:schemeClr val="tx1"/>
+                      </a:solidFill>
+                      <a:prstDash val="solid"/>
+                      <a:round/>
+                      <a:headEnd type="none" w="med" len="med"/>
+                      <a:tailEnd type="none" w="med" len="med"/>
+                    </a:lnT>
+                    <a:lnB w="12700" cap="flat" cmpd="sng" algn="ctr">
+                      <a:solidFill>
+                        <a:schemeClr val="tx1"/>
+                      </a:solidFill>
+                      <a:prstDash val="solid"/>
+                      <a:round/>
+                      <a:headEnd type="none" w="med" len="med"/>
+                      <a:tailEnd type="none" w="med" len="med"/>
+                    </a:lnB>
+                    <a:solidFill>
+                      <a:schemeClr val="bg1"/>
+                    </a:solidFill>
+                  </a:tcPr>
+                </a:tc>
+                <a:tc>
+                  <a:txBody>
+                    <a:bodyPr/>
+                    <a:lstStyle/>
+                    <a:p>
+                      <a:endParaRPr lang="en-DK"/>
+                    </a:p>
+                  </a:txBody>
+                  <a:tcPr>
+                    <a:lnL w="12700" cap="flat" cmpd="sng" algn="ctr">
+                      <a:solidFill>
+                        <a:schemeClr val="tx1"/>
+                      </a:solidFill>
+                      <a:prstDash val="solid"/>
+                      <a:round/>
+                      <a:headEnd type="none" w="med" len="med"/>
+                      <a:tailEnd type="none" w="med" len="med"/>
+                    </a:lnL>
+                    <a:lnR w="12700" cap="flat" cmpd="sng" algn="ctr">
+                      <a:solidFill>
+                        <a:schemeClr val="tx1"/>
+                      </a:solidFill>
+                      <a:prstDash val="solid"/>
+                      <a:round/>
+                      <a:headEnd type="none" w="med" len="med"/>
+                      <a:tailEnd type="none" w="med" len="med"/>
+                    </a:lnR>
+                    <a:lnT w="12700" cap="flat" cmpd="sng" algn="ctr">
+                      <a:solidFill>
+                        <a:schemeClr val="tx1"/>
+                      </a:solidFill>
+                      <a:prstDash val="solid"/>
+                      <a:round/>
+                      <a:headEnd type="none" w="med" len="med"/>
+                      <a:tailEnd type="none" w="med" len="med"/>
+                    </a:lnT>
+                    <a:lnB w="12700" cap="flat" cmpd="sng" algn="ctr">
+                      <a:solidFill>
+                        <a:schemeClr val="tx1"/>
+                      </a:solidFill>
+                      <a:prstDash val="solid"/>
+                      <a:round/>
+                      <a:headEnd type="none" w="med" len="med"/>
+                      <a:tailEnd type="none" w="med" len="med"/>
+                    </a:lnB>
+                    <a:solidFill>
+                      <a:schemeClr val="bg1"/>
+                    </a:solidFill>
+                  </a:tcPr>
+                </a:tc>
+                <a:tc>
+                  <a:txBody>
+                    <a:bodyPr/>
+                    <a:lstStyle/>
+                    <a:p>
+                      <a:endParaRPr lang="en-DK"/>
+                    </a:p>
+                  </a:txBody>
+                  <a:tcPr>
+                    <a:lnL w="12700" cap="flat" cmpd="sng" algn="ctr">
+                      <a:solidFill>
+                        <a:schemeClr val="tx1"/>
+                      </a:solidFill>
+                      <a:prstDash val="solid"/>
+                      <a:round/>
+                      <a:headEnd type="none" w="med" len="med"/>
+                      <a:tailEnd type="none" w="med" len="med"/>
+                    </a:lnL>
+                    <a:lnR w="12700" cap="flat" cmpd="sng" algn="ctr">
+                      <a:solidFill>
+                        <a:schemeClr val="tx1"/>
+                      </a:solidFill>
+                      <a:prstDash val="solid"/>
+                      <a:round/>
+                      <a:headEnd type="none" w="med" len="med"/>
+                      <a:tailEnd type="none" w="med" len="med"/>
+                    </a:lnR>
+                    <a:lnT w="12700" cap="flat" cmpd="sng" algn="ctr">
+                      <a:solidFill>
+                        <a:schemeClr val="tx1"/>
+                      </a:solidFill>
+                      <a:prstDash val="solid"/>
+                      <a:round/>
+                      <a:headEnd type="none" w="med" len="med"/>
+                      <a:tailEnd type="none" w="med" len="med"/>
+                    </a:lnT>
+                    <a:lnB w="12700" cap="flat" cmpd="sng" algn="ctr">
+                      <a:solidFill>
+                        <a:schemeClr val="tx1"/>
+                      </a:solidFill>
+                      <a:prstDash val="solid"/>
+                      <a:round/>
+                      <a:headEnd type="none" w="med" len="med"/>
+                      <a:tailEnd type="none" w="med" len="med"/>
+                    </a:lnB>
+                    <a:solidFill>
+                      <a:schemeClr val="bg1"/>
+                    </a:solidFill>
+                  </a:tcPr>
+                </a:tc>
+                <a:extLst>
+                  <a:ext uri="{0D108BD9-81ED-4DB2-BD59-A6C34878D82A}">
+                    <a16:rowId xmlns:a16="http://schemas.microsoft.com/office/drawing/2014/main" val="3328769496"/>
+                  </a:ext>
+                </a:extLst>
+              </a:tr>
+              <a:tr h="450000">
+                <a:tc>
+                  <a:txBody>
+                    <a:bodyPr/>
+                    <a:lstStyle/>
+                    <a:p>
+                      <a:endParaRPr lang="en-DK" dirty="0"/>
+                    </a:p>
+                  </a:txBody>
+                  <a:tcPr>
+                    <a:lnL w="12700" cap="flat" cmpd="sng" algn="ctr">
+                      <a:solidFill>
+                        <a:schemeClr val="tx1"/>
+                      </a:solidFill>
+                      <a:prstDash val="solid"/>
+                      <a:round/>
+                      <a:headEnd type="none" w="med" len="med"/>
+                      <a:tailEnd type="none" w="med" len="med"/>
+                    </a:lnL>
+                    <a:lnR w="12700" cap="flat" cmpd="sng" algn="ctr">
+                      <a:solidFill>
+                        <a:schemeClr val="tx1"/>
+                      </a:solidFill>
+                      <a:prstDash val="solid"/>
+                      <a:round/>
+                      <a:headEnd type="none" w="med" len="med"/>
+                      <a:tailEnd type="none" w="med" len="med"/>
+                    </a:lnR>
+                    <a:lnT w="12700" cap="flat" cmpd="sng" algn="ctr">
+                      <a:solidFill>
+                        <a:schemeClr val="tx1"/>
+                      </a:solidFill>
+                      <a:prstDash val="solid"/>
+                      <a:round/>
+                      <a:headEnd type="none" w="med" len="med"/>
+                      <a:tailEnd type="none" w="med" len="med"/>
+                    </a:lnT>
+                    <a:lnB w="12700" cap="flat" cmpd="sng" algn="ctr">
+                      <a:solidFill>
+                        <a:schemeClr val="tx1"/>
+                      </a:solidFill>
+                      <a:prstDash val="solid"/>
+                      <a:round/>
+                      <a:headEnd type="none" w="med" len="med"/>
+                      <a:tailEnd type="none" w="med" len="med"/>
+                    </a:lnB>
+                    <a:solidFill>
+                      <a:schemeClr val="bg1"/>
+                    </a:solidFill>
+                  </a:tcPr>
+                </a:tc>
+                <a:tc>
+                  <a:txBody>
+                    <a:bodyPr/>
+                    <a:lstStyle/>
+                    <a:p>
+                      <a:endParaRPr lang="en-DK"/>
+                    </a:p>
+                  </a:txBody>
+                  <a:tcPr>
+                    <a:lnL w="12700" cap="flat" cmpd="sng" algn="ctr">
+                      <a:solidFill>
+                        <a:schemeClr val="tx1"/>
+                      </a:solidFill>
+                      <a:prstDash val="solid"/>
+                      <a:round/>
+                      <a:headEnd type="none" w="med" len="med"/>
+                      <a:tailEnd type="none" w="med" len="med"/>
+                    </a:lnL>
+                    <a:lnR w="12700" cap="flat" cmpd="sng" algn="ctr">
+                      <a:solidFill>
+                        <a:schemeClr val="tx1"/>
+                      </a:solidFill>
+                      <a:prstDash val="solid"/>
+                      <a:round/>
+                      <a:headEnd type="none" w="med" len="med"/>
+                      <a:tailEnd type="none" w="med" len="med"/>
+                    </a:lnR>
+                    <a:lnT w="12700" cap="flat" cmpd="sng" algn="ctr">
+                      <a:solidFill>
+                        <a:schemeClr val="tx1"/>
+                      </a:solidFill>
+                      <a:prstDash val="solid"/>
+                      <a:round/>
+                      <a:headEnd type="none" w="med" len="med"/>
+                      <a:tailEnd type="none" w="med" len="med"/>
+                    </a:lnT>
+                    <a:lnB w="12700" cap="flat" cmpd="sng" algn="ctr">
+                      <a:solidFill>
+                        <a:schemeClr val="tx1"/>
+                      </a:solidFill>
+                      <a:prstDash val="solid"/>
+                      <a:round/>
+                      <a:headEnd type="none" w="med" len="med"/>
+                      <a:tailEnd type="none" w="med" len="med"/>
+                    </a:lnB>
+                    <a:solidFill>
+                      <a:schemeClr val="bg1"/>
+                    </a:solidFill>
+                  </a:tcPr>
+                </a:tc>
+                <a:tc>
+                  <a:txBody>
+                    <a:bodyPr/>
+                    <a:lstStyle/>
+                    <a:p>
+                      <a:endParaRPr lang="en-DK"/>
+                    </a:p>
+                  </a:txBody>
+                  <a:tcPr>
+                    <a:lnL w="12700" cap="flat" cmpd="sng" algn="ctr">
+                      <a:solidFill>
+                        <a:schemeClr val="tx1"/>
+                      </a:solidFill>
+                      <a:prstDash val="solid"/>
+                      <a:round/>
+                      <a:headEnd type="none" w="med" len="med"/>
+                      <a:tailEnd type="none" w="med" len="med"/>
+                    </a:lnL>
+                    <a:lnR w="12700" cap="flat" cmpd="sng" algn="ctr">
+                      <a:solidFill>
+                        <a:schemeClr val="tx1"/>
+                      </a:solidFill>
+                      <a:prstDash val="solid"/>
+                      <a:round/>
+                      <a:headEnd type="none" w="med" len="med"/>
+                      <a:tailEnd type="none" w="med" len="med"/>
+                    </a:lnR>
+                    <a:lnT w="12700" cap="flat" cmpd="sng" algn="ctr">
+                      <a:solidFill>
+                        <a:schemeClr val="tx1"/>
+                      </a:solidFill>
+                      <a:prstDash val="solid"/>
+                      <a:round/>
+                      <a:headEnd type="none" w="med" len="med"/>
+                      <a:tailEnd type="none" w="med" len="med"/>
+                    </a:lnT>
+                    <a:lnB w="12700" cap="flat" cmpd="sng" algn="ctr">
+                      <a:solidFill>
+                        <a:schemeClr val="tx1"/>
+                      </a:solidFill>
+                      <a:prstDash val="solid"/>
+                      <a:round/>
+                      <a:headEnd type="none" w="med" len="med"/>
+                      <a:tailEnd type="none" w="med" len="med"/>
+                    </a:lnB>
+                    <a:solidFill>
+                      <a:schemeClr val="bg1"/>
+                    </a:solidFill>
+                  </a:tcPr>
+                </a:tc>
+                <a:tc>
+                  <a:txBody>
+                    <a:bodyPr/>
+                    <a:lstStyle/>
+                    <a:p>
+                      <a:endParaRPr lang="en-DK"/>
+                    </a:p>
+                  </a:txBody>
+                  <a:tcPr>
+                    <a:lnL w="12700" cap="flat" cmpd="sng" algn="ctr">
+                      <a:solidFill>
+                        <a:schemeClr val="tx1"/>
+                      </a:solidFill>
+                      <a:prstDash val="solid"/>
+                      <a:round/>
+                      <a:headEnd type="none" w="med" len="med"/>
+                      <a:tailEnd type="none" w="med" len="med"/>
+                    </a:lnL>
+                    <a:lnR w="12700" cap="flat" cmpd="sng" algn="ctr">
+                      <a:solidFill>
+                        <a:schemeClr val="tx1"/>
+                      </a:solidFill>
+                      <a:prstDash val="solid"/>
+                      <a:round/>
+                      <a:headEnd type="none" w="med" len="med"/>
+                      <a:tailEnd type="none" w="med" len="med"/>
+                    </a:lnR>
+                    <a:lnT w="12700" cap="flat" cmpd="sng" algn="ctr">
+                      <a:solidFill>
+                        <a:schemeClr val="tx1"/>
+                      </a:solidFill>
+                      <a:prstDash val="solid"/>
+                      <a:round/>
+                      <a:headEnd type="none" w="med" len="med"/>
+                      <a:tailEnd type="none" w="med" len="med"/>
+                    </a:lnT>
+                    <a:lnB w="12700" cap="flat" cmpd="sng" algn="ctr">
+                      <a:solidFill>
+                        <a:schemeClr val="tx1"/>
+                      </a:solidFill>
+                      <a:prstDash val="solid"/>
+                      <a:round/>
+                      <a:headEnd type="none" w="med" len="med"/>
+                      <a:tailEnd type="none" w="med" len="med"/>
+                    </a:lnB>
+                    <a:solidFill>
+                      <a:schemeClr val="bg1"/>
+                    </a:solidFill>
+                  </a:tcPr>
+                </a:tc>
+                <a:extLst>
+                  <a:ext uri="{0D108BD9-81ED-4DB2-BD59-A6C34878D82A}">
+                    <a16:rowId xmlns:a16="http://schemas.microsoft.com/office/drawing/2014/main" val="2341660610"/>
+                  </a:ext>
+                </a:extLst>
+              </a:tr>
+              <a:tr h="450000">
+                <a:tc>
+                  <a:txBody>
+                    <a:bodyPr/>
+                    <a:lstStyle/>
+                    <a:p>
+                      <a:endParaRPr lang="en-DK"/>
+                    </a:p>
+                  </a:txBody>
+                  <a:tcPr>
+                    <a:lnL w="12700" cap="flat" cmpd="sng" algn="ctr">
+                      <a:solidFill>
+                        <a:schemeClr val="tx1"/>
+                      </a:solidFill>
+                      <a:prstDash val="solid"/>
+                      <a:round/>
+                      <a:headEnd type="none" w="med" len="med"/>
+                      <a:tailEnd type="none" w="med" len="med"/>
+                    </a:lnL>
+                    <a:lnR w="12700" cap="flat" cmpd="sng" algn="ctr">
+                      <a:solidFill>
+                        <a:schemeClr val="tx1"/>
+                      </a:solidFill>
+                      <a:prstDash val="solid"/>
+                      <a:round/>
+                      <a:headEnd type="none" w="med" len="med"/>
+                      <a:tailEnd type="none" w="med" len="med"/>
+                    </a:lnR>
+                    <a:lnT w="12700" cap="flat" cmpd="sng" algn="ctr">
+                      <a:solidFill>
+                        <a:schemeClr val="tx1"/>
+                      </a:solidFill>
+                      <a:prstDash val="solid"/>
+                      <a:round/>
+                      <a:headEnd type="none" w="med" len="med"/>
+                      <a:tailEnd type="none" w="med" len="med"/>
+                    </a:lnT>
+                    <a:lnB w="12700" cap="flat" cmpd="sng" algn="ctr">
+                      <a:solidFill>
+                        <a:schemeClr val="tx1"/>
+                      </a:solidFill>
+                      <a:prstDash val="solid"/>
+                      <a:round/>
+                      <a:headEnd type="none" w="med" len="med"/>
+                      <a:tailEnd type="none" w="med" len="med"/>
+                    </a:lnB>
+                    <a:solidFill>
+                      <a:schemeClr val="bg1"/>
+                    </a:solidFill>
+                  </a:tcPr>
+                </a:tc>
+                <a:tc>
+                  <a:txBody>
+                    <a:bodyPr/>
+                    <a:lstStyle/>
+                    <a:p>
+                      <a:endParaRPr lang="en-DK" dirty="0"/>
+                    </a:p>
+                  </a:txBody>
+                  <a:tcPr>
+                    <a:lnL w="12700" cap="flat" cmpd="sng" algn="ctr">
+                      <a:solidFill>
+                        <a:schemeClr val="tx1"/>
+                      </a:solidFill>
+                      <a:prstDash val="solid"/>
+                      <a:round/>
+                      <a:headEnd type="none" w="med" len="med"/>
+                      <a:tailEnd type="none" w="med" len="med"/>
+                    </a:lnL>
+                    <a:lnR w="12700" cap="flat" cmpd="sng" algn="ctr">
+                      <a:solidFill>
+                        <a:schemeClr val="tx1"/>
+                      </a:solidFill>
+                      <a:prstDash val="solid"/>
+                      <a:round/>
+                      <a:headEnd type="none" w="med" len="med"/>
+                      <a:tailEnd type="none" w="med" len="med"/>
+                    </a:lnR>
+                    <a:lnT w="12700" cap="flat" cmpd="sng" algn="ctr">
+                      <a:solidFill>
+                        <a:schemeClr val="tx1"/>
+                      </a:solidFill>
+                      <a:prstDash val="solid"/>
+                      <a:round/>
+                      <a:headEnd type="none" w="med" len="med"/>
+                      <a:tailEnd type="none" w="med" len="med"/>
+                    </a:lnT>
+                    <a:lnB w="12700" cap="flat" cmpd="sng" algn="ctr">
+                      <a:solidFill>
+                        <a:schemeClr val="tx1"/>
+                      </a:solidFill>
+                      <a:prstDash val="solid"/>
+                      <a:round/>
+                      <a:headEnd type="none" w="med" len="med"/>
+                      <a:tailEnd type="none" w="med" len="med"/>
+                    </a:lnB>
+                    <a:solidFill>
+                      <a:schemeClr val="bg1"/>
+                    </a:solidFill>
+                  </a:tcPr>
+                </a:tc>
+                <a:tc>
+                  <a:txBody>
+                    <a:bodyPr/>
+                    <a:lstStyle/>
+                    <a:p>
+                      <a:endParaRPr lang="en-DK" dirty="0"/>
+                    </a:p>
+                  </a:txBody>
+                  <a:tcPr>
+                    <a:lnL w="12700" cap="flat" cmpd="sng" algn="ctr">
+                      <a:solidFill>
+                        <a:schemeClr val="tx1"/>
+                      </a:solidFill>
+                      <a:prstDash val="solid"/>
+                      <a:round/>
+                      <a:headEnd type="none" w="med" len="med"/>
+                      <a:tailEnd type="none" w="med" len="med"/>
+                    </a:lnL>
+                    <a:lnR w="12700" cap="flat" cmpd="sng" algn="ctr">
+                      <a:solidFill>
+                        <a:schemeClr val="tx1"/>
+                      </a:solidFill>
+                      <a:prstDash val="solid"/>
+                      <a:round/>
+                      <a:headEnd type="none" w="med" len="med"/>
+                      <a:tailEnd type="none" w="med" len="med"/>
+                    </a:lnR>
+                    <a:lnT w="12700" cap="flat" cmpd="sng" algn="ctr">
+                      <a:solidFill>
+                        <a:schemeClr val="tx1"/>
+                      </a:solidFill>
+                      <a:prstDash val="solid"/>
+                      <a:round/>
+                      <a:headEnd type="none" w="med" len="med"/>
+                      <a:tailEnd type="none" w="med" len="med"/>
+                    </a:lnT>
+                    <a:lnB w="12700" cap="flat" cmpd="sng" algn="ctr">
+                      <a:solidFill>
+                        <a:schemeClr val="tx1"/>
+                      </a:solidFill>
+                      <a:prstDash val="solid"/>
+                      <a:round/>
+                      <a:headEnd type="none" w="med" len="med"/>
+                      <a:tailEnd type="none" w="med" len="med"/>
+                    </a:lnB>
+                    <a:solidFill>
+                      <a:schemeClr val="bg1"/>
+                    </a:solidFill>
+                  </a:tcPr>
+                </a:tc>
+                <a:tc>
+                  <a:txBody>
+                    <a:bodyPr/>
+                    <a:lstStyle/>
+                    <a:p>
+                      <a:endParaRPr lang="en-DK" dirty="0"/>
+                    </a:p>
+                  </a:txBody>
+                  <a:tcPr>
+                    <a:lnL w="12700" cap="flat" cmpd="sng" algn="ctr">
+                      <a:solidFill>
+                        <a:schemeClr val="tx1"/>
+                      </a:solidFill>
+                      <a:prstDash val="solid"/>
+                      <a:round/>
+                      <a:headEnd type="none" w="med" len="med"/>
+                      <a:tailEnd type="none" w="med" len="med"/>
+                    </a:lnL>
+                    <a:lnR w="12700" cap="flat" cmpd="sng" algn="ctr">
+                      <a:solidFill>
+                        <a:schemeClr val="tx1"/>
+                      </a:solidFill>
+                      <a:prstDash val="solid"/>
+                      <a:round/>
+                      <a:headEnd type="none" w="med" len="med"/>
+                      <a:tailEnd type="none" w="med" len="med"/>
+                    </a:lnR>
+                    <a:lnT w="12700" cap="flat" cmpd="sng" algn="ctr">
+                      <a:solidFill>
+                        <a:schemeClr val="tx1"/>
+                      </a:solidFill>
+                      <a:prstDash val="solid"/>
+                      <a:round/>
+                      <a:headEnd type="none" w="med" len="med"/>
+                      <a:tailEnd type="none" w="med" len="med"/>
+                    </a:lnT>
+                    <a:lnB w="12700" cap="flat" cmpd="sng" algn="ctr">
+                      <a:solidFill>
+                        <a:schemeClr val="tx1"/>
+                      </a:solidFill>
+                      <a:prstDash val="solid"/>
+                      <a:round/>
+                      <a:headEnd type="none" w="med" len="med"/>
+                      <a:tailEnd type="none" w="med" len="med"/>
+                    </a:lnB>
+                    <a:solidFill>
+                      <a:schemeClr val="bg1"/>
+                    </a:solidFill>
+                  </a:tcPr>
+                </a:tc>
+                <a:extLst>
+                  <a:ext uri="{0D108BD9-81ED-4DB2-BD59-A6C34878D82A}">
+                    <a16:rowId xmlns:a16="http://schemas.microsoft.com/office/drawing/2014/main" val="3479127924"/>
+                  </a:ext>
+                </a:extLst>
+              </a:tr>
+            </a:tbl>
+          </a:graphicData>
+        </a:graphic>
+      </p:graphicFrame>
+      <p:graphicFrame>
+        <p:nvGraphicFramePr>
+          <p:cNvPr id="20" name="Table 19">
+            <a:extLst>
+              <a:ext uri="{FF2B5EF4-FFF2-40B4-BE49-F238E27FC236}">
+                <a16:creationId xmlns:a16="http://schemas.microsoft.com/office/drawing/2014/main" id="{F41B7AC6-3584-2A7B-4375-213A44042EA8}"/>
+              </a:ext>
+            </a:extLst>
+          </p:cNvPr>
+          <p:cNvGraphicFramePr>
+            <a:graphicFrameLocks noGrp="1"/>
+          </p:cNvGraphicFramePr>
+          <p:nvPr>
+            <p:extLst>
+              <p:ext uri="{D42A27DB-BD31-4B8C-83A1-F6EECF244321}">
+                <p14:modId xmlns:p14="http://schemas.microsoft.com/office/powerpoint/2010/main" val="819449648"/>
+              </p:ext>
+            </p:extLst>
+          </p:nvPr>
+        </p:nvGraphicFramePr>
+        <p:xfrm>
+          <a:off x="7966620" y="1197888"/>
+          <a:ext cx="1800000" cy="1800000"/>
+        </p:xfrm>
+        <a:graphic>
+          <a:graphicData uri="http://schemas.openxmlformats.org/drawingml/2006/table">
+            <a:tbl>
+              <a:tblPr firstRow="1" bandRow="1">
+                <a:tableStyleId>{5C22544A-7EE6-4342-B048-85BDC9FD1C3A}</a:tableStyleId>
+              </a:tblPr>
+              <a:tblGrid>
+                <a:gridCol w="450000">
+                  <a:extLst>
+                    <a:ext uri="{9D8B030D-6E8A-4147-A177-3AD203B41FA5}">
+                      <a16:colId xmlns:a16="http://schemas.microsoft.com/office/drawing/2014/main" val="1884889321"/>
+                    </a:ext>
+                  </a:extLst>
+                </a:gridCol>
+                <a:gridCol w="450000">
+                  <a:extLst>
+                    <a:ext uri="{9D8B030D-6E8A-4147-A177-3AD203B41FA5}">
+                      <a16:colId xmlns:a16="http://schemas.microsoft.com/office/drawing/2014/main" val="2357513042"/>
+                    </a:ext>
+                  </a:extLst>
+                </a:gridCol>
+                <a:gridCol w="450000">
+                  <a:extLst>
+                    <a:ext uri="{9D8B030D-6E8A-4147-A177-3AD203B41FA5}">
+                      <a16:colId xmlns:a16="http://schemas.microsoft.com/office/drawing/2014/main" val="365435312"/>
+                    </a:ext>
+                  </a:extLst>
+                </a:gridCol>
+                <a:gridCol w="450000">
+                  <a:extLst>
+                    <a:ext uri="{9D8B030D-6E8A-4147-A177-3AD203B41FA5}">
+                      <a16:colId xmlns:a16="http://schemas.microsoft.com/office/drawing/2014/main" val="1608194090"/>
+                    </a:ext>
+                  </a:extLst>
+                </a:gridCol>
+              </a:tblGrid>
+              <a:tr h="450000">
+                <a:tc>
+                  <a:txBody>
+                    <a:bodyPr/>
+                    <a:lstStyle/>
+                    <a:p>
+                      <a:endParaRPr lang="en-DK"/>
+                    </a:p>
+                  </a:txBody>
+                  <a:tcPr>
+                    <a:lnL w="12700" cap="flat" cmpd="sng" algn="ctr">
+                      <a:solidFill>
+                        <a:schemeClr val="tx1"/>
+                      </a:solidFill>
+                      <a:prstDash val="solid"/>
+                      <a:round/>
+                      <a:headEnd type="none" w="med" len="med"/>
+                      <a:tailEnd type="none" w="med" len="med"/>
+                    </a:lnL>
+                    <a:lnR w="12700" cap="flat" cmpd="sng" algn="ctr">
+                      <a:solidFill>
+                        <a:schemeClr val="tx1"/>
+                      </a:solidFill>
+                      <a:prstDash val="solid"/>
+                      <a:round/>
+                      <a:headEnd type="none" w="med" len="med"/>
+                      <a:tailEnd type="none" w="med" len="med"/>
+                    </a:lnR>
+                    <a:lnT w="12700" cap="flat" cmpd="sng" algn="ctr">
+                      <a:solidFill>
+                        <a:schemeClr val="tx1"/>
+                      </a:solidFill>
+                      <a:prstDash val="solid"/>
+                      <a:round/>
+                      <a:headEnd type="none" w="med" len="med"/>
+                      <a:tailEnd type="none" w="med" len="med"/>
+                    </a:lnT>
+                    <a:lnB w="12700" cap="flat" cmpd="sng" algn="ctr">
+                      <a:solidFill>
+                        <a:schemeClr val="tx1"/>
+                      </a:solidFill>
+                      <a:prstDash val="solid"/>
+                      <a:round/>
+                      <a:headEnd type="none" w="med" len="med"/>
+                      <a:tailEnd type="none" w="med" len="med"/>
+                    </a:lnB>
+                    <a:solidFill>
+                      <a:schemeClr val="bg1"/>
+                    </a:solidFill>
+                  </a:tcPr>
+                </a:tc>
+                <a:tc>
+                  <a:txBody>
+                    <a:bodyPr/>
+                    <a:lstStyle/>
+                    <a:p>
+                      <a:endParaRPr lang="en-DK"/>
+                    </a:p>
+                  </a:txBody>
+                  <a:tcPr>
+                    <a:lnL w="12700" cap="flat" cmpd="sng" algn="ctr">
+                      <a:solidFill>
+                        <a:schemeClr val="tx1"/>
+                      </a:solidFill>
+                      <a:prstDash val="solid"/>
+                      <a:round/>
+                      <a:headEnd type="none" w="med" len="med"/>
+                      <a:tailEnd type="none" w="med" len="med"/>
+                    </a:lnL>
+                    <a:lnR w="12700" cap="flat" cmpd="sng" algn="ctr">
+                      <a:solidFill>
+                        <a:schemeClr val="tx1"/>
+                      </a:solidFill>
+                      <a:prstDash val="solid"/>
+                      <a:round/>
+                      <a:headEnd type="none" w="med" len="med"/>
+                      <a:tailEnd type="none" w="med" len="med"/>
+                    </a:lnR>
+                    <a:lnT w="12700" cap="flat" cmpd="sng" algn="ctr">
+                      <a:solidFill>
+                        <a:schemeClr val="tx1"/>
+                      </a:solidFill>
+                      <a:prstDash val="solid"/>
+                      <a:round/>
+                      <a:headEnd type="none" w="med" len="med"/>
+                      <a:tailEnd type="none" w="med" len="med"/>
+                    </a:lnT>
+                    <a:lnB w="12700" cap="flat" cmpd="sng" algn="ctr">
+                      <a:solidFill>
+                        <a:schemeClr val="tx1"/>
+                      </a:solidFill>
+                      <a:prstDash val="solid"/>
+                      <a:round/>
+                      <a:headEnd type="none" w="med" len="med"/>
+                      <a:tailEnd type="none" w="med" len="med"/>
+                    </a:lnB>
+                    <a:solidFill>
+                      <a:schemeClr val="bg1"/>
+                    </a:solidFill>
+                  </a:tcPr>
+                </a:tc>
+                <a:tc>
+                  <a:txBody>
+                    <a:bodyPr/>
+                    <a:lstStyle/>
+                    <a:p>
+                      <a:endParaRPr lang="en-DK"/>
+                    </a:p>
+                  </a:txBody>
+                  <a:tcPr>
+                    <a:lnL w="12700" cap="flat" cmpd="sng" algn="ctr">
+                      <a:solidFill>
+                        <a:schemeClr val="tx1"/>
+                      </a:solidFill>
+                      <a:prstDash val="solid"/>
+                      <a:round/>
+                      <a:headEnd type="none" w="med" len="med"/>
+                      <a:tailEnd type="none" w="med" len="med"/>
+                    </a:lnL>
+                    <a:lnR w="12700" cap="flat" cmpd="sng" algn="ctr">
+                      <a:solidFill>
+                        <a:schemeClr val="tx1"/>
+                      </a:solidFill>
+                      <a:prstDash val="solid"/>
+                      <a:round/>
+                      <a:headEnd type="none" w="med" len="med"/>
+                      <a:tailEnd type="none" w="med" len="med"/>
+                    </a:lnR>
+                    <a:lnT w="12700" cap="flat" cmpd="sng" algn="ctr">
+                      <a:solidFill>
+                        <a:schemeClr val="tx1"/>
+                      </a:solidFill>
+                      <a:prstDash val="solid"/>
+                      <a:round/>
+                      <a:headEnd type="none" w="med" len="med"/>
+                      <a:tailEnd type="none" w="med" len="med"/>
+                    </a:lnT>
+                    <a:lnB w="12700" cap="flat" cmpd="sng" algn="ctr">
+                      <a:solidFill>
+                        <a:schemeClr val="tx1"/>
+                      </a:solidFill>
+                      <a:prstDash val="solid"/>
+                      <a:round/>
+                      <a:headEnd type="none" w="med" len="med"/>
+                      <a:tailEnd type="none" w="med" len="med"/>
+                    </a:lnB>
+                    <a:solidFill>
+                      <a:schemeClr val="bg1"/>
+                    </a:solidFill>
+                  </a:tcPr>
+                </a:tc>
+                <a:tc>
+                  <a:txBody>
+                    <a:bodyPr/>
+                    <a:lstStyle/>
+                    <a:p>
+                      <a:endParaRPr lang="en-DK" dirty="0"/>
+                    </a:p>
+                  </a:txBody>
+                  <a:tcPr>
+                    <a:lnL w="12700" cap="flat" cmpd="sng" algn="ctr">
+                      <a:solidFill>
+                        <a:schemeClr val="tx1"/>
+                      </a:solidFill>
+                      <a:prstDash val="solid"/>
+                      <a:round/>
+                      <a:headEnd type="none" w="med" len="med"/>
+                      <a:tailEnd type="none" w="med" len="med"/>
+                    </a:lnL>
+                    <a:lnR w="12700" cap="flat" cmpd="sng" algn="ctr">
+                      <a:solidFill>
+                        <a:schemeClr val="tx1"/>
+                      </a:solidFill>
+                      <a:prstDash val="solid"/>
+                      <a:round/>
+                      <a:headEnd type="none" w="med" len="med"/>
+                      <a:tailEnd type="none" w="med" len="med"/>
+                    </a:lnR>
+                    <a:lnT w="12700" cap="flat" cmpd="sng" algn="ctr">
+                      <a:solidFill>
+                        <a:schemeClr val="tx1"/>
+                      </a:solidFill>
+                      <a:prstDash val="solid"/>
+                      <a:round/>
+                      <a:headEnd type="none" w="med" len="med"/>
+                      <a:tailEnd type="none" w="med" len="med"/>
+                    </a:lnT>
+                    <a:lnB w="12700" cap="flat" cmpd="sng" algn="ctr">
+                      <a:solidFill>
+                        <a:schemeClr val="tx1"/>
+                      </a:solidFill>
+                      <a:prstDash val="solid"/>
+                      <a:round/>
+                      <a:headEnd type="none" w="med" len="med"/>
+                      <a:tailEnd type="none" w="med" len="med"/>
+                    </a:lnB>
+                    <a:solidFill>
+                      <a:schemeClr val="bg1"/>
+                    </a:solidFill>
+                  </a:tcPr>
+                </a:tc>
+                <a:extLst>
+                  <a:ext uri="{0D108BD9-81ED-4DB2-BD59-A6C34878D82A}">
+                    <a16:rowId xmlns:a16="http://schemas.microsoft.com/office/drawing/2014/main" val="1230192378"/>
+                  </a:ext>
+                </a:extLst>
+              </a:tr>
+              <a:tr h="450000">
+                <a:tc>
+                  <a:txBody>
+                    <a:bodyPr/>
+                    <a:lstStyle/>
+                    <a:p>
+                      <a:endParaRPr lang="en-DK" dirty="0"/>
+                    </a:p>
+                  </a:txBody>
+                  <a:tcPr>
+                    <a:lnL w="12700" cap="flat" cmpd="sng" algn="ctr">
+                      <a:solidFill>
+                        <a:schemeClr val="tx1"/>
+                      </a:solidFill>
+                      <a:prstDash val="solid"/>
+                      <a:round/>
+                      <a:headEnd type="none" w="med" len="med"/>
+                      <a:tailEnd type="none" w="med" len="med"/>
+                    </a:lnL>
+                    <a:lnR w="12700" cap="flat" cmpd="sng" algn="ctr">
+                      <a:solidFill>
+                        <a:schemeClr val="tx1"/>
+                      </a:solidFill>
+                      <a:prstDash val="solid"/>
+                      <a:round/>
+                      <a:headEnd type="none" w="med" len="med"/>
+                      <a:tailEnd type="none" w="med" len="med"/>
+                    </a:lnR>
+                    <a:lnT w="12700" cap="flat" cmpd="sng" algn="ctr">
+                      <a:solidFill>
+                        <a:schemeClr val="tx1"/>
+                      </a:solidFill>
+                      <a:prstDash val="solid"/>
+                      <a:round/>
+                      <a:headEnd type="none" w="med" len="med"/>
+                      <a:tailEnd type="none" w="med" len="med"/>
+                    </a:lnT>
+                    <a:lnB w="12700" cap="flat" cmpd="sng" algn="ctr">
+                      <a:solidFill>
+                        <a:schemeClr val="tx1"/>
+                      </a:solidFill>
+                      <a:prstDash val="solid"/>
+                      <a:round/>
+                      <a:headEnd type="none" w="med" len="med"/>
+                      <a:tailEnd type="none" w="med" len="med"/>
+                    </a:lnB>
+                    <a:solidFill>
+                      <a:schemeClr val="bg1"/>
+                    </a:solidFill>
+                  </a:tcPr>
+                </a:tc>
+                <a:tc>
+                  <a:txBody>
+                    <a:bodyPr/>
+                    <a:lstStyle/>
+                    <a:p>
+                      <a:endParaRPr lang="en-DK" dirty="0"/>
+                    </a:p>
+                  </a:txBody>
+                  <a:tcPr>
+                    <a:lnL w="12700" cap="flat" cmpd="sng" algn="ctr">
+                      <a:solidFill>
+                        <a:schemeClr val="tx1"/>
+                      </a:solidFill>
+                      <a:prstDash val="solid"/>
+                      <a:round/>
+                      <a:headEnd type="none" w="med" len="med"/>
+                      <a:tailEnd type="none" w="med" len="med"/>
+                    </a:lnL>
+                    <a:lnR w="12700" cap="flat" cmpd="sng" algn="ctr">
+                      <a:solidFill>
+                        <a:schemeClr val="tx1"/>
+                      </a:solidFill>
+                      <a:prstDash val="solid"/>
+                      <a:round/>
+                      <a:headEnd type="none" w="med" len="med"/>
+                      <a:tailEnd type="none" w="med" len="med"/>
+                    </a:lnR>
+                    <a:lnT w="12700" cap="flat" cmpd="sng" algn="ctr">
+                      <a:solidFill>
+                        <a:schemeClr val="tx1"/>
+                      </a:solidFill>
+                      <a:prstDash val="solid"/>
+                      <a:round/>
+                      <a:headEnd type="none" w="med" len="med"/>
+                      <a:tailEnd type="none" w="med" len="med"/>
+                    </a:lnT>
+                    <a:lnB w="12700" cap="flat" cmpd="sng" algn="ctr">
+                      <a:solidFill>
+                        <a:schemeClr val="tx1"/>
+                      </a:solidFill>
+                      <a:prstDash val="solid"/>
+                      <a:round/>
+                      <a:headEnd type="none" w="med" len="med"/>
+                      <a:tailEnd type="none" w="med" len="med"/>
+                    </a:lnB>
+                    <a:solidFill>
+                      <a:schemeClr val="bg1"/>
+                    </a:solidFill>
+                  </a:tcPr>
+                </a:tc>
+                <a:tc>
+                  <a:txBody>
+                    <a:bodyPr/>
+                    <a:lstStyle/>
+                    <a:p>
+                      <a:endParaRPr lang="en-DK"/>
+                    </a:p>
+                  </a:txBody>
+                  <a:tcPr>
+                    <a:lnL w="12700" cap="flat" cmpd="sng" algn="ctr">
+                      <a:solidFill>
+                        <a:schemeClr val="tx1"/>
+                      </a:solidFill>
+                      <a:prstDash val="solid"/>
+                      <a:round/>
+                      <a:headEnd type="none" w="med" len="med"/>
+                      <a:tailEnd type="none" w="med" len="med"/>
+                    </a:lnL>
+                    <a:lnR w="12700" cap="flat" cmpd="sng" algn="ctr">
+                      <a:solidFill>
+                        <a:schemeClr val="tx1"/>
+                      </a:solidFill>
+                      <a:prstDash val="solid"/>
+                      <a:round/>
+                      <a:headEnd type="none" w="med" len="med"/>
+                      <a:tailEnd type="none" w="med" len="med"/>
+                    </a:lnR>
+                    <a:lnT w="12700" cap="flat" cmpd="sng" algn="ctr">
+                      <a:solidFill>
+                        <a:schemeClr val="tx1"/>
+                      </a:solidFill>
+                      <a:prstDash val="solid"/>
+                      <a:round/>
+                      <a:headEnd type="none" w="med" len="med"/>
+                      <a:tailEnd type="none" w="med" len="med"/>
+                    </a:lnT>
+                    <a:lnB w="12700" cap="flat" cmpd="sng" algn="ctr">
+                      <a:solidFill>
+                        <a:schemeClr val="tx1"/>
+                      </a:solidFill>
+                      <a:prstDash val="solid"/>
+                      <a:round/>
+                      <a:headEnd type="none" w="med" len="med"/>
+                      <a:tailEnd type="none" w="med" len="med"/>
+                    </a:lnB>
+                    <a:solidFill>
+                      <a:schemeClr val="bg1"/>
+                    </a:solidFill>
+                  </a:tcPr>
+                </a:tc>
+                <a:tc>
+                  <a:txBody>
+                    <a:bodyPr/>
+                    <a:lstStyle/>
+                    <a:p>
+                      <a:endParaRPr lang="en-DK"/>
+                    </a:p>
+                  </a:txBody>
+                  <a:tcPr>
+                    <a:lnL w="12700" cap="flat" cmpd="sng" algn="ctr">
+                      <a:solidFill>
+                        <a:schemeClr val="tx1"/>
+                      </a:solidFill>
+                      <a:prstDash val="solid"/>
+                      <a:round/>
+                      <a:headEnd type="none" w="med" len="med"/>
+                      <a:tailEnd type="none" w="med" len="med"/>
+                    </a:lnL>
+                    <a:lnR w="12700" cap="flat" cmpd="sng" algn="ctr">
+                      <a:solidFill>
+                        <a:schemeClr val="tx1"/>
+                      </a:solidFill>
+                      <a:prstDash val="solid"/>
+                      <a:round/>
+                      <a:headEnd type="none" w="med" len="med"/>
+                      <a:tailEnd type="none" w="med" len="med"/>
+                    </a:lnR>
+                    <a:lnT w="12700" cap="flat" cmpd="sng" algn="ctr">
+                      <a:solidFill>
+                        <a:schemeClr val="tx1"/>
+                      </a:solidFill>
+                      <a:prstDash val="solid"/>
+                      <a:round/>
+                      <a:headEnd type="none" w="med" len="med"/>
+                      <a:tailEnd type="none" w="med" len="med"/>
+                    </a:lnT>
+                    <a:lnB w="12700" cap="flat" cmpd="sng" algn="ctr">
+                      <a:solidFill>
+                        <a:schemeClr val="tx1"/>
+                      </a:solidFill>
+                      <a:prstDash val="solid"/>
+                      <a:round/>
+                      <a:headEnd type="none" w="med" len="med"/>
+                      <a:tailEnd type="none" w="med" len="med"/>
+                    </a:lnB>
+                    <a:solidFill>
+                      <a:schemeClr val="bg1"/>
+                    </a:solidFill>
+                  </a:tcPr>
+                </a:tc>
+                <a:extLst>
+                  <a:ext uri="{0D108BD9-81ED-4DB2-BD59-A6C34878D82A}">
+                    <a16:rowId xmlns:a16="http://schemas.microsoft.com/office/drawing/2014/main" val="3328769496"/>
+                  </a:ext>
+                </a:extLst>
+              </a:tr>
+              <a:tr h="450000">
+                <a:tc>
+                  <a:txBody>
+                    <a:bodyPr/>
+                    <a:lstStyle/>
+                    <a:p>
+                      <a:endParaRPr lang="en-DK" dirty="0"/>
+                    </a:p>
+                  </a:txBody>
+                  <a:tcPr>
+                    <a:lnL w="12700" cap="flat" cmpd="sng" algn="ctr">
+                      <a:solidFill>
+                        <a:schemeClr val="tx1"/>
+                      </a:solidFill>
+                      <a:prstDash val="solid"/>
+                      <a:round/>
+                      <a:headEnd type="none" w="med" len="med"/>
+                      <a:tailEnd type="none" w="med" len="med"/>
+                    </a:lnL>
+                    <a:lnR w="12700" cap="flat" cmpd="sng" algn="ctr">
+                      <a:solidFill>
+                        <a:schemeClr val="tx1"/>
+                      </a:solidFill>
+                      <a:prstDash val="solid"/>
+                      <a:round/>
+                      <a:headEnd type="none" w="med" len="med"/>
+                      <a:tailEnd type="none" w="med" len="med"/>
+                    </a:lnR>
+                    <a:lnT w="12700" cap="flat" cmpd="sng" algn="ctr">
+                      <a:solidFill>
+                        <a:schemeClr val="tx1"/>
+                      </a:solidFill>
+                      <a:prstDash val="solid"/>
+                      <a:round/>
+                      <a:headEnd type="none" w="med" len="med"/>
+                      <a:tailEnd type="none" w="med" len="med"/>
+                    </a:lnT>
+                    <a:lnB w="12700" cap="flat" cmpd="sng" algn="ctr">
+                      <a:solidFill>
+                        <a:schemeClr val="tx1"/>
+                      </a:solidFill>
+                      <a:prstDash val="solid"/>
+                      <a:round/>
+                      <a:headEnd type="none" w="med" len="med"/>
+                      <a:tailEnd type="none" w="med" len="med"/>
+                    </a:lnB>
+                    <a:solidFill>
+                      <a:schemeClr val="bg1"/>
+                    </a:solidFill>
+                  </a:tcPr>
+                </a:tc>
+                <a:tc>
+                  <a:txBody>
+                    <a:bodyPr/>
+                    <a:lstStyle/>
+                    <a:p>
+                      <a:endParaRPr lang="en-DK"/>
+                    </a:p>
+                  </a:txBody>
+                  <a:tcPr>
+                    <a:lnL w="12700" cap="flat" cmpd="sng" algn="ctr">
+                      <a:solidFill>
+                        <a:schemeClr val="tx1"/>
+                      </a:solidFill>
+                      <a:prstDash val="solid"/>
+                      <a:round/>
+                      <a:headEnd type="none" w="med" len="med"/>
+                      <a:tailEnd type="none" w="med" len="med"/>
+                    </a:lnL>
+                    <a:lnR w="12700" cap="flat" cmpd="sng" algn="ctr">
+                      <a:solidFill>
+                        <a:schemeClr val="tx1"/>
+                      </a:solidFill>
+                      <a:prstDash val="solid"/>
+                      <a:round/>
+                      <a:headEnd type="none" w="med" len="med"/>
+                      <a:tailEnd type="none" w="med" len="med"/>
+                    </a:lnR>
+                    <a:lnT w="12700" cap="flat" cmpd="sng" algn="ctr">
+                      <a:solidFill>
+                        <a:schemeClr val="tx1"/>
+                      </a:solidFill>
+                      <a:prstDash val="solid"/>
+                      <a:round/>
+                      <a:headEnd type="none" w="med" len="med"/>
+                      <a:tailEnd type="none" w="med" len="med"/>
+                    </a:lnT>
+                    <a:lnB w="12700" cap="flat" cmpd="sng" algn="ctr">
+                      <a:solidFill>
+                        <a:schemeClr val="tx1"/>
+                      </a:solidFill>
+                      <a:prstDash val="solid"/>
+                      <a:round/>
+                      <a:headEnd type="none" w="med" len="med"/>
+                      <a:tailEnd type="none" w="med" len="med"/>
+                    </a:lnB>
+                    <a:solidFill>
+                      <a:schemeClr val="bg1"/>
+                    </a:solidFill>
+                  </a:tcPr>
+                </a:tc>
+                <a:tc>
+                  <a:txBody>
+                    <a:bodyPr/>
+                    <a:lstStyle/>
+                    <a:p>
+                      <a:endParaRPr lang="en-DK"/>
+                    </a:p>
+                  </a:txBody>
+                  <a:tcPr>
+                    <a:lnL w="12700" cap="flat" cmpd="sng" algn="ctr">
+                      <a:solidFill>
+                        <a:schemeClr val="tx1"/>
+                      </a:solidFill>
+                      <a:prstDash val="solid"/>
+                      <a:round/>
+                      <a:headEnd type="none" w="med" len="med"/>
+                      <a:tailEnd type="none" w="med" len="med"/>
+                    </a:lnL>
+                    <a:lnR w="12700" cap="flat" cmpd="sng" algn="ctr">
+                      <a:solidFill>
+                        <a:schemeClr val="tx1"/>
+                      </a:solidFill>
+                      <a:prstDash val="solid"/>
+                      <a:round/>
+                      <a:headEnd type="none" w="med" len="med"/>
+                      <a:tailEnd type="none" w="med" len="med"/>
+                    </a:lnR>
+                    <a:lnT w="12700" cap="flat" cmpd="sng" algn="ctr">
+                      <a:solidFill>
+                        <a:schemeClr val="tx1"/>
+                      </a:solidFill>
+                      <a:prstDash val="solid"/>
+                      <a:round/>
+                      <a:headEnd type="none" w="med" len="med"/>
+                      <a:tailEnd type="none" w="med" len="med"/>
+                    </a:lnT>
+                    <a:lnB w="12700" cap="flat" cmpd="sng" algn="ctr">
+                      <a:solidFill>
+                        <a:schemeClr val="tx1"/>
+                      </a:solidFill>
+                      <a:prstDash val="solid"/>
+                      <a:round/>
+                      <a:headEnd type="none" w="med" len="med"/>
+                      <a:tailEnd type="none" w="med" len="med"/>
+                    </a:lnB>
+                    <a:solidFill>
+                      <a:schemeClr val="bg1"/>
+                    </a:solidFill>
+                  </a:tcPr>
+                </a:tc>
+                <a:tc>
+                  <a:txBody>
+                    <a:bodyPr/>
+                    <a:lstStyle/>
+                    <a:p>
+                      <a:endParaRPr lang="en-DK"/>
+                    </a:p>
+                  </a:txBody>
+                  <a:tcPr>
+                    <a:lnL w="12700" cap="flat" cmpd="sng" algn="ctr">
+                      <a:solidFill>
+                        <a:schemeClr val="tx1"/>
+                      </a:solidFill>
+                      <a:prstDash val="solid"/>
+                      <a:round/>
+                      <a:headEnd type="none" w="med" len="med"/>
+                      <a:tailEnd type="none" w="med" len="med"/>
+                    </a:lnL>
+                    <a:lnR w="12700" cap="flat" cmpd="sng" algn="ctr">
+                      <a:solidFill>
+                        <a:schemeClr val="tx1"/>
+                      </a:solidFill>
+                      <a:prstDash val="solid"/>
+                      <a:round/>
+                      <a:headEnd type="none" w="med" len="med"/>
+                      <a:tailEnd type="none" w="med" len="med"/>
+                    </a:lnR>
+                    <a:lnT w="12700" cap="flat" cmpd="sng" algn="ctr">
+                      <a:solidFill>
+                        <a:schemeClr val="tx1"/>
+                      </a:solidFill>
+                      <a:prstDash val="solid"/>
+                      <a:round/>
+                      <a:headEnd type="none" w="med" len="med"/>
+                      <a:tailEnd type="none" w="med" len="med"/>
+                    </a:lnT>
+                    <a:lnB w="12700" cap="flat" cmpd="sng" algn="ctr">
+                      <a:solidFill>
+                        <a:schemeClr val="tx1"/>
+                      </a:solidFill>
+                      <a:prstDash val="solid"/>
+                      <a:round/>
+                      <a:headEnd type="none" w="med" len="med"/>
+                      <a:tailEnd type="none" w="med" len="med"/>
+                    </a:lnB>
+                    <a:solidFill>
+                      <a:schemeClr val="bg1"/>
+                    </a:solidFill>
+                  </a:tcPr>
+                </a:tc>
+                <a:extLst>
+                  <a:ext uri="{0D108BD9-81ED-4DB2-BD59-A6C34878D82A}">
+                    <a16:rowId xmlns:a16="http://schemas.microsoft.com/office/drawing/2014/main" val="2341660610"/>
+                  </a:ext>
+                </a:extLst>
+              </a:tr>
+              <a:tr h="450000">
+                <a:tc>
+                  <a:txBody>
+                    <a:bodyPr/>
+                    <a:lstStyle/>
+                    <a:p>
+                      <a:endParaRPr lang="en-DK"/>
+                    </a:p>
+                  </a:txBody>
+                  <a:tcPr>
+                    <a:lnL w="12700" cap="flat" cmpd="sng" algn="ctr">
+                      <a:solidFill>
+                        <a:schemeClr val="tx1"/>
+                      </a:solidFill>
+                      <a:prstDash val="solid"/>
+                      <a:round/>
+                      <a:headEnd type="none" w="med" len="med"/>
+                      <a:tailEnd type="none" w="med" len="med"/>
+                    </a:lnL>
+                    <a:lnR w="12700" cap="flat" cmpd="sng" algn="ctr">
+                      <a:solidFill>
+                        <a:schemeClr val="tx1"/>
+                      </a:solidFill>
+                      <a:prstDash val="solid"/>
+                      <a:round/>
+                      <a:headEnd type="none" w="med" len="med"/>
+                      <a:tailEnd type="none" w="med" len="med"/>
+                    </a:lnR>
+                    <a:lnT w="12700" cap="flat" cmpd="sng" algn="ctr">
+                      <a:solidFill>
+                        <a:schemeClr val="tx1"/>
+                      </a:solidFill>
+                      <a:prstDash val="solid"/>
+                      <a:round/>
+                      <a:headEnd type="none" w="med" len="med"/>
+                      <a:tailEnd type="none" w="med" len="med"/>
+                    </a:lnT>
+                    <a:lnB w="12700" cap="flat" cmpd="sng" algn="ctr">
+                      <a:solidFill>
+                        <a:schemeClr val="tx1"/>
+                      </a:solidFill>
+                      <a:prstDash val="solid"/>
+                      <a:round/>
+                      <a:headEnd type="none" w="med" len="med"/>
+                      <a:tailEnd type="none" w="med" len="med"/>
+                    </a:lnB>
+                    <a:solidFill>
+                      <a:schemeClr val="bg1"/>
+                    </a:solidFill>
+                  </a:tcPr>
+                </a:tc>
+                <a:tc>
+                  <a:txBody>
+                    <a:bodyPr/>
+                    <a:lstStyle/>
+                    <a:p>
+                      <a:endParaRPr lang="en-DK" dirty="0"/>
+                    </a:p>
+                  </a:txBody>
+                  <a:tcPr>
+                    <a:lnL w="12700" cap="flat" cmpd="sng" algn="ctr">
+                      <a:solidFill>
+                        <a:schemeClr val="tx1"/>
+                      </a:solidFill>
+                      <a:prstDash val="solid"/>
+                      <a:round/>
+                      <a:headEnd type="none" w="med" len="med"/>
+                      <a:tailEnd type="none" w="med" len="med"/>
+                    </a:lnL>
+                    <a:lnR w="12700" cap="flat" cmpd="sng" algn="ctr">
+                      <a:solidFill>
+                        <a:schemeClr val="tx1"/>
+                      </a:solidFill>
+                      <a:prstDash val="solid"/>
+                      <a:round/>
+                      <a:headEnd type="none" w="med" len="med"/>
+                      <a:tailEnd type="none" w="med" len="med"/>
+                    </a:lnR>
+                    <a:lnT w="12700" cap="flat" cmpd="sng" algn="ctr">
+                      <a:solidFill>
+                        <a:schemeClr val="tx1"/>
+                      </a:solidFill>
+                      <a:prstDash val="solid"/>
+                      <a:round/>
+                      <a:headEnd type="none" w="med" len="med"/>
+                      <a:tailEnd type="none" w="med" len="med"/>
+                    </a:lnT>
+                    <a:lnB w="12700" cap="flat" cmpd="sng" algn="ctr">
+                      <a:solidFill>
+                        <a:schemeClr val="tx1"/>
+                      </a:solidFill>
+                      <a:prstDash val="solid"/>
+                      <a:round/>
+                      <a:headEnd type="none" w="med" len="med"/>
+                      <a:tailEnd type="none" w="med" len="med"/>
+                    </a:lnB>
+                    <a:solidFill>
+                      <a:schemeClr val="bg1"/>
+                    </a:solidFill>
+                  </a:tcPr>
+                </a:tc>
+                <a:tc>
+                  <a:txBody>
+                    <a:bodyPr/>
+                    <a:lstStyle/>
+                    <a:p>
+                      <a:endParaRPr lang="en-DK" dirty="0"/>
+                    </a:p>
+                  </a:txBody>
+                  <a:tcPr>
+                    <a:lnL w="12700" cap="flat" cmpd="sng" algn="ctr">
+                      <a:solidFill>
+                        <a:schemeClr val="tx1"/>
+                      </a:solidFill>
+                      <a:prstDash val="solid"/>
+                      <a:round/>
+                      <a:headEnd type="none" w="med" len="med"/>
+                      <a:tailEnd type="none" w="med" len="med"/>
+                    </a:lnL>
+                    <a:lnR w="12700" cap="flat" cmpd="sng" algn="ctr">
+                      <a:solidFill>
+                        <a:schemeClr val="tx1"/>
+                      </a:solidFill>
+                      <a:prstDash val="solid"/>
+                      <a:round/>
+                      <a:headEnd type="none" w="med" len="med"/>
+                      <a:tailEnd type="none" w="med" len="med"/>
+                    </a:lnR>
+                    <a:lnT w="12700" cap="flat" cmpd="sng" algn="ctr">
+                      <a:solidFill>
+                        <a:schemeClr val="tx1"/>
+                      </a:solidFill>
+                      <a:prstDash val="solid"/>
+                      <a:round/>
+                      <a:headEnd type="none" w="med" len="med"/>
+                      <a:tailEnd type="none" w="med" len="med"/>
+                    </a:lnT>
+                    <a:lnB w="12700" cap="flat" cmpd="sng" algn="ctr">
+                      <a:solidFill>
+                        <a:schemeClr val="tx1"/>
+                      </a:solidFill>
+                      <a:prstDash val="solid"/>
+                      <a:round/>
+                      <a:headEnd type="none" w="med" len="med"/>
+                      <a:tailEnd type="none" w="med" len="med"/>
+                    </a:lnB>
+                    <a:solidFill>
+                      <a:schemeClr val="bg1"/>
+                    </a:solidFill>
+                  </a:tcPr>
+                </a:tc>
+                <a:tc>
+                  <a:txBody>
+                    <a:bodyPr/>
+                    <a:lstStyle/>
+                    <a:p>
+                      <a:endParaRPr lang="en-DK" dirty="0"/>
+                    </a:p>
+                  </a:txBody>
+                  <a:tcPr>
+                    <a:lnL w="12700" cap="flat" cmpd="sng" algn="ctr">
+                      <a:solidFill>
+                        <a:schemeClr val="tx1"/>
+                      </a:solidFill>
+                      <a:prstDash val="solid"/>
+                      <a:round/>
+                      <a:headEnd type="none" w="med" len="med"/>
+                      <a:tailEnd type="none" w="med" len="med"/>
+                    </a:lnL>
+                    <a:lnR w="12700" cap="flat" cmpd="sng" algn="ctr">
+                      <a:solidFill>
+                        <a:schemeClr val="tx1"/>
+                      </a:solidFill>
+                      <a:prstDash val="solid"/>
+                      <a:round/>
+                      <a:headEnd type="none" w="med" len="med"/>
+                      <a:tailEnd type="none" w="med" len="med"/>
+                    </a:lnR>
+                    <a:lnT w="12700" cap="flat" cmpd="sng" algn="ctr">
+                      <a:solidFill>
+                        <a:schemeClr val="tx1"/>
+                      </a:solidFill>
+                      <a:prstDash val="solid"/>
+                      <a:round/>
+                      <a:headEnd type="none" w="med" len="med"/>
+                      <a:tailEnd type="none" w="med" len="med"/>
+                    </a:lnT>
+                    <a:lnB w="12700" cap="flat" cmpd="sng" algn="ctr">
+                      <a:solidFill>
+                        <a:schemeClr val="tx1"/>
+                      </a:solidFill>
+                      <a:prstDash val="solid"/>
+                      <a:round/>
+                      <a:headEnd type="none" w="med" len="med"/>
+                      <a:tailEnd type="none" w="med" len="med"/>
+                    </a:lnB>
+                    <a:solidFill>
+                      <a:schemeClr val="bg1"/>
+                    </a:solidFill>
+                  </a:tcPr>
+                </a:tc>
+                <a:extLst>
+                  <a:ext uri="{0D108BD9-81ED-4DB2-BD59-A6C34878D82A}">
+                    <a16:rowId xmlns:a16="http://schemas.microsoft.com/office/drawing/2014/main" val="3479127924"/>
+                  </a:ext>
+                </a:extLst>
+              </a:tr>
+            </a:tbl>
+          </a:graphicData>
+        </a:graphic>
+      </p:graphicFrame>
+      <p:graphicFrame>
+        <p:nvGraphicFramePr>
+          <p:cNvPr id="21" name="Table 20">
+            <a:extLst>
+              <a:ext uri="{FF2B5EF4-FFF2-40B4-BE49-F238E27FC236}">
+                <a16:creationId xmlns:a16="http://schemas.microsoft.com/office/drawing/2014/main" id="{7DB5DF1E-5591-9B6F-C446-7222926B9F0E}"/>
+              </a:ext>
+            </a:extLst>
+          </p:cNvPr>
+          <p:cNvGraphicFramePr>
+            <a:graphicFrameLocks noGrp="1"/>
+          </p:cNvGraphicFramePr>
+          <p:nvPr>
+            <p:extLst>
+              <p:ext uri="{D42A27DB-BD31-4B8C-83A1-F6EECF244321}">
+                <p14:modId xmlns:p14="http://schemas.microsoft.com/office/powerpoint/2010/main" val="1577847103"/>
+              </p:ext>
+            </p:extLst>
+          </p:nvPr>
+        </p:nvGraphicFramePr>
+        <p:xfrm>
+          <a:off x="7678588" y="1478113"/>
+          <a:ext cx="1800000" cy="1800000"/>
+        </p:xfrm>
+        <a:graphic>
+          <a:graphicData uri="http://schemas.openxmlformats.org/drawingml/2006/table">
+            <a:tbl>
+              <a:tblPr firstRow="1" bandRow="1">
+                <a:tableStyleId>{5C22544A-7EE6-4342-B048-85BDC9FD1C3A}</a:tableStyleId>
+              </a:tblPr>
+              <a:tblGrid>
+                <a:gridCol w="450000">
+                  <a:extLst>
+                    <a:ext uri="{9D8B030D-6E8A-4147-A177-3AD203B41FA5}">
+                      <a16:colId xmlns:a16="http://schemas.microsoft.com/office/drawing/2014/main" val="1884889321"/>
+                    </a:ext>
+                  </a:extLst>
+                </a:gridCol>
+                <a:gridCol w="450000">
+                  <a:extLst>
+                    <a:ext uri="{9D8B030D-6E8A-4147-A177-3AD203B41FA5}">
+                      <a16:colId xmlns:a16="http://schemas.microsoft.com/office/drawing/2014/main" val="2357513042"/>
+                    </a:ext>
+                  </a:extLst>
+                </a:gridCol>
+                <a:gridCol w="450000">
+                  <a:extLst>
+                    <a:ext uri="{9D8B030D-6E8A-4147-A177-3AD203B41FA5}">
+                      <a16:colId xmlns:a16="http://schemas.microsoft.com/office/drawing/2014/main" val="365435312"/>
+                    </a:ext>
+                  </a:extLst>
+                </a:gridCol>
+                <a:gridCol w="450000">
+                  <a:extLst>
+                    <a:ext uri="{9D8B030D-6E8A-4147-A177-3AD203B41FA5}">
+                      <a16:colId xmlns:a16="http://schemas.microsoft.com/office/drawing/2014/main" val="1608194090"/>
+                    </a:ext>
+                  </a:extLst>
+                </a:gridCol>
+              </a:tblGrid>
+              <a:tr h="450000">
+                <a:tc>
+                  <a:txBody>
+                    <a:bodyPr/>
+                    <a:lstStyle/>
+                    <a:p>
+                      <a:endParaRPr lang="en-DK"/>
+                    </a:p>
+                  </a:txBody>
+                  <a:tcPr>
+                    <a:lnL w="12700" cap="flat" cmpd="sng" algn="ctr">
+                      <a:solidFill>
+                        <a:schemeClr val="tx1"/>
+                      </a:solidFill>
+                      <a:prstDash val="solid"/>
+                      <a:round/>
+                      <a:headEnd type="none" w="med" len="med"/>
+                      <a:tailEnd type="none" w="med" len="med"/>
+                    </a:lnL>
+                    <a:lnR w="12700" cap="flat" cmpd="sng" algn="ctr">
+                      <a:solidFill>
+                        <a:schemeClr val="tx1"/>
+                      </a:solidFill>
+                      <a:prstDash val="solid"/>
+                      <a:round/>
+                      <a:headEnd type="none" w="med" len="med"/>
+                      <a:tailEnd type="none" w="med" len="med"/>
+                    </a:lnR>
+                    <a:lnT w="12700" cap="flat" cmpd="sng" algn="ctr">
+                      <a:solidFill>
+                        <a:schemeClr val="tx1"/>
+                      </a:solidFill>
+                      <a:prstDash val="solid"/>
+                      <a:round/>
+                      <a:headEnd type="none" w="med" len="med"/>
+                      <a:tailEnd type="none" w="med" len="med"/>
+                    </a:lnT>
+                    <a:lnB w="12700" cap="flat" cmpd="sng" algn="ctr">
+                      <a:solidFill>
+                        <a:schemeClr val="tx1"/>
+                      </a:solidFill>
+                      <a:prstDash val="solid"/>
+                      <a:round/>
+                      <a:headEnd type="none" w="med" len="med"/>
+                      <a:tailEnd type="none" w="med" len="med"/>
+                    </a:lnB>
+                    <a:solidFill>
+                      <a:schemeClr val="bg1"/>
+                    </a:solidFill>
+                  </a:tcPr>
+                </a:tc>
+                <a:tc>
+                  <a:txBody>
+                    <a:bodyPr/>
+                    <a:lstStyle/>
+                    <a:p>
+                      <a:endParaRPr lang="en-DK"/>
+                    </a:p>
+                  </a:txBody>
+                  <a:tcPr>
+                    <a:lnL w="12700" cap="flat" cmpd="sng" algn="ctr">
+                      <a:solidFill>
+                        <a:schemeClr val="tx1"/>
+                      </a:solidFill>
+                      <a:prstDash val="solid"/>
+                      <a:round/>
+                      <a:headEnd type="none" w="med" len="med"/>
+                      <a:tailEnd type="none" w="med" len="med"/>
+                    </a:lnL>
+                    <a:lnR w="12700" cap="flat" cmpd="sng" algn="ctr">
+                      <a:solidFill>
+                        <a:schemeClr val="tx1"/>
+                      </a:solidFill>
+                      <a:prstDash val="solid"/>
+                      <a:round/>
+                      <a:headEnd type="none" w="med" len="med"/>
+                      <a:tailEnd type="none" w="med" len="med"/>
+                    </a:lnR>
+                    <a:lnT w="12700" cap="flat" cmpd="sng" algn="ctr">
+                      <a:solidFill>
+                        <a:schemeClr val="tx1"/>
+                      </a:solidFill>
+                      <a:prstDash val="solid"/>
+                      <a:round/>
+                      <a:headEnd type="none" w="med" len="med"/>
+                      <a:tailEnd type="none" w="med" len="med"/>
+                    </a:lnT>
+                    <a:lnB w="12700" cap="flat" cmpd="sng" algn="ctr">
+                      <a:solidFill>
+                        <a:schemeClr val="tx1"/>
+                      </a:solidFill>
+                      <a:prstDash val="solid"/>
+                      <a:round/>
+                      <a:headEnd type="none" w="med" len="med"/>
+                      <a:tailEnd type="none" w="med" len="med"/>
+                    </a:lnB>
+                    <a:solidFill>
+                      <a:schemeClr val="bg1"/>
+                    </a:solidFill>
+                  </a:tcPr>
+                </a:tc>
+                <a:tc>
+                  <a:txBody>
+                    <a:bodyPr/>
+                    <a:lstStyle/>
+                    <a:p>
+                      <a:endParaRPr lang="en-DK"/>
+                    </a:p>
+                  </a:txBody>
+                  <a:tcPr>
+                    <a:lnL w="12700" cap="flat" cmpd="sng" algn="ctr">
+                      <a:solidFill>
+                        <a:schemeClr val="tx1"/>
+                      </a:solidFill>
+                      <a:prstDash val="solid"/>
+                      <a:round/>
+                      <a:headEnd type="none" w="med" len="med"/>
+                      <a:tailEnd type="none" w="med" len="med"/>
+                    </a:lnL>
+                    <a:lnR w="12700" cap="flat" cmpd="sng" algn="ctr">
+                      <a:solidFill>
+                        <a:schemeClr val="tx1"/>
+                      </a:solidFill>
+                      <a:prstDash val="solid"/>
+                      <a:round/>
+                      <a:headEnd type="none" w="med" len="med"/>
+                      <a:tailEnd type="none" w="med" len="med"/>
+                    </a:lnR>
+                    <a:lnT w="12700" cap="flat" cmpd="sng" algn="ctr">
+                      <a:solidFill>
+                        <a:schemeClr val="tx1"/>
+                      </a:solidFill>
+                      <a:prstDash val="solid"/>
+                      <a:round/>
+                      <a:headEnd type="none" w="med" len="med"/>
+                      <a:tailEnd type="none" w="med" len="med"/>
+                    </a:lnT>
+                    <a:lnB w="12700" cap="flat" cmpd="sng" algn="ctr">
+                      <a:solidFill>
+                        <a:schemeClr val="tx1"/>
+                      </a:solidFill>
+                      <a:prstDash val="solid"/>
+                      <a:round/>
+                      <a:headEnd type="none" w="med" len="med"/>
+                      <a:tailEnd type="none" w="med" len="med"/>
+                    </a:lnB>
+                    <a:solidFill>
+                      <a:schemeClr val="bg1"/>
+                    </a:solidFill>
+                  </a:tcPr>
+                </a:tc>
+                <a:tc>
+                  <a:txBody>
+                    <a:bodyPr/>
+                    <a:lstStyle/>
+                    <a:p>
+                      <a:endParaRPr lang="en-DK" dirty="0"/>
+                    </a:p>
+                  </a:txBody>
+                  <a:tcPr>
+                    <a:lnL w="12700" cap="flat" cmpd="sng" algn="ctr">
+                      <a:solidFill>
+                        <a:schemeClr val="tx1"/>
+                      </a:solidFill>
+                      <a:prstDash val="solid"/>
+                      <a:round/>
+                      <a:headEnd type="none" w="med" len="med"/>
+                      <a:tailEnd type="none" w="med" len="med"/>
+                    </a:lnL>
+                    <a:lnR w="12700" cap="flat" cmpd="sng" algn="ctr">
+                      <a:solidFill>
+                        <a:schemeClr val="tx1"/>
+                      </a:solidFill>
+                      <a:prstDash val="solid"/>
+                      <a:round/>
+                      <a:headEnd type="none" w="med" len="med"/>
+                      <a:tailEnd type="none" w="med" len="med"/>
+                    </a:lnR>
+                    <a:lnT w="12700" cap="flat" cmpd="sng" algn="ctr">
+                      <a:solidFill>
+                        <a:schemeClr val="tx1"/>
+                      </a:solidFill>
+                      <a:prstDash val="solid"/>
+                      <a:round/>
+                      <a:headEnd type="none" w="med" len="med"/>
+                      <a:tailEnd type="none" w="med" len="med"/>
+                    </a:lnT>
+                    <a:lnB w="12700" cap="flat" cmpd="sng" algn="ctr">
+                      <a:solidFill>
+                        <a:schemeClr val="tx1"/>
+                      </a:solidFill>
+                      <a:prstDash val="solid"/>
+                      <a:round/>
+                      <a:headEnd type="none" w="med" len="med"/>
+                      <a:tailEnd type="none" w="med" len="med"/>
+                    </a:lnB>
+                    <a:solidFill>
+                      <a:schemeClr val="bg1"/>
+                    </a:solidFill>
+                  </a:tcPr>
+                </a:tc>
+                <a:extLst>
+                  <a:ext uri="{0D108BD9-81ED-4DB2-BD59-A6C34878D82A}">
+                    <a16:rowId xmlns:a16="http://schemas.microsoft.com/office/drawing/2014/main" val="1230192378"/>
+                  </a:ext>
+                </a:extLst>
+              </a:tr>
+              <a:tr h="450000">
+                <a:tc>
+                  <a:txBody>
+                    <a:bodyPr/>
+                    <a:lstStyle/>
+                    <a:p>
+                      <a:endParaRPr lang="en-DK" dirty="0"/>
+                    </a:p>
+                  </a:txBody>
+                  <a:tcPr>
+                    <a:lnL w="12700" cap="flat" cmpd="sng" algn="ctr">
+                      <a:solidFill>
+                        <a:schemeClr val="tx1"/>
+                      </a:solidFill>
+                      <a:prstDash val="solid"/>
+                      <a:round/>
+                      <a:headEnd type="none" w="med" len="med"/>
+                      <a:tailEnd type="none" w="med" len="med"/>
+                    </a:lnL>
+                    <a:lnR w="12700" cap="flat" cmpd="sng" algn="ctr">
+                      <a:solidFill>
+                        <a:schemeClr val="tx1"/>
+                      </a:solidFill>
+                      <a:prstDash val="solid"/>
+                      <a:round/>
+                      <a:headEnd type="none" w="med" len="med"/>
+                      <a:tailEnd type="none" w="med" len="med"/>
+                    </a:lnR>
+                    <a:lnT w="12700" cap="flat" cmpd="sng" algn="ctr">
+                      <a:solidFill>
+                        <a:schemeClr val="tx1"/>
+                      </a:solidFill>
+                      <a:prstDash val="solid"/>
+                      <a:round/>
+                      <a:headEnd type="none" w="med" len="med"/>
+                      <a:tailEnd type="none" w="med" len="med"/>
+                    </a:lnT>
+                    <a:lnB w="12700" cap="flat" cmpd="sng" algn="ctr">
+                      <a:solidFill>
+                        <a:schemeClr val="tx1"/>
+                      </a:solidFill>
+                      <a:prstDash val="solid"/>
+                      <a:round/>
+                      <a:headEnd type="none" w="med" len="med"/>
+                      <a:tailEnd type="none" w="med" len="med"/>
+                    </a:lnB>
+                    <a:solidFill>
+                      <a:schemeClr val="bg1"/>
+                    </a:solidFill>
+                  </a:tcPr>
+                </a:tc>
+                <a:tc>
+                  <a:txBody>
+                    <a:bodyPr/>
+                    <a:lstStyle/>
+                    <a:p>
+                      <a:endParaRPr lang="en-DK" dirty="0"/>
+                    </a:p>
+                  </a:txBody>
+                  <a:tcPr>
+                    <a:lnL w="12700" cap="flat" cmpd="sng" algn="ctr">
+                      <a:solidFill>
+                        <a:schemeClr val="tx1"/>
+                      </a:solidFill>
+                      <a:prstDash val="solid"/>
+                      <a:round/>
+                      <a:headEnd type="none" w="med" len="med"/>
+                      <a:tailEnd type="none" w="med" len="med"/>
+                    </a:lnL>
+                    <a:lnR w="12700" cap="flat" cmpd="sng" algn="ctr">
+                      <a:solidFill>
+                        <a:schemeClr val="tx1"/>
+                      </a:solidFill>
+                      <a:prstDash val="solid"/>
+                      <a:round/>
+                      <a:headEnd type="none" w="med" len="med"/>
+                      <a:tailEnd type="none" w="med" len="med"/>
+                    </a:lnR>
+                    <a:lnT w="12700" cap="flat" cmpd="sng" algn="ctr">
+                      <a:solidFill>
+                        <a:schemeClr val="tx1"/>
+                      </a:solidFill>
+                      <a:prstDash val="solid"/>
+                      <a:round/>
+                      <a:headEnd type="none" w="med" len="med"/>
+                      <a:tailEnd type="none" w="med" len="med"/>
+                    </a:lnT>
+                    <a:lnB w="12700" cap="flat" cmpd="sng" algn="ctr">
+                      <a:solidFill>
+                        <a:schemeClr val="tx1"/>
+                      </a:solidFill>
+                      <a:prstDash val="solid"/>
+                      <a:round/>
+                      <a:headEnd type="none" w="med" len="med"/>
+                      <a:tailEnd type="none" w="med" len="med"/>
+                    </a:lnB>
+                    <a:solidFill>
+                      <a:schemeClr val="bg1"/>
+                    </a:solidFill>
+                  </a:tcPr>
+                </a:tc>
+                <a:tc>
+                  <a:txBody>
+                    <a:bodyPr/>
+                    <a:lstStyle/>
+                    <a:p>
+                      <a:endParaRPr lang="en-DK"/>
+                    </a:p>
+                  </a:txBody>
+                  <a:tcPr>
+                    <a:lnL w="12700" cap="flat" cmpd="sng" algn="ctr">
+                      <a:solidFill>
+                        <a:schemeClr val="tx1"/>
+                      </a:solidFill>
+                      <a:prstDash val="solid"/>
+                      <a:round/>
+                      <a:headEnd type="none" w="med" len="med"/>
+                      <a:tailEnd type="none" w="med" len="med"/>
+                    </a:lnL>
+                    <a:lnR w="12700" cap="flat" cmpd="sng" algn="ctr">
+                      <a:solidFill>
+                        <a:schemeClr val="tx1"/>
+                      </a:solidFill>
+                      <a:prstDash val="solid"/>
+                      <a:round/>
+                      <a:headEnd type="none" w="med" len="med"/>
+                      <a:tailEnd type="none" w="med" len="med"/>
+                    </a:lnR>
+                    <a:lnT w="12700" cap="flat" cmpd="sng" algn="ctr">
+                      <a:solidFill>
+                        <a:schemeClr val="tx1"/>
+                      </a:solidFill>
+                      <a:prstDash val="solid"/>
+                      <a:round/>
+                      <a:headEnd type="none" w="med" len="med"/>
+                      <a:tailEnd type="none" w="med" len="med"/>
+                    </a:lnT>
+                    <a:lnB w="12700" cap="flat" cmpd="sng" algn="ctr">
+                      <a:solidFill>
+                        <a:schemeClr val="tx1"/>
+                      </a:solidFill>
+                      <a:prstDash val="solid"/>
+                      <a:round/>
+                      <a:headEnd type="none" w="med" len="med"/>
+                      <a:tailEnd type="none" w="med" len="med"/>
+                    </a:lnB>
+                    <a:solidFill>
+                      <a:schemeClr val="bg1"/>
+                    </a:solidFill>
+                  </a:tcPr>
+                </a:tc>
+                <a:tc>
+                  <a:txBody>
+                    <a:bodyPr/>
+                    <a:lstStyle/>
+                    <a:p>
+                      <a:endParaRPr lang="en-DK"/>
+                    </a:p>
+                  </a:txBody>
+                  <a:tcPr>
+                    <a:lnL w="12700" cap="flat" cmpd="sng" algn="ctr">
+                      <a:solidFill>
+                        <a:schemeClr val="tx1"/>
+                      </a:solidFill>
+                      <a:prstDash val="solid"/>
+                      <a:round/>
+                      <a:headEnd type="none" w="med" len="med"/>
+                      <a:tailEnd type="none" w="med" len="med"/>
+                    </a:lnL>
+                    <a:lnR w="12700" cap="flat" cmpd="sng" algn="ctr">
+                      <a:solidFill>
+                        <a:schemeClr val="tx1"/>
+                      </a:solidFill>
+                      <a:prstDash val="solid"/>
+                      <a:round/>
+                      <a:headEnd type="none" w="med" len="med"/>
+                      <a:tailEnd type="none" w="med" len="med"/>
+                    </a:lnR>
+                    <a:lnT w="12700" cap="flat" cmpd="sng" algn="ctr">
+                      <a:solidFill>
+                        <a:schemeClr val="tx1"/>
+                      </a:solidFill>
+                      <a:prstDash val="solid"/>
+                      <a:round/>
+                      <a:headEnd type="none" w="med" len="med"/>
+                      <a:tailEnd type="none" w="med" len="med"/>
+                    </a:lnT>
+                    <a:lnB w="12700" cap="flat" cmpd="sng" algn="ctr">
+                      <a:solidFill>
+                        <a:schemeClr val="tx1"/>
+                      </a:solidFill>
+                      <a:prstDash val="solid"/>
+                      <a:round/>
+                      <a:headEnd type="none" w="med" len="med"/>
+                      <a:tailEnd type="none" w="med" len="med"/>
+                    </a:lnB>
+                    <a:solidFill>
+                      <a:schemeClr val="bg1"/>
+                    </a:solidFill>
+                  </a:tcPr>
+                </a:tc>
+                <a:extLst>
+                  <a:ext uri="{0D108BD9-81ED-4DB2-BD59-A6C34878D82A}">
+                    <a16:rowId xmlns:a16="http://schemas.microsoft.com/office/drawing/2014/main" val="3328769496"/>
+                  </a:ext>
+                </a:extLst>
+              </a:tr>
+              <a:tr h="450000">
+                <a:tc>
+                  <a:txBody>
+                    <a:bodyPr/>
+                    <a:lstStyle/>
+                    <a:p>
+                      <a:endParaRPr lang="en-DK" dirty="0"/>
+                    </a:p>
+                  </a:txBody>
+                  <a:tcPr>
+                    <a:lnL w="12700" cap="flat" cmpd="sng" algn="ctr">
+                      <a:solidFill>
+                        <a:schemeClr val="tx1"/>
+                      </a:solidFill>
+                      <a:prstDash val="solid"/>
+                      <a:round/>
+                      <a:headEnd type="none" w="med" len="med"/>
+                      <a:tailEnd type="none" w="med" len="med"/>
+                    </a:lnL>
+                    <a:lnR w="12700" cap="flat" cmpd="sng" algn="ctr">
+                      <a:solidFill>
+                        <a:schemeClr val="tx1"/>
+                      </a:solidFill>
+                      <a:prstDash val="solid"/>
+                      <a:round/>
+                      <a:headEnd type="none" w="med" len="med"/>
+                      <a:tailEnd type="none" w="med" len="med"/>
+                    </a:lnR>
+                    <a:lnT w="12700" cap="flat" cmpd="sng" algn="ctr">
+                      <a:solidFill>
+                        <a:schemeClr val="tx1"/>
+                      </a:solidFill>
+                      <a:prstDash val="solid"/>
+                      <a:round/>
+                      <a:headEnd type="none" w="med" len="med"/>
+                      <a:tailEnd type="none" w="med" len="med"/>
+                    </a:lnT>
+                    <a:lnB w="12700" cap="flat" cmpd="sng" algn="ctr">
+                      <a:solidFill>
+                        <a:schemeClr val="tx1"/>
+                      </a:solidFill>
+                      <a:prstDash val="solid"/>
+                      <a:round/>
+                      <a:headEnd type="none" w="med" len="med"/>
+                      <a:tailEnd type="none" w="med" len="med"/>
+                    </a:lnB>
+                    <a:solidFill>
+                      <a:schemeClr val="bg1"/>
+                    </a:solidFill>
+                  </a:tcPr>
+                </a:tc>
+                <a:tc>
+                  <a:txBody>
+                    <a:bodyPr/>
+                    <a:lstStyle/>
+                    <a:p>
+                      <a:endParaRPr lang="en-DK"/>
+                    </a:p>
+                  </a:txBody>
+                  <a:tcPr>
+                    <a:lnL w="12700" cap="flat" cmpd="sng" algn="ctr">
+                      <a:solidFill>
+                        <a:schemeClr val="tx1"/>
+                      </a:solidFill>
+                      <a:prstDash val="solid"/>
+                      <a:round/>
+                      <a:headEnd type="none" w="med" len="med"/>
+                      <a:tailEnd type="none" w="med" len="med"/>
+                    </a:lnL>
+                    <a:lnR w="12700" cap="flat" cmpd="sng" algn="ctr">
+                      <a:solidFill>
+                        <a:schemeClr val="tx1"/>
+                      </a:solidFill>
+                      <a:prstDash val="solid"/>
+                      <a:round/>
+                      <a:headEnd type="none" w="med" len="med"/>
+                      <a:tailEnd type="none" w="med" len="med"/>
+                    </a:lnR>
+                    <a:lnT w="12700" cap="flat" cmpd="sng" algn="ctr">
+                      <a:solidFill>
+                        <a:schemeClr val="tx1"/>
+                      </a:solidFill>
+                      <a:prstDash val="solid"/>
+                      <a:round/>
+                      <a:headEnd type="none" w="med" len="med"/>
+                      <a:tailEnd type="none" w="med" len="med"/>
+                    </a:lnT>
+                    <a:lnB w="12700" cap="flat" cmpd="sng" algn="ctr">
+                      <a:solidFill>
+                        <a:schemeClr val="tx1"/>
+                      </a:solidFill>
+                      <a:prstDash val="solid"/>
+                      <a:round/>
+                      <a:headEnd type="none" w="med" len="med"/>
+                      <a:tailEnd type="none" w="med" len="med"/>
+                    </a:lnB>
+                    <a:solidFill>
+                      <a:schemeClr val="bg1"/>
+                    </a:solidFill>
+                  </a:tcPr>
+                </a:tc>
+                <a:tc>
+                  <a:txBody>
+                    <a:bodyPr/>
+                    <a:lstStyle/>
+                    <a:p>
+                      <a:endParaRPr lang="en-DK"/>
+                    </a:p>
+                  </a:txBody>
+                  <a:tcPr>
+                    <a:lnL w="12700" cap="flat" cmpd="sng" algn="ctr">
+                      <a:solidFill>
+                        <a:schemeClr val="tx1"/>
+                      </a:solidFill>
+                      <a:prstDash val="solid"/>
+                      <a:round/>
+                      <a:headEnd type="none" w="med" len="med"/>
+                      <a:tailEnd type="none" w="med" len="med"/>
+                    </a:lnL>
+                    <a:lnR w="12700" cap="flat" cmpd="sng" algn="ctr">
+                      <a:solidFill>
+                        <a:schemeClr val="tx1"/>
+                      </a:solidFill>
+                      <a:prstDash val="solid"/>
+                      <a:round/>
+                      <a:headEnd type="none" w="med" len="med"/>
+                      <a:tailEnd type="none" w="med" len="med"/>
+                    </a:lnR>
+                    <a:lnT w="12700" cap="flat" cmpd="sng" algn="ctr">
+                      <a:solidFill>
+                        <a:schemeClr val="tx1"/>
+                      </a:solidFill>
+                      <a:prstDash val="solid"/>
+                      <a:round/>
+                      <a:headEnd type="none" w="med" len="med"/>
+                      <a:tailEnd type="none" w="med" len="med"/>
+                    </a:lnT>
+                    <a:lnB w="12700" cap="flat" cmpd="sng" algn="ctr">
+                      <a:solidFill>
+                        <a:schemeClr val="tx1"/>
+                      </a:solidFill>
+                      <a:prstDash val="solid"/>
+                      <a:round/>
+                      <a:headEnd type="none" w="med" len="med"/>
+                      <a:tailEnd type="none" w="med" len="med"/>
+                    </a:lnB>
+                    <a:solidFill>
+                      <a:schemeClr val="bg1"/>
+                    </a:solidFill>
+                  </a:tcPr>
+                </a:tc>
+                <a:tc>
+                  <a:txBody>
+                    <a:bodyPr/>
+                    <a:lstStyle/>
+                    <a:p>
+                      <a:endParaRPr lang="en-DK"/>
+                    </a:p>
+                  </a:txBody>
+                  <a:tcPr>
+                    <a:lnL w="12700" cap="flat" cmpd="sng" algn="ctr">
+                      <a:solidFill>
+                        <a:schemeClr val="tx1"/>
+                      </a:solidFill>
+                      <a:prstDash val="solid"/>
+                      <a:round/>
+                      <a:headEnd type="none" w="med" len="med"/>
+                      <a:tailEnd type="none" w="med" len="med"/>
+                    </a:lnL>
+                    <a:lnR w="12700" cap="flat" cmpd="sng" algn="ctr">
+                      <a:solidFill>
+                        <a:schemeClr val="tx1"/>
+                      </a:solidFill>
+                      <a:prstDash val="solid"/>
+                      <a:round/>
+                      <a:headEnd type="none" w="med" len="med"/>
+                      <a:tailEnd type="none" w="med" len="med"/>
+                    </a:lnR>
+                    <a:lnT w="12700" cap="flat" cmpd="sng" algn="ctr">
+                      <a:solidFill>
+                        <a:schemeClr val="tx1"/>
+                      </a:solidFill>
+                      <a:prstDash val="solid"/>
+                      <a:round/>
+                      <a:headEnd type="none" w="med" len="med"/>
+                      <a:tailEnd type="none" w="med" len="med"/>
+                    </a:lnT>
+                    <a:lnB w="12700" cap="flat" cmpd="sng" algn="ctr">
+                      <a:solidFill>
+                        <a:schemeClr val="tx1"/>
+                      </a:solidFill>
+                      <a:prstDash val="solid"/>
+                      <a:round/>
+                      <a:headEnd type="none" w="med" len="med"/>
+                      <a:tailEnd type="none" w="med" len="med"/>
+                    </a:lnB>
+                    <a:solidFill>
+                      <a:schemeClr val="bg1"/>
+                    </a:solidFill>
+                  </a:tcPr>
+                </a:tc>
+                <a:extLst>
+                  <a:ext uri="{0D108BD9-81ED-4DB2-BD59-A6C34878D82A}">
+                    <a16:rowId xmlns:a16="http://schemas.microsoft.com/office/drawing/2014/main" val="2341660610"/>
+                  </a:ext>
+                </a:extLst>
+              </a:tr>
+              <a:tr h="450000">
+                <a:tc>
+                  <a:txBody>
+                    <a:bodyPr/>
+                    <a:lstStyle/>
+                    <a:p>
+                      <a:endParaRPr lang="en-DK"/>
+                    </a:p>
+                  </a:txBody>
+                  <a:tcPr>
+                    <a:lnL w="12700" cap="flat" cmpd="sng" algn="ctr">
+                      <a:solidFill>
+                        <a:schemeClr val="tx1"/>
+                      </a:solidFill>
+                      <a:prstDash val="solid"/>
+                      <a:round/>
+                      <a:headEnd type="none" w="med" len="med"/>
+                      <a:tailEnd type="none" w="med" len="med"/>
+                    </a:lnL>
+                    <a:lnR w="12700" cap="flat" cmpd="sng" algn="ctr">
+                      <a:solidFill>
+                        <a:schemeClr val="tx1"/>
+                      </a:solidFill>
+                      <a:prstDash val="solid"/>
+                      <a:round/>
+                      <a:headEnd type="none" w="med" len="med"/>
+                      <a:tailEnd type="none" w="med" len="med"/>
+                    </a:lnR>
+                    <a:lnT w="12700" cap="flat" cmpd="sng" algn="ctr">
+                      <a:solidFill>
+                        <a:schemeClr val="tx1"/>
+                      </a:solidFill>
+                      <a:prstDash val="solid"/>
+                      <a:round/>
+                      <a:headEnd type="none" w="med" len="med"/>
+                      <a:tailEnd type="none" w="med" len="med"/>
+                    </a:lnT>
+                    <a:lnB w="12700" cap="flat" cmpd="sng" algn="ctr">
+                      <a:solidFill>
+                        <a:schemeClr val="tx1"/>
+                      </a:solidFill>
+                      <a:prstDash val="solid"/>
+                      <a:round/>
+                      <a:headEnd type="none" w="med" len="med"/>
+                      <a:tailEnd type="none" w="med" len="med"/>
+                    </a:lnB>
+                    <a:solidFill>
+                      <a:schemeClr val="bg1"/>
+                    </a:solidFill>
+                  </a:tcPr>
+                </a:tc>
+                <a:tc>
+                  <a:txBody>
+                    <a:bodyPr/>
+                    <a:lstStyle/>
+                    <a:p>
+                      <a:endParaRPr lang="en-DK" dirty="0"/>
+                    </a:p>
+                  </a:txBody>
+                  <a:tcPr>
+                    <a:lnL w="12700" cap="flat" cmpd="sng" algn="ctr">
+                      <a:solidFill>
+                        <a:schemeClr val="tx1"/>
+                      </a:solidFill>
+                      <a:prstDash val="solid"/>
+                      <a:round/>
+                      <a:headEnd type="none" w="med" len="med"/>
+                      <a:tailEnd type="none" w="med" len="med"/>
+                    </a:lnL>
+                    <a:lnR w="12700" cap="flat" cmpd="sng" algn="ctr">
+                      <a:solidFill>
+                        <a:schemeClr val="tx1"/>
+                      </a:solidFill>
+                      <a:prstDash val="solid"/>
+                      <a:round/>
+                      <a:headEnd type="none" w="med" len="med"/>
+                      <a:tailEnd type="none" w="med" len="med"/>
+                    </a:lnR>
+                    <a:lnT w="12700" cap="flat" cmpd="sng" algn="ctr">
+                      <a:solidFill>
+                        <a:schemeClr val="tx1"/>
+                      </a:solidFill>
+                      <a:prstDash val="solid"/>
+                      <a:round/>
+                      <a:headEnd type="none" w="med" len="med"/>
+                      <a:tailEnd type="none" w="med" len="med"/>
+                    </a:lnT>
+                    <a:lnB w="12700" cap="flat" cmpd="sng" algn="ctr">
+                      <a:solidFill>
+                        <a:schemeClr val="tx1"/>
+                      </a:solidFill>
+                      <a:prstDash val="solid"/>
+                      <a:round/>
+                      <a:headEnd type="none" w="med" len="med"/>
+                      <a:tailEnd type="none" w="med" len="med"/>
+                    </a:lnB>
+                    <a:solidFill>
+                      <a:schemeClr val="bg1"/>
+                    </a:solidFill>
+                  </a:tcPr>
+                </a:tc>
+                <a:tc>
+                  <a:txBody>
+                    <a:bodyPr/>
+                    <a:lstStyle/>
+                    <a:p>
+                      <a:endParaRPr lang="en-DK" dirty="0"/>
+                    </a:p>
+                  </a:txBody>
+                  <a:tcPr>
+                    <a:lnL w="12700" cap="flat" cmpd="sng" algn="ctr">
+                      <a:solidFill>
+                        <a:schemeClr val="tx1"/>
+                      </a:solidFill>
+                      <a:prstDash val="solid"/>
+                      <a:round/>
+                      <a:headEnd type="none" w="med" len="med"/>
+                      <a:tailEnd type="none" w="med" len="med"/>
+                    </a:lnL>
+                    <a:lnR w="12700" cap="flat" cmpd="sng" algn="ctr">
+                      <a:solidFill>
+                        <a:schemeClr val="tx1"/>
+                      </a:solidFill>
+                      <a:prstDash val="solid"/>
+                      <a:round/>
+                      <a:headEnd type="none" w="med" len="med"/>
+                      <a:tailEnd type="none" w="med" len="med"/>
+                    </a:lnR>
+                    <a:lnT w="12700" cap="flat" cmpd="sng" algn="ctr">
+                      <a:solidFill>
+                        <a:schemeClr val="tx1"/>
+                      </a:solidFill>
+                      <a:prstDash val="solid"/>
+                      <a:round/>
+                      <a:headEnd type="none" w="med" len="med"/>
+                      <a:tailEnd type="none" w="med" len="med"/>
+                    </a:lnT>
+                    <a:lnB w="12700" cap="flat" cmpd="sng" algn="ctr">
+                      <a:solidFill>
+                        <a:schemeClr val="tx1"/>
+                      </a:solidFill>
+                      <a:prstDash val="solid"/>
+                      <a:round/>
+                      <a:headEnd type="none" w="med" len="med"/>
+                      <a:tailEnd type="none" w="med" len="med"/>
+                    </a:lnB>
+                    <a:solidFill>
+                      <a:schemeClr val="bg1"/>
+                    </a:solidFill>
+                  </a:tcPr>
+                </a:tc>
+                <a:tc>
+                  <a:txBody>
+                    <a:bodyPr/>
+                    <a:lstStyle/>
+                    <a:p>
+                      <a:endParaRPr lang="en-DK" dirty="0"/>
+                    </a:p>
+                  </a:txBody>
+                  <a:tcPr>
+                    <a:lnL w="12700" cap="flat" cmpd="sng" algn="ctr">
+                      <a:solidFill>
+                        <a:schemeClr val="tx1"/>
+                      </a:solidFill>
+                      <a:prstDash val="solid"/>
+                      <a:round/>
+                      <a:headEnd type="none" w="med" len="med"/>
+                      <a:tailEnd type="none" w="med" len="med"/>
+                    </a:lnL>
+                    <a:lnR w="12700" cap="flat" cmpd="sng" algn="ctr">
+                      <a:solidFill>
+                        <a:schemeClr val="tx1"/>
+                      </a:solidFill>
+                      <a:prstDash val="solid"/>
+                      <a:round/>
+                      <a:headEnd type="none" w="med" len="med"/>
+                      <a:tailEnd type="none" w="med" len="med"/>
+                    </a:lnR>
+                    <a:lnT w="12700" cap="flat" cmpd="sng" algn="ctr">
+                      <a:solidFill>
+                        <a:schemeClr val="tx1"/>
+                      </a:solidFill>
+                      <a:prstDash val="solid"/>
+                      <a:round/>
+                      <a:headEnd type="none" w="med" len="med"/>
+                      <a:tailEnd type="none" w="med" len="med"/>
+                    </a:lnT>
+                    <a:lnB w="12700" cap="flat" cmpd="sng" algn="ctr">
+                      <a:solidFill>
+                        <a:schemeClr val="tx1"/>
+                      </a:solidFill>
+                      <a:prstDash val="solid"/>
+                      <a:round/>
+                      <a:headEnd type="none" w="med" len="med"/>
+                      <a:tailEnd type="none" w="med" len="med"/>
+                    </a:lnB>
+                    <a:solidFill>
+                      <a:schemeClr val="bg1"/>
+                    </a:solidFill>
+                  </a:tcPr>
+                </a:tc>
+                <a:extLst>
+                  <a:ext uri="{0D108BD9-81ED-4DB2-BD59-A6C34878D82A}">
+                    <a16:rowId xmlns:a16="http://schemas.microsoft.com/office/drawing/2014/main" val="3479127924"/>
+                  </a:ext>
+                </a:extLst>
+              </a:tr>
+            </a:tbl>
+          </a:graphicData>
+        </a:graphic>
+      </p:graphicFrame>
+      <p:cxnSp>
+        <p:nvCxnSpPr>
+          <p:cNvPr id="23" name="Straight Arrow Connector 22">
+            <a:extLst>
+              <a:ext uri="{FF2B5EF4-FFF2-40B4-BE49-F238E27FC236}">
+                <a16:creationId xmlns:a16="http://schemas.microsoft.com/office/drawing/2014/main" id="{4693B581-C613-D7F5-C678-35756223847C}"/>
+              </a:ext>
+            </a:extLst>
+          </p:cNvPr>
+          <p:cNvCxnSpPr/>
+          <p:nvPr/>
+        </p:nvCxnSpPr>
+        <p:spPr bwMode="auto">
+          <a:xfrm flipV="1">
+            <a:off x="9766620" y="2780928"/>
+            <a:ext cx="504056" cy="497185"/>
+          </a:xfrm>
+          <a:prstGeom prst="straightConnector1">
+            <a:avLst/>
+          </a:prstGeom>
+          <a:solidFill>
+            <a:schemeClr val="accent2"/>
+          </a:solidFill>
+          <a:ln w="1778" cap="flat" cmpd="sng" algn="ctr">
+            <a:solidFill>
+              <a:schemeClr val="accent2"/>
+            </a:solidFill>
+            <a:prstDash val="solid"/>
+            <a:round/>
+            <a:headEnd type="none" w="med" len="med"/>
+            <a:tailEnd type="triangle"/>
+          </a:ln>
+          <a:effectLst/>
+        </p:spPr>
+      </p:cxnSp>
+      <p:sp>
+        <p:nvSpPr>
+          <p:cNvPr id="24" name="TextBox 23">
+            <a:extLst>
+              <a:ext uri="{FF2B5EF4-FFF2-40B4-BE49-F238E27FC236}">
+                <a16:creationId xmlns:a16="http://schemas.microsoft.com/office/drawing/2014/main" id="{4968F689-4293-BF33-7C1B-0DEB004D1410}"/>
+              </a:ext>
+            </a:extLst>
+          </p:cNvPr>
+          <p:cNvSpPr txBox="1"/>
+          <p:nvPr/>
+        </p:nvSpPr>
+        <p:spPr>
+          <a:xfrm>
+            <a:off x="10126860" y="3029520"/>
+            <a:ext cx="652423" cy="233910"/>
+          </a:xfrm>
+          <a:prstGeom prst="rect">
+            <a:avLst/>
+          </a:prstGeom>
+          <a:noFill/>
+        </p:spPr>
+        <p:txBody>
+          <a:bodyPr wrap="none" lIns="0" tIns="0" rIns="0" bIns="0" rtlCol="0">
+            <a:spAutoFit/>
+          </a:bodyPr>
+          <a:lstStyle/>
+          <a:p>
+            <a:pPr>
+              <a:lnSpc>
+                <a:spcPct val="95000"/>
+              </a:lnSpc>
+            </a:pPr>
+            <a:r>
+              <a:rPr lang="en-DK" sz="1600" dirty="0">
+                <a:latin typeface="+mn-lt"/>
+              </a:rPr>
+              <a:t>actions</a:t>
             </a:r>
           </a:p>
         </p:txBody>
@@ -18106,6 +22180,686 @@
 </file>
 
 <file path=ppt/slides/slide22.xml><?xml version="1.0" encoding="utf-8"?>
+<p:sld xmlns:a="http://schemas.openxmlformats.org/drawingml/2006/main" xmlns:r="http://schemas.openxmlformats.org/officeDocument/2006/relationships" xmlns:p="http://schemas.openxmlformats.org/presentationml/2006/main">
+  <p:cSld>
+    <p:spTree>
+      <p:nvGrpSpPr>
+        <p:cNvPr id="1" name="">
+          <a:extLst>
+            <a:ext uri="{FF2B5EF4-FFF2-40B4-BE49-F238E27FC236}">
+              <a16:creationId xmlns:a16="http://schemas.microsoft.com/office/drawing/2014/main" id="{4288501E-4BC2-B537-A5A0-F453A7135A21}"/>
+            </a:ext>
+          </a:extLst>
+        </p:cNvPr>
+        <p:cNvGrpSpPr/>
+        <p:nvPr/>
+      </p:nvGrpSpPr>
+      <p:grpSpPr>
+        <a:xfrm>
+          <a:off x="0" y="0"/>
+          <a:ext cx="0" cy="0"/>
+          <a:chOff x="0" y="0"/>
+          <a:chExt cx="0" cy="0"/>
+        </a:xfrm>
+      </p:grpSpPr>
+      <p:sp>
+        <p:nvSpPr>
+          <p:cNvPr id="4" name="Title 3">
+            <a:extLst>
+              <a:ext uri="{FF2B5EF4-FFF2-40B4-BE49-F238E27FC236}">
+                <a16:creationId xmlns:a16="http://schemas.microsoft.com/office/drawing/2014/main" id="{2A89BB6B-DFCB-F375-8025-74CAE30E8C1F}"/>
+              </a:ext>
+            </a:extLst>
+          </p:cNvPr>
+          <p:cNvSpPr>
+            <a:spLocks noGrp="1"/>
+          </p:cNvSpPr>
+          <p:nvPr>
+            <p:ph type="title"/>
+          </p:nvPr>
+        </p:nvSpPr>
+        <p:spPr>
+          <a:xfrm>
+            <a:off x="316800" y="230400"/>
+            <a:ext cx="11034196" cy="752400"/>
+          </a:xfrm>
+        </p:spPr>
+        <p:txBody>
+          <a:bodyPr wrap="square" anchor="t">
+            <a:normAutofit/>
+          </a:bodyPr>
+          <a:lstStyle/>
+          <a:p>
+            <a:r>
+              <a:rPr lang="en-DK" dirty="0"/>
+              <a:t>DEEP Q-NETWORKS (DQN)</a:t>
+            </a:r>
+          </a:p>
+        </p:txBody>
+      </p:sp>
+      <p:sp>
+        <p:nvSpPr>
+          <p:cNvPr id="3" name="Date Placeholder 2">
+            <a:extLst>
+              <a:ext uri="{FF2B5EF4-FFF2-40B4-BE49-F238E27FC236}">
+                <a16:creationId xmlns:a16="http://schemas.microsoft.com/office/drawing/2014/main" id="{4CBC80CB-62ED-0319-EF4A-BA3C34DB82F8}"/>
+              </a:ext>
+            </a:extLst>
+          </p:cNvPr>
+          <p:cNvSpPr>
+            <a:spLocks noGrp="1"/>
+          </p:cNvSpPr>
+          <p:nvPr>
+            <p:ph type="dt" sz="half" idx="4294967295"/>
+          </p:nvPr>
+        </p:nvSpPr>
+        <p:spPr>
+          <a:xfrm>
+            <a:off x="0" y="7020000"/>
+            <a:ext cx="0" cy="0"/>
+          </a:xfrm>
+        </p:spPr>
+        <p:txBody>
+          <a:bodyPr/>
+          <a:lstStyle/>
+          <a:p>
+            <a:pPr>
+              <a:spcAft>
+                <a:spcPts val="600"/>
+              </a:spcAft>
+            </a:pPr>
+            <a:fld id="{6FC1E6E4-0DAB-F841-969A-04AEA5135F6D}" type="datetime1">
+              <a:rPr lang="da-DK" smtClean="0"/>
+              <a:pPr>
+                <a:spcAft>
+                  <a:spcPts val="600"/>
+                </a:spcAft>
+              </a:pPr>
+              <a:t>03.07.2025</a:t>
+            </a:fld>
+            <a:r>
+              <a:rPr lang="da-DK"/>
+              <a:t>03-07-2025</a:t>
+            </a:r>
+          </a:p>
+        </p:txBody>
+      </p:sp>
+      <p:pic>
+        <p:nvPicPr>
+          <p:cNvPr id="2" name="Picture 1">
+            <a:extLst>
+              <a:ext uri="{FF2B5EF4-FFF2-40B4-BE49-F238E27FC236}">
+                <a16:creationId xmlns:a16="http://schemas.microsoft.com/office/drawing/2014/main" id="{A4C6CFE6-6D38-A15D-30B8-44976A6885C8}"/>
+              </a:ext>
+            </a:extLst>
+          </p:cNvPr>
+          <p:cNvPicPr>
+            <a:picLocks noChangeAspect="1"/>
+          </p:cNvPicPr>
+          <p:nvPr/>
+        </p:nvPicPr>
+        <p:blipFill>
+          <a:blip r:embed="rId2">
+            <a:extLst>
+              <a:ext uri="{28A0092B-C50C-407E-A947-70E740481C1C}">
+                <a14:useLocalDpi xmlns:a14="http://schemas.microsoft.com/office/drawing/2010/main" val="0"/>
+              </a:ext>
+            </a:extLst>
+          </a:blip>
+          <a:stretch>
+            <a:fillRect/>
+          </a:stretch>
+        </p:blipFill>
+        <p:spPr>
+          <a:xfrm>
+            <a:off x="189756" y="1700808"/>
+            <a:ext cx="7772400" cy="643726"/>
+          </a:xfrm>
+          <a:prstGeom prst="rect">
+            <a:avLst/>
+          </a:prstGeom>
+        </p:spPr>
+      </p:pic>
+      <p:sp>
+        <p:nvSpPr>
+          <p:cNvPr id="5" name="TextBox 4">
+            <a:extLst>
+              <a:ext uri="{FF2B5EF4-FFF2-40B4-BE49-F238E27FC236}">
+                <a16:creationId xmlns:a16="http://schemas.microsoft.com/office/drawing/2014/main" id="{DC0F0B98-0E47-0BF3-3BFF-30AEB6C05C51}"/>
+              </a:ext>
+            </a:extLst>
+          </p:cNvPr>
+          <p:cNvSpPr txBox="1"/>
+          <p:nvPr/>
+        </p:nvSpPr>
+        <p:spPr>
+          <a:xfrm>
+            <a:off x="549796" y="1394890"/>
+            <a:ext cx="5400600" cy="233910"/>
+          </a:xfrm>
+          <a:prstGeom prst="rect">
+            <a:avLst/>
+          </a:prstGeom>
+          <a:noFill/>
+        </p:spPr>
+        <p:txBody>
+          <a:bodyPr wrap="square" lIns="0" tIns="0" rIns="0" bIns="0" rtlCol="0">
+            <a:spAutoFit/>
+          </a:bodyPr>
+          <a:lstStyle/>
+          <a:p>
+            <a:pPr>
+              <a:lnSpc>
+                <a:spcPct val="95000"/>
+              </a:lnSpc>
+            </a:pPr>
+            <a:r>
+              <a:rPr lang="en-DK" sz="1600" dirty="0">
+                <a:latin typeface="+mn-lt"/>
+              </a:rPr>
+              <a:t>W</a:t>
+            </a:r>
+            <a:r>
+              <a:rPr lang="en-GB" sz="1600" dirty="0" err="1">
+                <a:latin typeface="+mn-lt"/>
+              </a:rPr>
+              <a:t>i</a:t>
+            </a:r>
+            <a:r>
+              <a:rPr lang="en-DK" sz="1600" dirty="0">
+                <a:latin typeface="+mn-lt"/>
+              </a:rPr>
+              <a:t>th a  table we found an update rule </a:t>
+            </a:r>
+          </a:p>
+        </p:txBody>
+      </p:sp>
+      <p:sp>
+        <p:nvSpPr>
+          <p:cNvPr id="6" name="TextBox 5">
+            <a:extLst>
+              <a:ext uri="{FF2B5EF4-FFF2-40B4-BE49-F238E27FC236}">
+                <a16:creationId xmlns:a16="http://schemas.microsoft.com/office/drawing/2014/main" id="{DCF5D82C-0571-9FBD-9526-42467232BD74}"/>
+              </a:ext>
+            </a:extLst>
+          </p:cNvPr>
+          <p:cNvSpPr txBox="1"/>
+          <p:nvPr/>
+        </p:nvSpPr>
+        <p:spPr>
+          <a:xfrm>
+            <a:off x="549796" y="2547018"/>
+            <a:ext cx="5400600" cy="233910"/>
+          </a:xfrm>
+          <a:prstGeom prst="rect">
+            <a:avLst/>
+          </a:prstGeom>
+          <a:noFill/>
+        </p:spPr>
+        <p:txBody>
+          <a:bodyPr wrap="square" lIns="0" tIns="0" rIns="0" bIns="0" rtlCol="0">
+            <a:spAutoFit/>
+          </a:bodyPr>
+          <a:lstStyle/>
+          <a:p>
+            <a:pPr>
+              <a:lnSpc>
+                <a:spcPct val="95000"/>
+              </a:lnSpc>
+            </a:pPr>
+            <a:r>
+              <a:rPr lang="en-DK" sz="1600" dirty="0">
+                <a:latin typeface="+mn-lt"/>
+              </a:rPr>
+              <a:t>With a neural network we reformulate this as a loss</a:t>
+            </a:r>
+          </a:p>
+        </p:txBody>
+      </p:sp>
+      <mc:AlternateContent xmlns:mc="http://schemas.openxmlformats.org/markup-compatibility/2006">
+        <mc:Choice xmlns:a14="http://schemas.microsoft.com/office/drawing/2010/main" Requires="a14">
+          <p:sp>
+            <p:nvSpPr>
+              <p:cNvPr id="7" name="TextBox 6">
+                <a:extLst>
+                  <a:ext uri="{FF2B5EF4-FFF2-40B4-BE49-F238E27FC236}">
+                    <a16:creationId xmlns:a16="http://schemas.microsoft.com/office/drawing/2014/main" id="{C6926B50-9C75-04E9-D02B-632FE0434899}"/>
+                  </a:ext>
+                </a:extLst>
+              </p:cNvPr>
+              <p:cNvSpPr txBox="1"/>
+              <p:nvPr/>
+            </p:nvSpPr>
+            <p:spPr>
+              <a:xfrm>
+                <a:off x="551904" y="3195090"/>
+                <a:ext cx="4472763" cy="233910"/>
+              </a:xfrm>
+              <a:prstGeom prst="rect">
+                <a:avLst/>
+              </a:prstGeom>
+              <a:noFill/>
+            </p:spPr>
+            <p:txBody>
+              <a:bodyPr wrap="none" lIns="0" tIns="0" rIns="0" bIns="0" rtlCol="0">
+                <a:spAutoFit/>
+              </a:bodyPr>
+              <a:lstStyle/>
+              <a:p>
+                <a:pPr>
+                  <a:lnSpc>
+                    <a:spcPct val="95000"/>
+                  </a:lnSpc>
+                </a:pPr>
+                <a14:m>
+                  <m:oMathPara xmlns:m="http://schemas.openxmlformats.org/officeDocument/2006/math">
+                    <m:oMathParaPr>
+                      <m:jc m:val="centerGroup"/>
+                    </m:oMathParaPr>
+                    <m:oMath xmlns:m="http://schemas.openxmlformats.org/officeDocument/2006/math">
+                      <m:r>
+                        <a:rPr lang="da-DK" sz="1600" b="0" i="1" smtClean="0">
+                          <a:latin typeface="Cambria Math" panose="02040503050406030204" pitchFamily="18" charset="0"/>
+                        </a:rPr>
+                        <m:t>𝐿</m:t>
+                      </m:r>
+                      <m:r>
+                        <a:rPr lang="da-DK" sz="1600" b="0" i="1" smtClean="0">
+                          <a:latin typeface="Cambria Math" panose="02040503050406030204" pitchFamily="18" charset="0"/>
+                        </a:rPr>
+                        <m:t>=</m:t>
+                      </m:r>
+                      <m:r>
+                        <a:rPr lang="da-DK" sz="1600" b="0" i="1" smtClean="0">
+                          <a:latin typeface="Cambria Math" panose="02040503050406030204" pitchFamily="18" charset="0"/>
+                        </a:rPr>
+                        <m:t>𝑄</m:t>
+                      </m:r>
+                      <m:d>
+                        <m:dPr>
+                          <m:ctrlPr>
+                            <a:rPr lang="da-DK" sz="1600" b="0" i="1" smtClean="0">
+                              <a:latin typeface="Cambria Math" panose="02040503050406030204" pitchFamily="18" charset="0"/>
+                            </a:rPr>
+                          </m:ctrlPr>
+                        </m:dPr>
+                        <m:e>
+                          <m:sSub>
+                            <m:sSubPr>
+                              <m:ctrlPr>
+                                <a:rPr lang="da-DK" sz="1600" b="0" i="1" smtClean="0">
+                                  <a:latin typeface="Cambria Math" panose="02040503050406030204" pitchFamily="18" charset="0"/>
+                                </a:rPr>
+                              </m:ctrlPr>
+                            </m:sSubPr>
+                            <m:e>
+                              <m:r>
+                                <a:rPr lang="da-DK" sz="1600" b="0" i="1" smtClean="0">
+                                  <a:latin typeface="Cambria Math" panose="02040503050406030204" pitchFamily="18" charset="0"/>
+                                </a:rPr>
+                                <m:t>𝑠</m:t>
+                              </m:r>
+                            </m:e>
+                            <m:sub>
+                              <m:r>
+                                <a:rPr lang="da-DK" sz="1600" b="0" i="1" smtClean="0">
+                                  <a:latin typeface="Cambria Math" panose="02040503050406030204" pitchFamily="18" charset="0"/>
+                                </a:rPr>
+                                <m:t>𝑡</m:t>
+                              </m:r>
+                            </m:sub>
+                          </m:sSub>
+                          <m:r>
+                            <a:rPr lang="da-DK" sz="1600" b="0" i="1" smtClean="0">
+                              <a:latin typeface="Cambria Math" panose="02040503050406030204" pitchFamily="18" charset="0"/>
+                            </a:rPr>
+                            <m:t>,</m:t>
+                          </m:r>
+                          <m:sSub>
+                            <m:sSubPr>
+                              <m:ctrlPr>
+                                <a:rPr lang="da-DK" sz="1600" b="0" i="1" smtClean="0">
+                                  <a:latin typeface="Cambria Math" panose="02040503050406030204" pitchFamily="18" charset="0"/>
+                                </a:rPr>
+                              </m:ctrlPr>
+                            </m:sSubPr>
+                            <m:e>
+                              <m:r>
+                                <a:rPr lang="da-DK" sz="1600" b="0" i="1" smtClean="0">
+                                  <a:latin typeface="Cambria Math" panose="02040503050406030204" pitchFamily="18" charset="0"/>
+                                </a:rPr>
+                                <m:t>𝑎</m:t>
+                              </m:r>
+                            </m:e>
+                            <m:sub>
+                              <m:r>
+                                <a:rPr lang="da-DK" sz="1600" b="0" i="1" smtClean="0">
+                                  <a:latin typeface="Cambria Math" panose="02040503050406030204" pitchFamily="18" charset="0"/>
+                                </a:rPr>
+                                <m:t>𝑡</m:t>
+                              </m:r>
+                            </m:sub>
+                          </m:sSub>
+                        </m:e>
+                      </m:d>
+                      <m:r>
+                        <a:rPr lang="da-DK" sz="1600" b="0" i="1" smtClean="0">
+                          <a:latin typeface="Cambria Math" panose="02040503050406030204" pitchFamily="18" charset="0"/>
+                        </a:rPr>
+                        <m:t>−[</m:t>
+                      </m:r>
+                      <m:sSub>
+                        <m:sSubPr>
+                          <m:ctrlPr>
+                            <a:rPr lang="da-DK" sz="1600" b="0" i="1" smtClean="0">
+                              <a:latin typeface="Cambria Math" panose="02040503050406030204" pitchFamily="18" charset="0"/>
+                            </a:rPr>
+                          </m:ctrlPr>
+                        </m:sSubPr>
+                        <m:e>
+                          <m:r>
+                            <a:rPr lang="da-DK" sz="1600" b="0" i="1" smtClean="0">
+                              <a:latin typeface="Cambria Math" panose="02040503050406030204" pitchFamily="18" charset="0"/>
+                            </a:rPr>
+                            <m:t>𝑟</m:t>
+                          </m:r>
+                        </m:e>
+                        <m:sub>
+                          <m:r>
+                            <a:rPr lang="da-DK" sz="1600" b="0" i="1" smtClean="0">
+                              <a:latin typeface="Cambria Math" panose="02040503050406030204" pitchFamily="18" charset="0"/>
+                            </a:rPr>
+                            <m:t>𝑡</m:t>
+                          </m:r>
+                        </m:sub>
+                      </m:sSub>
+                      <m:r>
+                        <a:rPr lang="da-DK" sz="1600" b="0" i="1" smtClean="0">
+                          <a:latin typeface="Cambria Math" panose="02040503050406030204" pitchFamily="18" charset="0"/>
+                        </a:rPr>
+                        <m:t>−</m:t>
+                      </m:r>
+                      <m:func>
+                        <m:funcPr>
+                          <m:ctrlPr>
+                            <a:rPr lang="da-DK" sz="1600" b="0" i="1" smtClean="0">
+                              <a:latin typeface="Cambria Math" panose="02040503050406030204" pitchFamily="18" charset="0"/>
+                            </a:rPr>
+                          </m:ctrlPr>
+                        </m:funcPr>
+                        <m:fName>
+                          <m:r>
+                            <m:rPr>
+                              <m:sty m:val="p"/>
+                            </m:rPr>
+                            <a:rPr lang="da-DK" sz="1600" b="0" i="0" smtClean="0">
+                              <a:latin typeface="Cambria Math" panose="02040503050406030204" pitchFamily="18" charset="0"/>
+                            </a:rPr>
+                            <m:t>max</m:t>
+                          </m:r>
+                        </m:fName>
+                        <m:e>
+                          <m:d>
+                            <m:dPr>
+                              <m:endChr m:val="]"/>
+                              <m:ctrlPr>
+                                <a:rPr lang="da-DK" sz="1600" b="0" i="1" smtClean="0">
+                                  <a:latin typeface="Cambria Math" panose="02040503050406030204" pitchFamily="18" charset="0"/>
+                                </a:rPr>
+                              </m:ctrlPr>
+                            </m:dPr>
+                            <m:e>
+                              <m:sSub>
+                                <m:sSubPr>
+                                  <m:ctrlPr>
+                                    <a:rPr lang="da-DK" sz="1600" b="0" i="1" smtClean="0">
+                                      <a:latin typeface="Cambria Math" panose="02040503050406030204" pitchFamily="18" charset="0"/>
+                                    </a:rPr>
+                                  </m:ctrlPr>
+                                </m:sSubPr>
+                                <m:e>
+                                  <m:r>
+                                    <a:rPr lang="da-DK" sz="1600" b="0" i="1" smtClean="0">
+                                      <a:latin typeface="Cambria Math" panose="02040503050406030204" pitchFamily="18" charset="0"/>
+                                    </a:rPr>
+                                    <m:t>𝑄</m:t>
+                                  </m:r>
+                                </m:e>
+                                <m:sub>
+                                  <m:r>
+                                    <a:rPr lang="da-DK" sz="1600" b="0" i="1" smtClean="0">
+                                      <a:latin typeface="Cambria Math" panose="02040503050406030204" pitchFamily="18" charset="0"/>
+                                    </a:rPr>
+                                    <m:t>𝑎</m:t>
+                                  </m:r>
+                                </m:sub>
+                              </m:sSub>
+                              <m:d>
+                                <m:dPr>
+                                  <m:ctrlPr>
+                                    <a:rPr lang="da-DK" sz="1600" b="0" i="1" smtClean="0">
+                                      <a:latin typeface="Cambria Math" panose="02040503050406030204" pitchFamily="18" charset="0"/>
+                                    </a:rPr>
+                                  </m:ctrlPr>
+                                </m:dPr>
+                                <m:e>
+                                  <m:sSub>
+                                    <m:sSubPr>
+                                      <m:ctrlPr>
+                                        <a:rPr lang="da-DK" sz="1600" b="0" i="1" smtClean="0">
+                                          <a:latin typeface="Cambria Math" panose="02040503050406030204" pitchFamily="18" charset="0"/>
+                                        </a:rPr>
+                                      </m:ctrlPr>
+                                    </m:sSubPr>
+                                    <m:e>
+                                      <m:r>
+                                        <a:rPr lang="da-DK" sz="1600" b="0" i="1" smtClean="0">
+                                          <a:latin typeface="Cambria Math" panose="02040503050406030204" pitchFamily="18" charset="0"/>
+                                        </a:rPr>
+                                        <m:t>𝑠</m:t>
+                                      </m:r>
+                                    </m:e>
+                                    <m:sub>
+                                      <m:r>
+                                        <a:rPr lang="da-DK" sz="1600" b="0" i="1" smtClean="0">
+                                          <a:latin typeface="Cambria Math" panose="02040503050406030204" pitchFamily="18" charset="0"/>
+                                        </a:rPr>
+                                        <m:t>𝑡</m:t>
+                                      </m:r>
+                                      <m:r>
+                                        <a:rPr lang="da-DK" sz="1600" b="0" i="1" smtClean="0">
+                                          <a:latin typeface="Cambria Math" panose="02040503050406030204" pitchFamily="18" charset="0"/>
+                                        </a:rPr>
+                                        <m:t>+1</m:t>
+                                      </m:r>
+                                    </m:sub>
+                                  </m:sSub>
+                                  <m:r>
+                                    <a:rPr lang="da-DK" sz="1600" b="0" i="1" smtClean="0">
+                                      <a:latin typeface="Cambria Math" panose="02040503050406030204" pitchFamily="18" charset="0"/>
+                                    </a:rPr>
+                                    <m:t>,</m:t>
+                                  </m:r>
+                                  <m:sSup>
+                                    <m:sSupPr>
+                                      <m:ctrlPr>
+                                        <a:rPr lang="da-DK" sz="1600" b="0" i="1" smtClean="0">
+                                          <a:latin typeface="Cambria Math" panose="02040503050406030204" pitchFamily="18" charset="0"/>
+                                        </a:rPr>
+                                      </m:ctrlPr>
+                                    </m:sSupPr>
+                                    <m:e>
+                                      <m:r>
+                                        <a:rPr lang="da-DK" sz="1600" b="0" i="1" smtClean="0">
+                                          <a:latin typeface="Cambria Math" panose="02040503050406030204" pitchFamily="18" charset="0"/>
+                                        </a:rPr>
+                                        <m:t>𝑎</m:t>
+                                      </m:r>
+                                    </m:e>
+                                    <m:sup>
+                                      <m:r>
+                                        <a:rPr lang="da-DK" sz="1600" b="0" i="1" smtClean="0">
+                                          <a:latin typeface="Cambria Math" panose="02040503050406030204" pitchFamily="18" charset="0"/>
+                                        </a:rPr>
+                                        <m:t>∗</m:t>
+                                      </m:r>
+                                    </m:sup>
+                                  </m:sSup>
+                                </m:e>
+                              </m:d>
+                            </m:e>
+                          </m:d>
+                        </m:e>
+                      </m:func>
+                      <m:r>
+                        <a:rPr lang="da-DK" sz="1600" b="0" i="1" smtClean="0">
+                          <a:latin typeface="Cambria Math" panose="02040503050406030204" pitchFamily="18" charset="0"/>
+                        </a:rPr>
+                        <m:t>−</m:t>
+                      </m:r>
+                      <m:r>
+                        <a:rPr lang="da-DK" sz="1600" b="0" i="1" smtClean="0">
+                          <a:latin typeface="Cambria Math" panose="02040503050406030204" pitchFamily="18" charset="0"/>
+                        </a:rPr>
+                        <m:t>𝑄</m:t>
+                      </m:r>
+                      <m:r>
+                        <a:rPr lang="da-DK" sz="1600" b="0" i="1" smtClean="0">
+                          <a:latin typeface="Cambria Math" panose="02040503050406030204" pitchFamily="18" charset="0"/>
+                        </a:rPr>
+                        <m:t>(</m:t>
+                      </m:r>
+                      <m:sSub>
+                        <m:sSubPr>
+                          <m:ctrlPr>
+                            <a:rPr lang="da-DK" sz="1600" b="0" i="1" smtClean="0">
+                              <a:latin typeface="Cambria Math" panose="02040503050406030204" pitchFamily="18" charset="0"/>
+                            </a:rPr>
+                          </m:ctrlPr>
+                        </m:sSubPr>
+                        <m:e>
+                          <m:r>
+                            <a:rPr lang="da-DK" sz="1600" b="0" i="1" smtClean="0">
+                              <a:latin typeface="Cambria Math" panose="02040503050406030204" pitchFamily="18" charset="0"/>
+                            </a:rPr>
+                            <m:t>𝑠</m:t>
+                          </m:r>
+                        </m:e>
+                        <m:sub>
+                          <m:r>
+                            <a:rPr lang="da-DK" sz="1600" b="0" i="1" smtClean="0">
+                              <a:latin typeface="Cambria Math" panose="02040503050406030204" pitchFamily="18" charset="0"/>
+                            </a:rPr>
+                            <m:t>𝑡</m:t>
+                          </m:r>
+                        </m:sub>
+                      </m:sSub>
+                      <m:r>
+                        <a:rPr lang="da-DK" sz="1600" b="0" i="1" smtClean="0">
+                          <a:latin typeface="Cambria Math" panose="02040503050406030204" pitchFamily="18" charset="0"/>
+                        </a:rPr>
+                        <m:t>,</m:t>
+                      </m:r>
+                      <m:sSub>
+                        <m:sSubPr>
+                          <m:ctrlPr>
+                            <a:rPr lang="da-DK" sz="1600" b="0" i="1" smtClean="0">
+                              <a:latin typeface="Cambria Math" panose="02040503050406030204" pitchFamily="18" charset="0"/>
+                            </a:rPr>
+                          </m:ctrlPr>
+                        </m:sSubPr>
+                        <m:e>
+                          <m:r>
+                            <a:rPr lang="da-DK" sz="1600" b="0" i="1" smtClean="0">
+                              <a:latin typeface="Cambria Math" panose="02040503050406030204" pitchFamily="18" charset="0"/>
+                            </a:rPr>
+                            <m:t>𝑎</m:t>
+                          </m:r>
+                        </m:e>
+                        <m:sub>
+                          <m:r>
+                            <a:rPr lang="da-DK" sz="1600" b="0" i="1" smtClean="0">
+                              <a:latin typeface="Cambria Math" panose="02040503050406030204" pitchFamily="18" charset="0"/>
+                            </a:rPr>
+                            <m:t>𝑡</m:t>
+                          </m:r>
+                        </m:sub>
+                      </m:sSub>
+                      <m:r>
+                        <a:rPr lang="da-DK" sz="1600" b="0" i="1" smtClean="0">
+                          <a:latin typeface="Cambria Math" panose="02040503050406030204" pitchFamily="18" charset="0"/>
+                        </a:rPr>
+                        <m:t>)</m:t>
+                      </m:r>
+                    </m:oMath>
+                  </m:oMathPara>
+                </a14:m>
+                <a:endParaRPr lang="en-DK" sz="1600" dirty="0">
+                  <a:latin typeface="+mn-lt"/>
+                </a:endParaRPr>
+              </a:p>
+            </p:txBody>
+          </p:sp>
+        </mc:Choice>
+        <mc:Fallback>
+          <p:sp>
+            <p:nvSpPr>
+              <p:cNvPr id="7" name="TextBox 6">
+                <a:extLst>
+                  <a:ext uri="{FF2B5EF4-FFF2-40B4-BE49-F238E27FC236}">
+                    <a16:creationId xmlns:a16="http://schemas.microsoft.com/office/drawing/2014/main" id="{C6926B50-9C75-04E9-D02B-632FE0434899}"/>
+                  </a:ext>
+                </a:extLst>
+              </p:cNvPr>
+              <p:cNvSpPr txBox="1">
+                <a:spLocks noRot="1" noChangeAspect="1" noMove="1" noResize="1" noEditPoints="1" noAdjustHandles="1" noChangeArrowheads="1" noChangeShapeType="1" noTextEdit="1"/>
+              </p:cNvSpPr>
+              <p:nvPr/>
+            </p:nvSpPr>
+            <p:spPr>
+              <a:xfrm>
+                <a:off x="551904" y="3195090"/>
+                <a:ext cx="4472763" cy="233910"/>
+              </a:xfrm>
+              <a:prstGeom prst="rect">
+                <a:avLst/>
+              </a:prstGeom>
+              <a:blipFill>
+                <a:blip r:embed="rId3"/>
+                <a:stretch>
+                  <a:fillRect l="-567" r="-1133" b="-40000"/>
+                </a:stretch>
+              </a:blipFill>
+            </p:spPr>
+            <p:txBody>
+              <a:bodyPr/>
+              <a:lstStyle/>
+              <a:p>
+                <a:r>
+                  <a:rPr lang="en-DK">
+                    <a:noFill/>
+                  </a:rPr>
+                  <a:t> </a:t>
+                </a:r>
+              </a:p>
+            </p:txBody>
+          </p:sp>
+        </mc:Fallback>
+      </mc:AlternateContent>
+    </p:spTree>
+    <p:extLst>
+      <p:ext uri="{BB962C8B-B14F-4D97-AF65-F5344CB8AC3E}">
+        <p14:creationId xmlns:p14="http://schemas.microsoft.com/office/powerpoint/2010/main" val="3811819073"/>
+      </p:ext>
+    </p:extLst>
+  </p:cSld>
+  <p:clrMapOvr>
+    <a:masterClrMapping/>
+  </p:clrMapOvr>
+</p:sld>
+</file>
+
+<file path=ppt/slides/slide23.xml><?xml version="1.0" encoding="utf-8"?>
 <p:sld xmlns:a="http://schemas.openxmlformats.org/drawingml/2006/main" xmlns:r="http://schemas.openxmlformats.org/officeDocument/2006/relationships" xmlns:p="http://schemas.openxmlformats.org/presentationml/2006/main">
   <p:cSld>
     <p:spTree>
@@ -18195,7 +22949,189 @@
 </p:sld>
 </file>
 
-<file path=ppt/slides/slide23.xml><?xml version="1.0" encoding="utf-8"?>
+<file path=ppt/slides/slide24.xml><?xml version="1.0" encoding="utf-8"?>
+<p:sld xmlns:a="http://schemas.openxmlformats.org/drawingml/2006/main" xmlns:r="http://schemas.openxmlformats.org/officeDocument/2006/relationships" xmlns:p="http://schemas.openxmlformats.org/presentationml/2006/main">
+  <p:cSld>
+    <p:spTree>
+      <p:nvGrpSpPr>
+        <p:cNvPr id="1" name=""/>
+        <p:cNvGrpSpPr/>
+        <p:nvPr/>
+      </p:nvGrpSpPr>
+      <p:grpSpPr>
+        <a:xfrm>
+          <a:off x="0" y="0"/>
+          <a:ext cx="0" cy="0"/>
+          <a:chOff x="0" y="0"/>
+          <a:chExt cx="0" cy="0"/>
+        </a:xfrm>
+      </p:grpSpPr>
+      <p:sp>
+        <p:nvSpPr>
+          <p:cNvPr id="2" name="Content Placeholder 1">
+            <a:extLst>
+              <a:ext uri="{FF2B5EF4-FFF2-40B4-BE49-F238E27FC236}">
+                <a16:creationId xmlns:a16="http://schemas.microsoft.com/office/drawing/2014/main" id="{8E6D037B-1C4C-1C6C-E772-F24D69326F9B}"/>
+              </a:ext>
+            </a:extLst>
+          </p:cNvPr>
+          <p:cNvSpPr>
+            <a:spLocks noGrp="1"/>
+          </p:cNvSpPr>
+          <p:nvPr>
+            <p:ph idx="1"/>
+          </p:nvPr>
+        </p:nvSpPr>
+        <p:spPr/>
+        <p:txBody>
+          <a:bodyPr/>
+          <a:lstStyle/>
+          <a:p>
+            <a:endParaRPr lang="en-DK"/>
+          </a:p>
+        </p:txBody>
+      </p:sp>
+      <p:sp>
+        <p:nvSpPr>
+          <p:cNvPr id="3" name="Date Placeholder 2">
+            <a:extLst>
+              <a:ext uri="{FF2B5EF4-FFF2-40B4-BE49-F238E27FC236}">
+                <a16:creationId xmlns:a16="http://schemas.microsoft.com/office/drawing/2014/main" id="{19D140B7-87B4-B73B-47FD-69F81B35F9C5}"/>
+              </a:ext>
+            </a:extLst>
+          </p:cNvPr>
+          <p:cNvSpPr>
+            <a:spLocks noGrp="1"/>
+          </p:cNvSpPr>
+          <p:nvPr>
+            <p:ph type="dt" sz="half" idx="10"/>
+          </p:nvPr>
+        </p:nvSpPr>
+        <p:spPr/>
+        <p:txBody>
+          <a:bodyPr/>
+          <a:lstStyle/>
+          <a:p>
+            <a:fld id="{28D71DEA-E4F3-4E4F-9890-E4EE71447399}" type="datetime1">
+              <a:rPr lang="da-DK" smtClean="0"/>
+              <a:t>03.07.2025</a:t>
+            </a:fld>
+            <a:r>
+              <a:rPr lang="da-DK"/>
+              <a:t>03-07-2025</a:t>
+            </a:r>
+          </a:p>
+        </p:txBody>
+      </p:sp>
+      <p:sp>
+        <p:nvSpPr>
+          <p:cNvPr id="4" name="Title 3">
+            <a:extLst>
+              <a:ext uri="{FF2B5EF4-FFF2-40B4-BE49-F238E27FC236}">
+                <a16:creationId xmlns:a16="http://schemas.microsoft.com/office/drawing/2014/main" id="{DBC2372D-30E2-17FA-19D5-CCEBCB169C9E}"/>
+              </a:ext>
+            </a:extLst>
+          </p:cNvPr>
+          <p:cNvSpPr>
+            <a:spLocks noGrp="1"/>
+          </p:cNvSpPr>
+          <p:nvPr>
+            <p:ph type="title"/>
+          </p:nvPr>
+        </p:nvSpPr>
+        <p:spPr/>
+        <p:txBody>
+          <a:bodyPr/>
+          <a:lstStyle/>
+          <a:p>
+            <a:endParaRPr lang="en-DK"/>
+          </a:p>
+        </p:txBody>
+      </p:sp>
+    </p:spTree>
+    <p:extLst>
+      <p:ext uri="{BB962C8B-B14F-4D97-AF65-F5344CB8AC3E}">
+        <p14:creationId xmlns:p14="http://schemas.microsoft.com/office/powerpoint/2010/main" val="706827949"/>
+      </p:ext>
+    </p:extLst>
+  </p:cSld>
+  <p:clrMapOvr>
+    <a:masterClrMapping/>
+  </p:clrMapOvr>
+</p:sld>
+</file>
+
+<file path=ppt/slides/slide25.xml><?xml version="1.0" encoding="utf-8"?>
+<p:sld xmlns:a="http://schemas.openxmlformats.org/drawingml/2006/main" xmlns:r="http://schemas.openxmlformats.org/officeDocument/2006/relationships" xmlns:p="http://schemas.openxmlformats.org/presentationml/2006/main">
+  <p:cSld>
+    <p:spTree>
+      <p:nvGrpSpPr>
+        <p:cNvPr id="1" name=""/>
+        <p:cNvGrpSpPr/>
+        <p:nvPr/>
+      </p:nvGrpSpPr>
+      <p:grpSpPr>
+        <a:xfrm>
+          <a:off x="0" y="0"/>
+          <a:ext cx="0" cy="0"/>
+          <a:chOff x="0" y="0"/>
+          <a:chExt cx="0" cy="0"/>
+        </a:xfrm>
+      </p:grpSpPr>
+      <p:sp>
+        <p:nvSpPr>
+          <p:cNvPr id="2" name="Title 1">
+            <a:extLst>
+              <a:ext uri="{FF2B5EF4-FFF2-40B4-BE49-F238E27FC236}">
+                <a16:creationId xmlns:a16="http://schemas.microsoft.com/office/drawing/2014/main" id="{5E26D79F-9560-EAE7-90D3-95D0493438AC}"/>
+              </a:ext>
+            </a:extLst>
+          </p:cNvPr>
+          <p:cNvSpPr>
+            <a:spLocks noGrp="1"/>
+          </p:cNvSpPr>
+          <p:nvPr>
+            <p:ph type="ctrTitle"/>
+          </p:nvPr>
+        </p:nvSpPr>
+        <p:spPr>
+          <a:xfrm>
+            <a:off x="985838" y="2482343"/>
+            <a:ext cx="10220325" cy="1661993"/>
+          </a:xfrm>
+        </p:spPr>
+        <p:txBody>
+          <a:bodyPr/>
+          <a:lstStyle/>
+          <a:p>
+            <a:r>
+              <a:rPr lang="en-DK" dirty="0"/>
+              <a:t>HANDS-OFF FOR ME. </a:t>
+            </a:r>
+            <a:br>
+              <a:rPr lang="en-DK" dirty="0"/>
+            </a:br>
+            <a:r>
+              <a:rPr lang="en-DK" dirty="0"/>
+              <a:t>HANDS-ON FOR YOU.</a:t>
+            </a:r>
+          </a:p>
+        </p:txBody>
+      </p:sp>
+    </p:spTree>
+    <p:extLst>
+      <p:ext uri="{BB962C8B-B14F-4D97-AF65-F5344CB8AC3E}">
+        <p14:creationId xmlns:p14="http://schemas.microsoft.com/office/powerpoint/2010/main" val="360595415"/>
+      </p:ext>
+    </p:extLst>
+  </p:cSld>
+  <p:clrMapOvr>
+    <a:masterClrMapping/>
+  </p:clrMapOvr>
+</p:sld>
+</file>
+
+<file path=ppt/slides/slide26.xml><?xml version="1.0" encoding="utf-8"?>
 <p:sld xmlns:a="http://schemas.openxmlformats.org/drawingml/2006/main" xmlns:r="http://schemas.openxmlformats.org/officeDocument/2006/relationships" xmlns:p="http://schemas.openxmlformats.org/presentationml/2006/main">
   <p:cSld>
     <p:spTree>
@@ -18791,79 +23727,6 @@
           </a:p>
         </p:txBody>
       </p:sp>
-      <p:pic>
-        <p:nvPicPr>
-          <p:cNvPr id="6" name="Picture 5" descr="A screenshot of a computer&#10;&#10;AI-generated content may be incorrect.">
-            <a:extLst>
-              <a:ext uri="{FF2B5EF4-FFF2-40B4-BE49-F238E27FC236}">
-                <a16:creationId xmlns:a16="http://schemas.microsoft.com/office/drawing/2014/main" id="{6EEF0F21-3A8A-B6EF-43D1-0CDD1C8629B0}"/>
-              </a:ext>
-            </a:extLst>
-          </p:cNvPr>
-          <p:cNvPicPr>
-            <a:picLocks noChangeAspect="1"/>
-          </p:cNvPicPr>
-          <p:nvPr/>
-        </p:nvPicPr>
-        <p:blipFill>
-          <a:blip r:embed="rId2">
-            <a:extLst>
-              <a:ext uri="{28A0092B-C50C-407E-A947-70E740481C1C}">
-                <a14:useLocalDpi xmlns:a14="http://schemas.microsoft.com/office/drawing/2010/main" val="0"/>
-              </a:ext>
-            </a:extLst>
-          </a:blip>
-          <a:stretch>
-            <a:fillRect/>
-          </a:stretch>
-        </p:blipFill>
-        <p:spPr>
-          <a:xfrm>
-            <a:off x="1701924" y="2726086"/>
-            <a:ext cx="7772400" cy="2090872"/>
-          </a:xfrm>
-          <a:prstGeom prst="rect">
-            <a:avLst/>
-          </a:prstGeom>
-        </p:spPr>
-      </p:pic>
-      <p:cxnSp>
-        <p:nvCxnSpPr>
-          <p:cNvPr id="8" name="Straight Arrow Connector 7">
-            <a:extLst>
-              <a:ext uri="{FF2B5EF4-FFF2-40B4-BE49-F238E27FC236}">
-                <a16:creationId xmlns:a16="http://schemas.microsoft.com/office/drawing/2014/main" id="{48149C52-6645-979C-7454-42BAF0731792}"/>
-              </a:ext>
-            </a:extLst>
-          </p:cNvPr>
-          <p:cNvCxnSpPr>
-            <a:cxnSpLocks/>
-          </p:cNvCxnSpPr>
-          <p:nvPr/>
-        </p:nvCxnSpPr>
-        <p:spPr bwMode="auto">
-          <a:xfrm flipH="1" flipV="1">
-            <a:off x="7030516" y="4293096"/>
-            <a:ext cx="3672408" cy="936104"/>
-          </a:xfrm>
-          <a:prstGeom prst="straightConnector1">
-            <a:avLst/>
-          </a:prstGeom>
-          <a:solidFill>
-            <a:schemeClr val="accent2"/>
-          </a:solidFill>
-          <a:ln w="38100" cap="flat" cmpd="sng" algn="ctr">
-            <a:solidFill>
-              <a:srgbClr val="FF0000"/>
-            </a:solidFill>
-            <a:prstDash val="solid"/>
-            <a:round/>
-            <a:headEnd type="none" w="med" len="med"/>
-            <a:tailEnd type="triangle"/>
-          </a:ln>
-          <a:effectLst/>
-        </p:spPr>
-      </p:cxnSp>
       <p:sp>
         <p:nvSpPr>
           <p:cNvPr id="10" name="TextBox 9">
@@ -18906,6 +23769,79 @@
           </a:p>
         </p:txBody>
       </p:sp>
+      <p:pic>
+        <p:nvPicPr>
+          <p:cNvPr id="7" name="Picture 6" descr="A screenshot of a computer&#10;&#10;AI-generated content may be incorrect.">
+            <a:extLst>
+              <a:ext uri="{FF2B5EF4-FFF2-40B4-BE49-F238E27FC236}">
+                <a16:creationId xmlns:a16="http://schemas.microsoft.com/office/drawing/2014/main" id="{2E903440-448F-310A-F8F8-6DA6D585E071}"/>
+              </a:ext>
+            </a:extLst>
+          </p:cNvPr>
+          <p:cNvPicPr>
+            <a:picLocks noChangeAspect="1"/>
+          </p:cNvPicPr>
+          <p:nvPr/>
+        </p:nvPicPr>
+        <p:blipFill>
+          <a:blip r:embed="rId2">
+            <a:extLst>
+              <a:ext uri="{28A0092B-C50C-407E-A947-70E740481C1C}">
+                <a14:useLocalDpi xmlns:a14="http://schemas.microsoft.com/office/drawing/2010/main" val="0"/>
+              </a:ext>
+            </a:extLst>
+          </a:blip>
+          <a:stretch>
+            <a:fillRect/>
+          </a:stretch>
+        </p:blipFill>
+        <p:spPr>
+          <a:xfrm>
+            <a:off x="1701924" y="2497482"/>
+            <a:ext cx="7772400" cy="2267734"/>
+          </a:xfrm>
+          <a:prstGeom prst="rect">
+            <a:avLst/>
+          </a:prstGeom>
+        </p:spPr>
+      </p:pic>
+      <p:cxnSp>
+        <p:nvCxnSpPr>
+          <p:cNvPr id="8" name="Straight Arrow Connector 7">
+            <a:extLst>
+              <a:ext uri="{FF2B5EF4-FFF2-40B4-BE49-F238E27FC236}">
+                <a16:creationId xmlns:a16="http://schemas.microsoft.com/office/drawing/2014/main" id="{48149C52-6645-979C-7454-42BAF0731792}"/>
+              </a:ext>
+            </a:extLst>
+          </p:cNvPr>
+          <p:cNvCxnSpPr>
+            <a:cxnSpLocks/>
+          </p:cNvCxnSpPr>
+          <p:nvPr/>
+        </p:nvCxnSpPr>
+        <p:spPr bwMode="auto">
+          <a:xfrm flipH="1" flipV="1">
+            <a:off x="7174532" y="4149080"/>
+            <a:ext cx="3528392" cy="1080120"/>
+          </a:xfrm>
+          <a:prstGeom prst="straightConnector1">
+            <a:avLst/>
+          </a:prstGeom>
+          <a:solidFill>
+            <a:schemeClr val="accent2"/>
+          </a:solidFill>
+          <a:ln w="38100" cap="flat" cmpd="sng" algn="ctr">
+            <a:solidFill>
+              <a:srgbClr val="FF0000"/>
+            </a:solidFill>
+            <a:prstDash val="solid"/>
+            <a:round/>
+            <a:headEnd type="none" w="med" len="med"/>
+            <a:tailEnd type="triangle"/>
+          </a:ln>
+          <a:effectLst/>
+        </p:spPr>
+      </p:cxnSp>
     </p:spTree>
     <p:extLst>
       <p:ext uri="{BB962C8B-B14F-4D97-AF65-F5344CB8AC3E}">
@@ -18996,42 +23932,6 @@
           </a:p>
         </p:txBody>
       </p:sp>
-      <p:pic>
-        <p:nvPicPr>
-          <p:cNvPr id="6" name="Picture 5" descr="A black screen with white text&#10;&#10;AI-generated content may be incorrect.">
-            <a:extLst>
-              <a:ext uri="{FF2B5EF4-FFF2-40B4-BE49-F238E27FC236}">
-                <a16:creationId xmlns:a16="http://schemas.microsoft.com/office/drawing/2014/main" id="{BF5B2399-3032-F732-9FD5-969CCE5A673F}"/>
-              </a:ext>
-            </a:extLst>
-          </p:cNvPr>
-          <p:cNvPicPr>
-            <a:picLocks noChangeAspect="1"/>
-          </p:cNvPicPr>
-          <p:nvPr/>
-        </p:nvPicPr>
-        <p:blipFill>
-          <a:blip r:embed="rId2">
-            <a:extLst>
-              <a:ext uri="{28A0092B-C50C-407E-A947-70E740481C1C}">
-                <a14:useLocalDpi xmlns:a14="http://schemas.microsoft.com/office/drawing/2010/main" val="0"/>
-              </a:ext>
-            </a:extLst>
-          </a:blip>
-          <a:stretch>
-            <a:fillRect/>
-          </a:stretch>
-        </p:blipFill>
-        <p:spPr>
-          <a:xfrm>
-            <a:off x="1341884" y="2348880"/>
-            <a:ext cx="9859626" cy="1700755"/>
-          </a:xfrm>
-          <a:prstGeom prst="rect">
-            <a:avLst/>
-          </a:prstGeom>
-        </p:spPr>
-      </p:pic>
       <p:sp>
         <p:nvSpPr>
           <p:cNvPr id="7" name="TextBox 6">
@@ -19158,6 +24058,42 @@
           </a:p>
         </p:txBody>
       </p:sp>
+      <p:pic>
+        <p:nvPicPr>
+          <p:cNvPr id="5" name="Picture 4" descr="A black screen with white text&#10;&#10;AI-generated content may be incorrect.">
+            <a:extLst>
+              <a:ext uri="{FF2B5EF4-FFF2-40B4-BE49-F238E27FC236}">
+                <a16:creationId xmlns:a16="http://schemas.microsoft.com/office/drawing/2014/main" id="{C8F998E5-D2D6-3E6A-1600-5288A1BC42DC}"/>
+              </a:ext>
+            </a:extLst>
+          </p:cNvPr>
+          <p:cNvPicPr>
+            <a:picLocks noChangeAspect="1"/>
+          </p:cNvPicPr>
+          <p:nvPr/>
+        </p:nvPicPr>
+        <p:blipFill>
+          <a:blip r:embed="rId2">
+            <a:extLst>
+              <a:ext uri="{28A0092B-C50C-407E-A947-70E740481C1C}">
+                <a14:useLocalDpi xmlns:a14="http://schemas.microsoft.com/office/drawing/2010/main" val="0"/>
+              </a:ext>
+            </a:extLst>
+          </a:blip>
+          <a:stretch>
+            <a:fillRect/>
+          </a:stretch>
+        </p:blipFill>
+        <p:spPr>
+          <a:xfrm>
+            <a:off x="920872" y="2426274"/>
+            <a:ext cx="10104140" cy="1600970"/>
+          </a:xfrm>
+          <a:prstGeom prst="rect">
+            <a:avLst/>
+          </a:prstGeom>
+        </p:spPr>
+      </p:pic>
     </p:spTree>
     <p:extLst>
       <p:ext uri="{BB962C8B-B14F-4D97-AF65-F5344CB8AC3E}">
